--- a/06_SystemesAsservis/TD_01_AssemblageFalcon/Figure.pptx
+++ b/06_SystemesAsservis/TD_01_AssemblageFalcon/Figure.pptx
@@ -12,6 +12,9 @@
     <p:sldId id="260" r:id="rId6"/>
     <p:sldId id="261" r:id="rId7"/>
     <p:sldId id="262" r:id="rId8"/>
+    <p:sldId id="264" r:id="rId9"/>
+    <p:sldId id="265" r:id="rId10"/>
+    <p:sldId id="263" r:id="rId11"/>
   </p:sldIdLst>
   <p:sldSz cx="9144000" cy="6858000" type="screen4x3"/>
   <p:notesSz cx="6858000" cy="9144000"/>
@@ -294,7 +297,7 @@
           <a:p>
             <a:fld id="{AA309A6D-C09C-4548-B29A-6CF363A7E532}" type="datetimeFigureOut">
               <a:rPr lang="fr-FR" smtClean="0"/>
-              <a:t>18/01/2016</a:t>
+              <a:t>22/01/2016</a:t>
             </a:fld>
             <a:endParaRPr lang="fr-BE"/>
           </a:p>
@@ -459,7 +462,7 @@
           <a:p>
             <a:fld id="{AA309A6D-C09C-4548-B29A-6CF363A7E532}" type="datetimeFigureOut">
               <a:rPr lang="fr-FR" smtClean="0"/>
-              <a:t>18/01/2016</a:t>
+              <a:t>22/01/2016</a:t>
             </a:fld>
             <a:endParaRPr lang="fr-BE"/>
           </a:p>
@@ -634,7 +637,7 @@
           <a:p>
             <a:fld id="{AA309A6D-C09C-4548-B29A-6CF363A7E532}" type="datetimeFigureOut">
               <a:rPr lang="fr-FR" smtClean="0"/>
-              <a:t>18/01/2016</a:t>
+              <a:t>22/01/2016</a:t>
             </a:fld>
             <a:endParaRPr lang="fr-BE"/>
           </a:p>
@@ -799,7 +802,7 @@
           <a:p>
             <a:fld id="{AA309A6D-C09C-4548-B29A-6CF363A7E532}" type="datetimeFigureOut">
               <a:rPr lang="fr-FR" smtClean="0"/>
-              <a:t>18/01/2016</a:t>
+              <a:t>22/01/2016</a:t>
             </a:fld>
             <a:endParaRPr lang="fr-BE"/>
           </a:p>
@@ -1040,7 +1043,7 @@
           <a:p>
             <a:fld id="{AA309A6D-C09C-4548-B29A-6CF363A7E532}" type="datetimeFigureOut">
               <a:rPr lang="fr-FR" smtClean="0"/>
-              <a:t>18/01/2016</a:t>
+              <a:t>22/01/2016</a:t>
             </a:fld>
             <a:endParaRPr lang="fr-BE"/>
           </a:p>
@@ -1323,7 +1326,7 @@
           <a:p>
             <a:fld id="{AA309A6D-C09C-4548-B29A-6CF363A7E532}" type="datetimeFigureOut">
               <a:rPr lang="fr-FR" smtClean="0"/>
-              <a:t>18/01/2016</a:t>
+              <a:t>22/01/2016</a:t>
             </a:fld>
             <a:endParaRPr lang="fr-BE"/>
           </a:p>
@@ -1740,7 +1743,7 @@
           <a:p>
             <a:fld id="{AA309A6D-C09C-4548-B29A-6CF363A7E532}" type="datetimeFigureOut">
               <a:rPr lang="fr-FR" smtClean="0"/>
-              <a:t>18/01/2016</a:t>
+              <a:t>22/01/2016</a:t>
             </a:fld>
             <a:endParaRPr lang="fr-BE"/>
           </a:p>
@@ -1853,7 +1856,7 @@
           <a:p>
             <a:fld id="{AA309A6D-C09C-4548-B29A-6CF363A7E532}" type="datetimeFigureOut">
               <a:rPr lang="fr-FR" smtClean="0"/>
-              <a:t>18/01/2016</a:t>
+              <a:t>22/01/2016</a:t>
             </a:fld>
             <a:endParaRPr lang="fr-BE"/>
           </a:p>
@@ -1943,7 +1946,7 @@
           <a:p>
             <a:fld id="{AA309A6D-C09C-4548-B29A-6CF363A7E532}" type="datetimeFigureOut">
               <a:rPr lang="fr-FR" smtClean="0"/>
-              <a:t>18/01/2016</a:t>
+              <a:t>22/01/2016</a:t>
             </a:fld>
             <a:endParaRPr lang="fr-BE"/>
           </a:p>
@@ -2215,7 +2218,7 @@
           <a:p>
             <a:fld id="{AA309A6D-C09C-4548-B29A-6CF363A7E532}" type="datetimeFigureOut">
               <a:rPr lang="fr-FR" smtClean="0"/>
-              <a:t>18/01/2016</a:t>
+              <a:t>22/01/2016</a:t>
             </a:fld>
             <a:endParaRPr lang="fr-BE"/>
           </a:p>
@@ -2463,7 +2466,7 @@
           <a:p>
             <a:fld id="{AA309A6D-C09C-4548-B29A-6CF363A7E532}" type="datetimeFigureOut">
               <a:rPr lang="fr-FR" smtClean="0"/>
-              <a:t>18/01/2016</a:t>
+              <a:t>22/01/2016</a:t>
             </a:fld>
             <a:endParaRPr lang="fr-BE"/>
           </a:p>
@@ -2671,7 +2674,7 @@
           <a:p>
             <a:fld id="{AA309A6D-C09C-4548-B29A-6CF363A7E532}" type="datetimeFigureOut">
               <a:rPr lang="fr-FR" smtClean="0"/>
-              <a:t>18/01/2016</a:t>
+              <a:t>22/01/2016</a:t>
             </a:fld>
             <a:endParaRPr lang="fr-BE"/>
           </a:p>
@@ -3241,6 +3244,36 @@
     <p:extLst>
       <p:ext uri="{BB962C8B-B14F-4D97-AF65-F5344CB8AC3E}">
         <p14:creationId xmlns:p14="http://schemas.microsoft.com/office/powerpoint/2010/main" val="2880085655"/>
+      </p:ext>
+    </p:extLst>
+  </p:cSld>
+  <p:clrMapOvr>
+    <a:masterClrMapping/>
+  </p:clrMapOvr>
+</p:sld>
+</file>
+
+<file path=ppt/slides/slide10.xml><?xml version="1.0" encoding="utf-8"?>
+<p:sld xmlns:a="http://schemas.openxmlformats.org/drawingml/2006/main" xmlns:r="http://schemas.openxmlformats.org/officeDocument/2006/relationships" xmlns:p="http://schemas.openxmlformats.org/presentationml/2006/main">
+  <p:cSld>
+    <p:spTree>
+      <p:nvGrpSpPr>
+        <p:cNvPr id="1" name=""/>
+        <p:cNvGrpSpPr/>
+        <p:nvPr/>
+      </p:nvGrpSpPr>
+      <p:grpSpPr>
+        <a:xfrm>
+          <a:off x="0" y="0"/>
+          <a:ext cx="0" cy="0"/>
+          <a:chOff x="0" y="0"/>
+          <a:chExt cx="0" cy="0"/>
+        </a:xfrm>
+      </p:grpSpPr>
+    </p:spTree>
+    <p:extLst>
+      <p:ext uri="{BB962C8B-B14F-4D97-AF65-F5344CB8AC3E}">
+        <p14:creationId xmlns:p14="http://schemas.microsoft.com/office/powerpoint/2010/main" val="1625946899"/>
       </p:ext>
     </p:extLst>
   </p:cSld>
@@ -10437,8 +10470,8 @@
           <a:chExt cx="0" cy="0"/>
         </a:xfrm>
       </p:grpSpPr>
-      <mc:AlternateContent xmlns:mc="http://schemas.openxmlformats.org/markup-compatibility/2006">
-        <mc:Choice xmlns:a14="http://schemas.microsoft.com/office/drawing/2010/main" Requires="a14">
+      <mc:AlternateContent xmlns:mc="http://schemas.openxmlformats.org/markup-compatibility/2006" xmlns:a14="http://schemas.microsoft.com/office/drawing/2010/main">
+        <mc:Choice Requires="a14">
           <p:sp>
             <p:nvSpPr>
               <p:cNvPr id="6" name="Rectangle 5"/>
@@ -10553,7 +10586,7 @@
             </p:txBody>
           </p:sp>
         </mc:Choice>
-        <mc:Fallback>
+        <mc:Fallback xmlns="">
           <p:sp>
             <p:nvSpPr>
               <p:cNvPr id="6" name="Rectangle 5"/>
@@ -10643,8 +10676,8 @@
           </a:fontRef>
         </p:style>
       </p:cxnSp>
-      <mc:AlternateContent xmlns:mc="http://schemas.openxmlformats.org/markup-compatibility/2006">
-        <mc:Choice xmlns:a14="http://schemas.microsoft.com/office/drawing/2010/main" Requires="a14">
+      <mc:AlternateContent xmlns:mc="http://schemas.openxmlformats.org/markup-compatibility/2006" xmlns:a14="http://schemas.microsoft.com/office/drawing/2010/main">
+        <mc:Choice Requires="a14">
           <p:sp>
             <p:nvSpPr>
               <p:cNvPr id="34" name="Rectangle 33"/>
@@ -10741,7 +10774,7 @@
             </p:txBody>
           </p:sp>
         </mc:Choice>
-        <mc:Fallback>
+        <mc:Fallback xmlns="">
           <p:sp>
             <p:nvSpPr>
               <p:cNvPr id="34" name="Rectangle 33"/>
@@ -10787,8 +10820,8 @@
           </p:sp>
         </mc:Fallback>
       </mc:AlternateContent>
-      <mc:AlternateContent xmlns:mc="http://schemas.openxmlformats.org/markup-compatibility/2006">
-        <mc:Choice xmlns:a14="http://schemas.microsoft.com/office/drawing/2010/main" Requires="a14">
+      <mc:AlternateContent xmlns:mc="http://schemas.openxmlformats.org/markup-compatibility/2006" xmlns:a14="http://schemas.microsoft.com/office/drawing/2010/main">
+        <mc:Choice Requires="a14">
           <p:sp>
             <p:nvSpPr>
               <p:cNvPr id="36" name="Rectangle 35"/>
@@ -10937,7 +10970,7 @@
             </p:txBody>
           </p:sp>
         </mc:Choice>
-        <mc:Fallback>
+        <mc:Fallback xmlns="">
           <p:sp>
             <p:nvSpPr>
               <p:cNvPr id="36" name="Rectangle 35"/>
@@ -11762,8 +11795,8 @@
           </a:fontRef>
         </p:style>
       </p:cxnSp>
-      <mc:AlternateContent xmlns:mc="http://schemas.openxmlformats.org/markup-compatibility/2006">
-        <mc:Choice xmlns:a14="http://schemas.microsoft.com/office/drawing/2010/main" Requires="a14">
+      <mc:AlternateContent xmlns:mc="http://schemas.openxmlformats.org/markup-compatibility/2006" xmlns:a14="http://schemas.microsoft.com/office/drawing/2010/main">
+        <mc:Choice Requires="a14">
           <p:sp>
             <p:nvSpPr>
               <p:cNvPr id="73" name="Rectangle 72"/>
@@ -11861,7 +11894,7 @@
             </p:txBody>
           </p:sp>
         </mc:Choice>
-        <mc:Fallback>
+        <mc:Fallback xmlns="">
           <p:sp>
             <p:nvSpPr>
               <p:cNvPr id="73" name="Rectangle 72"/>
@@ -11900,8 +11933,8 @@
           </p:sp>
         </mc:Fallback>
       </mc:AlternateContent>
-      <mc:AlternateContent xmlns:mc="http://schemas.openxmlformats.org/markup-compatibility/2006">
-        <mc:Choice xmlns:a14="http://schemas.microsoft.com/office/drawing/2010/main" Requires="a14">
+      <mc:AlternateContent xmlns:mc="http://schemas.openxmlformats.org/markup-compatibility/2006" xmlns:a14="http://schemas.microsoft.com/office/drawing/2010/main">
+        <mc:Choice Requires="a14">
           <p:sp>
             <p:nvSpPr>
               <p:cNvPr id="74" name="Rectangle 73"/>
@@ -11974,7 +12007,7 @@
             </p:txBody>
           </p:sp>
         </mc:Choice>
-        <mc:Fallback>
+        <mc:Fallback xmlns="">
           <p:sp>
             <p:nvSpPr>
               <p:cNvPr id="74" name="Rectangle 73"/>
@@ -12013,8 +12046,8 @@
           </p:sp>
         </mc:Fallback>
       </mc:AlternateContent>
-      <mc:AlternateContent xmlns:mc="http://schemas.openxmlformats.org/markup-compatibility/2006">
-        <mc:Choice xmlns:a14="http://schemas.microsoft.com/office/drawing/2010/main" Requires="a14">
+      <mc:AlternateContent xmlns:mc="http://schemas.openxmlformats.org/markup-compatibility/2006" xmlns:a14="http://schemas.microsoft.com/office/drawing/2010/main">
+        <mc:Choice Requires="a14">
           <p:sp>
             <p:nvSpPr>
               <p:cNvPr id="75" name="Rectangle 74"/>
@@ -12115,7 +12148,7 @@
             </p:txBody>
           </p:sp>
         </mc:Choice>
-        <mc:Fallback>
+        <mc:Fallback xmlns="">
           <p:sp>
             <p:nvSpPr>
               <p:cNvPr id="75" name="Rectangle 74"/>
@@ -12280,8 +12313,8 @@
           </a:fontRef>
         </p:style>
       </p:cxnSp>
-      <mc:AlternateContent xmlns:mc="http://schemas.openxmlformats.org/markup-compatibility/2006">
-        <mc:Choice xmlns:a14="http://schemas.microsoft.com/office/drawing/2010/main" Requires="a14">
+      <mc:AlternateContent xmlns:mc="http://schemas.openxmlformats.org/markup-compatibility/2006" xmlns:a14="http://schemas.microsoft.com/office/drawing/2010/main">
+        <mc:Choice Requires="a14">
           <p:sp>
             <p:nvSpPr>
               <p:cNvPr id="60" name="Rectangle 59"/>
@@ -12380,7 +12413,7 @@
             </p:txBody>
           </p:sp>
         </mc:Choice>
-        <mc:Fallback>
+        <mc:Fallback xmlns="">
           <p:sp>
             <p:nvSpPr>
               <p:cNvPr id="60" name="Rectangle 59"/>
@@ -12426,8 +12459,8 @@
           </p:sp>
         </mc:Fallback>
       </mc:AlternateContent>
-      <mc:AlternateContent xmlns:mc="http://schemas.openxmlformats.org/markup-compatibility/2006">
-        <mc:Choice xmlns:a14="http://schemas.microsoft.com/office/drawing/2010/main" Requires="a14">
+      <mc:AlternateContent xmlns:mc="http://schemas.openxmlformats.org/markup-compatibility/2006" xmlns:a14="http://schemas.microsoft.com/office/drawing/2010/main">
+        <mc:Choice Requires="a14">
           <p:sp>
             <p:nvSpPr>
               <p:cNvPr id="63" name="Rectangle 62"/>
@@ -12526,7 +12559,7 @@
             </p:txBody>
           </p:sp>
         </mc:Choice>
-        <mc:Fallback>
+        <mc:Fallback xmlns="">
           <p:sp>
             <p:nvSpPr>
               <p:cNvPr id="63" name="Rectangle 62"/>
@@ -12941,8 +12974,8 @@
           </mc:Fallback>
         </mc:AlternateContent>
       </p:grpSp>
-      <mc:AlternateContent xmlns:mc="http://schemas.openxmlformats.org/markup-compatibility/2006">
-        <mc:Choice xmlns:a14="http://schemas.microsoft.com/office/drawing/2010/main" Requires="a14">
+      <mc:AlternateContent xmlns:mc="http://schemas.openxmlformats.org/markup-compatibility/2006" xmlns:a14="http://schemas.microsoft.com/office/drawing/2010/main">
+        <mc:Choice Requires="a14">
           <p:sp>
             <p:nvSpPr>
               <p:cNvPr id="79" name="Rectangle 78"/>
@@ -13039,7 +13072,7 @@
             </p:txBody>
           </p:sp>
         </mc:Choice>
-        <mc:Fallback>
+        <mc:Fallback xmlns="">
           <p:sp>
             <p:nvSpPr>
               <p:cNvPr id="79" name="Rectangle 78"/>
@@ -13167,8 +13200,8 @@
           </a:fontRef>
         </p:style>
       </p:cxnSp>
-      <mc:AlternateContent xmlns:mc="http://schemas.openxmlformats.org/markup-compatibility/2006">
-        <mc:Choice xmlns:a14="http://schemas.microsoft.com/office/drawing/2010/main" Requires="a14">
+      <mc:AlternateContent xmlns:mc="http://schemas.openxmlformats.org/markup-compatibility/2006" xmlns:a14="http://schemas.microsoft.com/office/drawing/2010/main">
+        <mc:Choice Requires="a14">
           <p:sp>
             <p:nvSpPr>
               <p:cNvPr id="83" name="Rectangle 82"/>
@@ -13267,7 +13300,7 @@
             </p:txBody>
           </p:sp>
         </mc:Choice>
-        <mc:Fallback>
+        <mc:Fallback xmlns="">
           <p:sp>
             <p:nvSpPr>
               <p:cNvPr id="83" name="Rectangle 82"/>
@@ -13354,8 +13387,8 @@
           </a:fontRef>
         </p:style>
       </p:cxnSp>
-      <mc:AlternateContent xmlns:mc="http://schemas.openxmlformats.org/markup-compatibility/2006">
-        <mc:Choice xmlns:a14="http://schemas.microsoft.com/office/drawing/2010/main" Requires="a14">
+      <mc:AlternateContent xmlns:mc="http://schemas.openxmlformats.org/markup-compatibility/2006" xmlns:a14="http://schemas.microsoft.com/office/drawing/2010/main">
+        <mc:Choice Requires="a14">
           <p:sp>
             <p:nvSpPr>
               <p:cNvPr id="85" name="Rectangle 84"/>
@@ -13452,7 +13485,7 @@
             </p:txBody>
           </p:sp>
         </mc:Choice>
-        <mc:Fallback>
+        <mc:Fallback xmlns="">
           <p:sp>
             <p:nvSpPr>
               <p:cNvPr id="85" name="Rectangle 84"/>
@@ -13541,8 +13574,8 @@
           </a:fontRef>
         </p:style>
       </p:cxnSp>
-      <mc:AlternateContent xmlns:mc="http://schemas.openxmlformats.org/markup-compatibility/2006">
-        <mc:Choice xmlns:a14="http://schemas.microsoft.com/office/drawing/2010/main" Requires="a14">
+      <mc:AlternateContent xmlns:mc="http://schemas.openxmlformats.org/markup-compatibility/2006" xmlns:a14="http://schemas.microsoft.com/office/drawing/2010/main">
+        <mc:Choice Requires="a14">
           <p:sp>
             <p:nvSpPr>
               <p:cNvPr id="87" name="Rectangle 86"/>
@@ -13648,7 +13681,7 @@
             </p:txBody>
           </p:sp>
         </mc:Choice>
-        <mc:Fallback>
+        <mc:Fallback xmlns="">
           <p:sp>
             <p:nvSpPr>
               <p:cNvPr id="87" name="Rectangle 86"/>
@@ -13808,8 +13841,8 @@
           <a:chExt cx="0" cy="0"/>
         </a:xfrm>
       </p:grpSpPr>
-      <mc:AlternateContent xmlns:mc="http://schemas.openxmlformats.org/markup-compatibility/2006">
-        <mc:Choice xmlns:a14="http://schemas.microsoft.com/office/drawing/2010/main" Requires="a14">
+      <mc:AlternateContent xmlns:mc="http://schemas.openxmlformats.org/markup-compatibility/2006" xmlns:a14="http://schemas.microsoft.com/office/drawing/2010/main">
+        <mc:Choice Requires="a14">
           <p:sp>
             <p:nvSpPr>
               <p:cNvPr id="6" name="Rectangle 5"/>
@@ -13924,7 +13957,7 @@
             </p:txBody>
           </p:sp>
         </mc:Choice>
-        <mc:Fallback>
+        <mc:Fallback xmlns="">
           <p:sp>
             <p:nvSpPr>
               <p:cNvPr id="6" name="Rectangle 5"/>
@@ -14014,8 +14047,8 @@
           </a:fontRef>
         </p:style>
       </p:cxnSp>
-      <mc:AlternateContent xmlns:mc="http://schemas.openxmlformats.org/markup-compatibility/2006">
-        <mc:Choice xmlns:a14="http://schemas.microsoft.com/office/drawing/2010/main" Requires="a14">
+      <mc:AlternateContent xmlns:mc="http://schemas.openxmlformats.org/markup-compatibility/2006" xmlns:a14="http://schemas.microsoft.com/office/drawing/2010/main">
+        <mc:Choice Requires="a14">
           <p:sp>
             <p:nvSpPr>
               <p:cNvPr id="34" name="Rectangle 33"/>
@@ -14112,7 +14145,7 @@
             </p:txBody>
           </p:sp>
         </mc:Choice>
-        <mc:Fallback>
+        <mc:Fallback xmlns="">
           <p:sp>
             <p:nvSpPr>
               <p:cNvPr id="34" name="Rectangle 33"/>
@@ -14158,8 +14191,8 @@
           </p:sp>
         </mc:Fallback>
       </mc:AlternateContent>
-      <mc:AlternateContent xmlns:mc="http://schemas.openxmlformats.org/markup-compatibility/2006">
-        <mc:Choice xmlns:a14="http://schemas.microsoft.com/office/drawing/2010/main" Requires="a14">
+      <mc:AlternateContent xmlns:mc="http://schemas.openxmlformats.org/markup-compatibility/2006" xmlns:a14="http://schemas.microsoft.com/office/drawing/2010/main">
+        <mc:Choice Requires="a14">
           <p:sp>
             <p:nvSpPr>
               <p:cNvPr id="36" name="Rectangle 35"/>
@@ -14308,7 +14341,7 @@
             </p:txBody>
           </p:sp>
         </mc:Choice>
-        <mc:Fallback>
+        <mc:Fallback xmlns="">
           <p:sp>
             <p:nvSpPr>
               <p:cNvPr id="36" name="Rectangle 35"/>
@@ -15133,8 +15166,8 @@
           </a:fontRef>
         </p:style>
       </p:cxnSp>
-      <mc:AlternateContent xmlns:mc="http://schemas.openxmlformats.org/markup-compatibility/2006">
-        <mc:Choice xmlns:a14="http://schemas.microsoft.com/office/drawing/2010/main" Requires="a14">
+      <mc:AlternateContent xmlns:mc="http://schemas.openxmlformats.org/markup-compatibility/2006" xmlns:a14="http://schemas.microsoft.com/office/drawing/2010/main">
+        <mc:Choice Requires="a14">
           <p:sp>
             <p:nvSpPr>
               <p:cNvPr id="73" name="Rectangle 72"/>
@@ -15232,7 +15265,7 @@
             </p:txBody>
           </p:sp>
         </mc:Choice>
-        <mc:Fallback>
+        <mc:Fallback xmlns="">
           <p:sp>
             <p:nvSpPr>
               <p:cNvPr id="73" name="Rectangle 72"/>
@@ -15271,8 +15304,8 @@
           </p:sp>
         </mc:Fallback>
       </mc:AlternateContent>
-      <mc:AlternateContent xmlns:mc="http://schemas.openxmlformats.org/markup-compatibility/2006">
-        <mc:Choice xmlns:a14="http://schemas.microsoft.com/office/drawing/2010/main" Requires="a14">
+      <mc:AlternateContent xmlns:mc="http://schemas.openxmlformats.org/markup-compatibility/2006" xmlns:a14="http://schemas.microsoft.com/office/drawing/2010/main">
+        <mc:Choice Requires="a14">
           <p:sp>
             <p:nvSpPr>
               <p:cNvPr id="74" name="Rectangle 73"/>
@@ -15345,7 +15378,7 @@
             </p:txBody>
           </p:sp>
         </mc:Choice>
-        <mc:Fallback>
+        <mc:Fallback xmlns="">
           <p:sp>
             <p:nvSpPr>
               <p:cNvPr id="74" name="Rectangle 73"/>
@@ -15384,8 +15417,8 @@
           </p:sp>
         </mc:Fallback>
       </mc:AlternateContent>
-      <mc:AlternateContent xmlns:mc="http://schemas.openxmlformats.org/markup-compatibility/2006">
-        <mc:Choice xmlns:a14="http://schemas.microsoft.com/office/drawing/2010/main" Requires="a14">
+      <mc:AlternateContent xmlns:mc="http://schemas.openxmlformats.org/markup-compatibility/2006" xmlns:a14="http://schemas.microsoft.com/office/drawing/2010/main">
+        <mc:Choice Requires="a14">
           <p:sp>
             <p:nvSpPr>
               <p:cNvPr id="75" name="Rectangle 74"/>
@@ -15486,7 +15519,7 @@
             </p:txBody>
           </p:sp>
         </mc:Choice>
-        <mc:Fallback>
+        <mc:Fallback xmlns="">
           <p:sp>
             <p:nvSpPr>
               <p:cNvPr id="75" name="Rectangle 74"/>
@@ -15648,8 +15681,8 @@
           </a:fontRef>
         </p:style>
       </p:cxnSp>
-      <mc:AlternateContent xmlns:mc="http://schemas.openxmlformats.org/markup-compatibility/2006">
-        <mc:Choice xmlns:a14="http://schemas.microsoft.com/office/drawing/2010/main" Requires="a14">
+      <mc:AlternateContent xmlns:mc="http://schemas.openxmlformats.org/markup-compatibility/2006" xmlns:a14="http://schemas.microsoft.com/office/drawing/2010/main">
+        <mc:Choice Requires="a14">
           <p:sp>
             <p:nvSpPr>
               <p:cNvPr id="60" name="Rectangle 59"/>
@@ -15748,7 +15781,7 @@
             </p:txBody>
           </p:sp>
         </mc:Choice>
-        <mc:Fallback>
+        <mc:Fallback xmlns="">
           <p:sp>
             <p:nvSpPr>
               <p:cNvPr id="60" name="Rectangle 59"/>
@@ -15798,6 +15831,6561 @@
     <p:extLst>
       <p:ext uri="{BB962C8B-B14F-4D97-AF65-F5344CB8AC3E}">
         <p14:creationId xmlns:p14="http://schemas.microsoft.com/office/powerpoint/2010/main" val="1639105626"/>
+      </p:ext>
+    </p:extLst>
+  </p:cSld>
+  <p:clrMapOvr>
+    <a:masterClrMapping/>
+  </p:clrMapOvr>
+</p:sld>
+</file>
+
+<file path=ppt/slides/slide8.xml><?xml version="1.0" encoding="utf-8"?>
+<p:sld xmlns:a="http://schemas.openxmlformats.org/drawingml/2006/main" xmlns:r="http://schemas.openxmlformats.org/officeDocument/2006/relationships" xmlns:p="http://schemas.openxmlformats.org/presentationml/2006/main">
+  <p:cSld>
+    <p:spTree>
+      <p:nvGrpSpPr>
+        <p:cNvPr id="1" name=""/>
+        <p:cNvGrpSpPr/>
+        <p:nvPr/>
+      </p:nvGrpSpPr>
+      <p:grpSpPr>
+        <a:xfrm>
+          <a:off x="0" y="0"/>
+          <a:ext cx="0" cy="0"/>
+          <a:chOff x="0" y="0"/>
+          <a:chExt cx="0" cy="0"/>
+        </a:xfrm>
+      </p:grpSpPr>
+      <mc:AlternateContent xmlns:mc="http://schemas.openxmlformats.org/markup-compatibility/2006">
+        <mc:Choice xmlns:a14="http://schemas.microsoft.com/office/drawing/2010/main" Requires="a14">
+          <p:sp>
+            <p:nvSpPr>
+              <p:cNvPr id="3" name="Espace réservé du contenu 2"/>
+              <p:cNvSpPr>
+                <a:spLocks noGrp="1"/>
+              </p:cNvSpPr>
+              <p:nvPr>
+                <p:ph idx="1"/>
+              </p:nvPr>
+            </p:nvSpPr>
+            <p:spPr>
+              <a:xfrm>
+                <a:off x="0" y="1600200"/>
+                <a:ext cx="9144000" cy="4525963"/>
+              </a:xfrm>
+            </p:spPr>
+            <p:txBody>
+              <a:bodyPr>
+                <a:normAutofit/>
+              </a:bodyPr>
+              <a:lstStyle/>
+              <a:p>
+                <a:r>
+                  <a:rPr lang="fr-FR" sz="1200" dirty="0" smtClean="0"/>
+                  <a:t>Si </a:t>
+                </a:r>
+                <a14:m>
+                  <m:oMath xmlns:m="http://schemas.openxmlformats.org/officeDocument/2006/math">
+                    <m:sSub>
+                      <m:sSubPr>
+                        <m:ctrlPr>
+                          <a:rPr lang="fr-FR" sz="1200" b="0" i="1" smtClean="0">
+                            <a:latin typeface="Cambria Math"/>
+                          </a:rPr>
+                        </m:ctrlPr>
+                      </m:sSubPr>
+                      <m:e>
+                        <m:r>
+                          <a:rPr lang="fr-FR" sz="1200" b="0" i="1" smtClean="0">
+                            <a:latin typeface="Cambria Math"/>
+                          </a:rPr>
+                          <m:t>𝐶</m:t>
+                        </m:r>
+                      </m:e>
+                      <m:sub>
+                        <m:r>
+                          <a:rPr lang="fr-FR" sz="1200" b="0" i="1" smtClean="0">
+                            <a:latin typeface="Cambria Math"/>
+                          </a:rPr>
+                          <m:t>𝑟</m:t>
+                        </m:r>
+                      </m:sub>
+                    </m:sSub>
+                    <m:d>
+                      <m:dPr>
+                        <m:ctrlPr>
+                          <a:rPr lang="fr-FR" sz="1200" b="0" i="1" smtClean="0">
+                            <a:latin typeface="Cambria Math"/>
+                          </a:rPr>
+                        </m:ctrlPr>
+                      </m:dPr>
+                      <m:e>
+                        <m:r>
+                          <a:rPr lang="fr-FR" sz="1200" b="0" i="1" smtClean="0">
+                            <a:latin typeface="Cambria Math"/>
+                          </a:rPr>
+                          <m:t>𝑝</m:t>
+                        </m:r>
+                      </m:e>
+                    </m:d>
+                    <m:r>
+                      <a:rPr lang="fr-FR" sz="1200" b="0" i="1" smtClean="0">
+                        <a:latin typeface="Cambria Math"/>
+                      </a:rPr>
+                      <m:t>=0</m:t>
+                    </m:r>
+                  </m:oMath>
+                </a14:m>
+                <a:r>
+                  <a:rPr lang="fr-FR" sz="1200" b="0" dirty="0" smtClean="0"/>
+                  <a:t> :</a:t>
+                </a:r>
+                <a14:m>
+                  <m:oMath xmlns:m="http://schemas.openxmlformats.org/officeDocument/2006/math">
+                    <m:r>
+                      <a:rPr lang="fr-FR" sz="1200" b="0" i="0" smtClean="0">
+                        <a:latin typeface="Cambria Math"/>
+                      </a:rPr>
+                      <m:t> </m:t>
+                    </m:r>
+                    <m:f>
+                      <m:fPr>
+                        <m:ctrlPr>
+                          <a:rPr lang="fr-FR" sz="1200" b="0" i="1" smtClean="0">
+                            <a:latin typeface="Cambria Math"/>
+                          </a:rPr>
+                        </m:ctrlPr>
+                      </m:fPr>
+                      <m:num>
+                        <m:sSub>
+                          <m:sSubPr>
+                            <m:ctrlPr>
+                              <a:rPr lang="fr-FR" sz="1200" b="0" i="1" smtClean="0">
+                                <a:latin typeface="Cambria Math"/>
+                              </a:rPr>
+                            </m:ctrlPr>
+                          </m:sSubPr>
+                          <m:e>
+                            <m:r>
+                              <m:rPr>
+                                <m:sty m:val="p"/>
+                              </m:rPr>
+                              <a:rPr lang="fr-FR" sz="1200" b="0" i="0" smtClean="0">
+                                <a:latin typeface="Cambria Math"/>
+                              </a:rPr>
+                              <m:t>Ω</m:t>
+                            </m:r>
+                          </m:e>
+                          <m:sub>
+                            <m:r>
+                              <a:rPr lang="fr-FR" sz="1200" b="0" i="1" smtClean="0">
+                                <a:latin typeface="Cambria Math"/>
+                              </a:rPr>
+                              <m:t>𝑚</m:t>
+                            </m:r>
+                          </m:sub>
+                        </m:sSub>
+                        <m:d>
+                          <m:dPr>
+                            <m:ctrlPr>
+                              <a:rPr lang="fr-FR" sz="1200" b="0" i="1" smtClean="0">
+                                <a:latin typeface="Cambria Math"/>
+                              </a:rPr>
+                            </m:ctrlPr>
+                          </m:dPr>
+                          <m:e>
+                            <m:r>
+                              <a:rPr lang="fr-FR" sz="1200" b="0" i="1" smtClean="0">
+                                <a:latin typeface="Cambria Math"/>
+                              </a:rPr>
+                              <m:t>𝑝</m:t>
+                            </m:r>
+                          </m:e>
+                        </m:d>
+                      </m:num>
+                      <m:den>
+                        <m:r>
+                          <a:rPr lang="fr-FR" sz="1200" b="0" i="1" smtClean="0">
+                            <a:latin typeface="Cambria Math"/>
+                          </a:rPr>
+                          <m:t>𝑈</m:t>
+                        </m:r>
+                        <m:r>
+                          <a:rPr lang="fr-FR" sz="1200" b="0" i="1" smtClean="0">
+                            <a:latin typeface="Cambria Math"/>
+                          </a:rPr>
+                          <m:t>(</m:t>
+                        </m:r>
+                        <m:r>
+                          <a:rPr lang="fr-FR" sz="1200" b="0" i="1" smtClean="0">
+                            <a:latin typeface="Cambria Math"/>
+                          </a:rPr>
+                          <m:t>𝑝</m:t>
+                        </m:r>
+                        <m:r>
+                          <a:rPr lang="fr-FR" sz="1200" b="0" i="1" smtClean="0">
+                            <a:latin typeface="Cambria Math"/>
+                          </a:rPr>
+                          <m:t>)</m:t>
+                        </m:r>
+                      </m:den>
+                    </m:f>
+                    <m:r>
+                      <a:rPr lang="fr-FR" sz="1200" b="0" i="1" smtClean="0">
+                        <a:latin typeface="Cambria Math"/>
+                      </a:rPr>
+                      <m:t>=</m:t>
+                    </m:r>
+                    <m:f>
+                      <m:fPr>
+                        <m:ctrlPr>
+                          <a:rPr lang="fr-FR" sz="1200" b="0" i="1" smtClean="0">
+                            <a:latin typeface="Cambria Math"/>
+                          </a:rPr>
+                        </m:ctrlPr>
+                      </m:fPr>
+                      <m:num>
+                        <m:f>
+                          <m:fPr>
+                            <m:ctrlPr>
+                              <a:rPr lang="fr-FR" sz="1200" b="0" i="1" smtClean="0">
+                                <a:latin typeface="Cambria Math"/>
+                              </a:rPr>
+                            </m:ctrlPr>
+                          </m:fPr>
+                          <m:num>
+                            <m:sSub>
+                              <m:sSubPr>
+                                <m:ctrlPr>
+                                  <a:rPr lang="fr-FR" sz="1200" b="0" i="1" smtClean="0">
+                                    <a:latin typeface="Cambria Math"/>
+                                  </a:rPr>
+                                </m:ctrlPr>
+                              </m:sSubPr>
+                              <m:e>
+                                <m:r>
+                                  <a:rPr lang="fr-FR" sz="1200" b="0" i="1" smtClean="0">
+                                    <a:latin typeface="Cambria Math"/>
+                                  </a:rPr>
+                                  <m:t>𝐾</m:t>
+                                </m:r>
+                              </m:e>
+                              <m:sub>
+                                <m:r>
+                                  <a:rPr lang="fr-FR" sz="1200" b="0" i="1" smtClean="0">
+                                    <a:latin typeface="Cambria Math"/>
+                                  </a:rPr>
+                                  <m:t>𝑐</m:t>
+                                </m:r>
+                              </m:sub>
+                            </m:sSub>
+                          </m:num>
+                          <m:den>
+                            <m:d>
+                              <m:dPr>
+                                <m:ctrlPr>
+                                  <a:rPr lang="fr-FR" sz="1200" b="0" i="1" smtClean="0">
+                                    <a:latin typeface="Cambria Math"/>
+                                  </a:rPr>
+                                </m:ctrlPr>
+                              </m:dPr>
+                              <m:e>
+                                <m:r>
+                                  <a:rPr lang="fr-FR" sz="1200" i="1">
+                                    <a:latin typeface="Cambria Math"/>
+                                  </a:rPr>
+                                  <m:t>𝑅</m:t>
+                                </m:r>
+                                <m:r>
+                                  <a:rPr lang="fr-FR" sz="1200" i="1">
+                                    <a:latin typeface="Cambria Math"/>
+                                  </a:rPr>
+                                  <m:t>+</m:t>
+                                </m:r>
+                                <m:r>
+                                  <a:rPr lang="fr-FR" sz="1200" i="1">
+                                    <a:latin typeface="Cambria Math"/>
+                                  </a:rPr>
+                                  <m:t>𝐿𝑝</m:t>
+                                </m:r>
+                              </m:e>
+                            </m:d>
+                            <m:d>
+                              <m:dPr>
+                                <m:ctrlPr>
+                                  <a:rPr lang="fr-FR" sz="1200" i="1">
+                                    <a:latin typeface="Cambria Math"/>
+                                  </a:rPr>
+                                </m:ctrlPr>
+                              </m:dPr>
+                              <m:e>
+                                <m:r>
+                                  <a:rPr lang="fr-FR" sz="1200" b="0" i="1" smtClean="0">
+                                    <a:latin typeface="Cambria Math"/>
+                                  </a:rPr>
+                                  <m:t>𝑓</m:t>
+                                </m:r>
+                                <m:r>
+                                  <a:rPr lang="fr-FR" sz="1200" i="1">
+                                    <a:latin typeface="Cambria Math"/>
+                                  </a:rPr>
+                                  <m:t>+</m:t>
+                                </m:r>
+                                <m:sSub>
+                                  <m:sSubPr>
+                                    <m:ctrlPr>
+                                      <a:rPr lang="fr-FR" sz="1200" b="0" i="1" smtClean="0">
+                                        <a:latin typeface="Cambria Math"/>
+                                      </a:rPr>
+                                    </m:ctrlPr>
+                                  </m:sSubPr>
+                                  <m:e>
+                                    <m:r>
+                                      <a:rPr lang="fr-FR" sz="1200" b="0" i="1" smtClean="0">
+                                        <a:latin typeface="Cambria Math"/>
+                                      </a:rPr>
+                                      <m:t>𝐽</m:t>
+                                    </m:r>
+                                  </m:e>
+                                  <m:sub>
+                                    <m:r>
+                                      <a:rPr lang="fr-FR" sz="1200" b="0" i="1" smtClean="0">
+                                        <a:latin typeface="Cambria Math"/>
+                                      </a:rPr>
+                                      <m:t>𝑒𝑞</m:t>
+                                    </m:r>
+                                  </m:sub>
+                                </m:sSub>
+                                <m:r>
+                                  <a:rPr lang="fr-FR" sz="1200" i="1">
+                                    <a:latin typeface="Cambria Math"/>
+                                  </a:rPr>
+                                  <m:t>𝑝</m:t>
+                                </m:r>
+                              </m:e>
+                            </m:d>
+                          </m:den>
+                        </m:f>
+                      </m:num>
+                      <m:den>
+                        <m:r>
+                          <a:rPr lang="fr-FR" sz="1200" b="0" i="1" smtClean="0">
+                            <a:latin typeface="Cambria Math"/>
+                          </a:rPr>
+                          <m:t>1+</m:t>
+                        </m:r>
+                        <m:f>
+                          <m:fPr>
+                            <m:ctrlPr>
+                              <a:rPr lang="fr-FR" sz="1200" i="1">
+                                <a:latin typeface="Cambria Math"/>
+                              </a:rPr>
+                            </m:ctrlPr>
+                          </m:fPr>
+                          <m:num>
+                            <m:sSub>
+                              <m:sSubPr>
+                                <m:ctrlPr>
+                                  <a:rPr lang="fr-FR" sz="1200" i="1">
+                                    <a:latin typeface="Cambria Math"/>
+                                  </a:rPr>
+                                </m:ctrlPr>
+                              </m:sSubPr>
+                              <m:e>
+                                <m:r>
+                                  <a:rPr lang="fr-FR" sz="1200" i="1">
+                                    <a:latin typeface="Cambria Math"/>
+                                  </a:rPr>
+                                  <m:t>𝐾</m:t>
+                                </m:r>
+                              </m:e>
+                              <m:sub>
+                                <m:r>
+                                  <a:rPr lang="fr-FR" sz="1200" i="1">
+                                    <a:latin typeface="Cambria Math"/>
+                                  </a:rPr>
+                                  <m:t>𝑐</m:t>
+                                </m:r>
+                              </m:sub>
+                            </m:sSub>
+                            <m:sSub>
+                              <m:sSubPr>
+                                <m:ctrlPr>
+                                  <a:rPr lang="fr-FR" sz="1200" b="0" i="1" smtClean="0">
+                                    <a:latin typeface="Cambria Math"/>
+                                  </a:rPr>
+                                </m:ctrlPr>
+                              </m:sSubPr>
+                              <m:e>
+                                <m:r>
+                                  <a:rPr lang="fr-FR" sz="1200" b="0" i="1" smtClean="0">
+                                    <a:latin typeface="Cambria Math"/>
+                                  </a:rPr>
+                                  <m:t>𝐾</m:t>
+                                </m:r>
+                              </m:e>
+                              <m:sub>
+                                <m:r>
+                                  <a:rPr lang="fr-FR" sz="1200" b="0" i="1" smtClean="0">
+                                    <a:latin typeface="Cambria Math"/>
+                                  </a:rPr>
+                                  <m:t>𝐸</m:t>
+                                </m:r>
+                              </m:sub>
+                            </m:sSub>
+                          </m:num>
+                          <m:den>
+                            <m:d>
+                              <m:dPr>
+                                <m:ctrlPr>
+                                  <a:rPr lang="fr-FR" sz="1200" i="1">
+                                    <a:latin typeface="Cambria Math"/>
+                                  </a:rPr>
+                                </m:ctrlPr>
+                              </m:dPr>
+                              <m:e>
+                                <m:r>
+                                  <a:rPr lang="fr-FR" sz="1200" i="1">
+                                    <a:latin typeface="Cambria Math"/>
+                                  </a:rPr>
+                                  <m:t>𝑅</m:t>
+                                </m:r>
+                                <m:r>
+                                  <a:rPr lang="fr-FR" sz="1200" i="1">
+                                    <a:latin typeface="Cambria Math"/>
+                                  </a:rPr>
+                                  <m:t>+</m:t>
+                                </m:r>
+                                <m:r>
+                                  <a:rPr lang="fr-FR" sz="1200" i="1">
+                                    <a:latin typeface="Cambria Math"/>
+                                  </a:rPr>
+                                  <m:t>𝐿𝑝</m:t>
+                                </m:r>
+                              </m:e>
+                            </m:d>
+                            <m:d>
+                              <m:dPr>
+                                <m:ctrlPr>
+                                  <a:rPr lang="fr-FR" sz="1200" i="1">
+                                    <a:latin typeface="Cambria Math"/>
+                                  </a:rPr>
+                                </m:ctrlPr>
+                              </m:dPr>
+                              <m:e>
+                                <m:r>
+                                  <a:rPr lang="fr-FR" sz="1200" i="1">
+                                    <a:latin typeface="Cambria Math"/>
+                                  </a:rPr>
+                                  <m:t>𝑓</m:t>
+                                </m:r>
+                                <m:r>
+                                  <a:rPr lang="fr-FR" sz="1200" i="1">
+                                    <a:latin typeface="Cambria Math"/>
+                                  </a:rPr>
+                                  <m:t>+</m:t>
+                                </m:r>
+                                <m:sSub>
+                                  <m:sSubPr>
+                                    <m:ctrlPr>
+                                      <a:rPr lang="fr-FR" sz="1200" i="1">
+                                        <a:latin typeface="Cambria Math"/>
+                                      </a:rPr>
+                                    </m:ctrlPr>
+                                  </m:sSubPr>
+                                  <m:e>
+                                    <m:r>
+                                      <a:rPr lang="fr-FR" sz="1200" i="1">
+                                        <a:latin typeface="Cambria Math"/>
+                                      </a:rPr>
+                                      <m:t>𝐽</m:t>
+                                    </m:r>
+                                  </m:e>
+                                  <m:sub>
+                                    <m:r>
+                                      <a:rPr lang="fr-FR" sz="1200" i="1">
+                                        <a:latin typeface="Cambria Math"/>
+                                      </a:rPr>
+                                      <m:t>𝑒𝑞</m:t>
+                                    </m:r>
+                                  </m:sub>
+                                </m:sSub>
+                                <m:r>
+                                  <a:rPr lang="fr-FR" sz="1200" i="1">
+                                    <a:latin typeface="Cambria Math"/>
+                                  </a:rPr>
+                                  <m:t>𝑝</m:t>
+                                </m:r>
+                              </m:e>
+                            </m:d>
+                          </m:den>
+                        </m:f>
+                      </m:den>
+                    </m:f>
+                    <m:r>
+                      <a:rPr lang="fr-FR" sz="1200" b="0" i="1" smtClean="0">
+                        <a:latin typeface="Cambria Math"/>
+                      </a:rPr>
+                      <m:t>=</m:t>
+                    </m:r>
+                    <m:f>
+                      <m:fPr>
+                        <m:ctrlPr>
+                          <a:rPr lang="fr-FR" sz="1200" i="1">
+                            <a:latin typeface="Cambria Math"/>
+                          </a:rPr>
+                        </m:ctrlPr>
+                      </m:fPr>
+                      <m:num>
+                        <m:sSub>
+                          <m:sSubPr>
+                            <m:ctrlPr>
+                              <a:rPr lang="fr-FR" sz="1200" b="0" i="1" smtClean="0">
+                                <a:latin typeface="Cambria Math"/>
+                              </a:rPr>
+                            </m:ctrlPr>
+                          </m:sSubPr>
+                          <m:e>
+                            <m:r>
+                              <a:rPr lang="fr-FR" sz="1200" b="0" i="1" smtClean="0">
+                                <a:latin typeface="Cambria Math"/>
+                              </a:rPr>
+                              <m:t>𝐾</m:t>
+                            </m:r>
+                          </m:e>
+                          <m:sub>
+                            <m:r>
+                              <a:rPr lang="fr-FR" sz="1200" b="0" i="1" smtClean="0">
+                                <a:latin typeface="Cambria Math"/>
+                              </a:rPr>
+                              <m:t>𝑐</m:t>
+                            </m:r>
+                          </m:sub>
+                        </m:sSub>
+                      </m:num>
+                      <m:den>
+                        <m:d>
+                          <m:dPr>
+                            <m:ctrlPr>
+                              <a:rPr lang="fr-FR" sz="1200" i="1">
+                                <a:latin typeface="Cambria Math"/>
+                              </a:rPr>
+                            </m:ctrlPr>
+                          </m:dPr>
+                          <m:e>
+                            <m:r>
+                              <a:rPr lang="fr-FR" sz="1200" i="1">
+                                <a:latin typeface="Cambria Math"/>
+                              </a:rPr>
+                              <m:t>𝑅</m:t>
+                            </m:r>
+                            <m:r>
+                              <a:rPr lang="fr-FR" sz="1200" i="1">
+                                <a:latin typeface="Cambria Math"/>
+                              </a:rPr>
+                              <m:t>+</m:t>
+                            </m:r>
+                            <m:r>
+                              <a:rPr lang="fr-FR" sz="1200" i="1">
+                                <a:latin typeface="Cambria Math"/>
+                              </a:rPr>
+                              <m:t>𝐿𝑝</m:t>
+                            </m:r>
+                          </m:e>
+                        </m:d>
+                        <m:d>
+                          <m:dPr>
+                            <m:ctrlPr>
+                              <a:rPr lang="fr-FR" sz="1200" i="1">
+                                <a:latin typeface="Cambria Math"/>
+                              </a:rPr>
+                            </m:ctrlPr>
+                          </m:dPr>
+                          <m:e>
+                            <m:r>
+                              <a:rPr lang="fr-FR" sz="1200" i="1">
+                                <a:latin typeface="Cambria Math"/>
+                              </a:rPr>
+                              <m:t>𝑓</m:t>
+                            </m:r>
+                            <m:r>
+                              <a:rPr lang="fr-FR" sz="1200" i="1">
+                                <a:latin typeface="Cambria Math"/>
+                              </a:rPr>
+                              <m:t>+</m:t>
+                            </m:r>
+                            <m:sSub>
+                              <m:sSubPr>
+                                <m:ctrlPr>
+                                  <a:rPr lang="fr-FR" sz="1200" i="1">
+                                    <a:latin typeface="Cambria Math"/>
+                                  </a:rPr>
+                                </m:ctrlPr>
+                              </m:sSubPr>
+                              <m:e>
+                                <m:r>
+                                  <a:rPr lang="fr-FR" sz="1200" i="1">
+                                    <a:latin typeface="Cambria Math"/>
+                                  </a:rPr>
+                                  <m:t>𝐽</m:t>
+                                </m:r>
+                              </m:e>
+                              <m:sub>
+                                <m:r>
+                                  <a:rPr lang="fr-FR" sz="1200" i="1">
+                                    <a:latin typeface="Cambria Math"/>
+                                  </a:rPr>
+                                  <m:t>𝑒𝑞</m:t>
+                                </m:r>
+                              </m:sub>
+                            </m:sSub>
+                            <m:r>
+                              <a:rPr lang="fr-FR" sz="1200" i="1">
+                                <a:latin typeface="Cambria Math"/>
+                              </a:rPr>
+                              <m:t>𝑝</m:t>
+                            </m:r>
+                          </m:e>
+                        </m:d>
+                        <m:r>
+                          <a:rPr lang="fr-FR" sz="1200" i="1">
+                            <a:latin typeface="Cambria Math"/>
+                          </a:rPr>
+                          <m:t>+</m:t>
+                        </m:r>
+                        <m:sSub>
+                          <m:sSubPr>
+                            <m:ctrlPr>
+                              <a:rPr lang="fr-FR" sz="1200" i="1">
+                                <a:latin typeface="Cambria Math"/>
+                              </a:rPr>
+                            </m:ctrlPr>
+                          </m:sSubPr>
+                          <m:e>
+                            <m:r>
+                              <a:rPr lang="fr-FR" sz="1200" i="1">
+                                <a:latin typeface="Cambria Math"/>
+                              </a:rPr>
+                              <m:t>𝐾</m:t>
+                            </m:r>
+                          </m:e>
+                          <m:sub>
+                            <m:r>
+                              <a:rPr lang="fr-FR" sz="1200" i="1">
+                                <a:latin typeface="Cambria Math"/>
+                              </a:rPr>
+                              <m:t>𝑐</m:t>
+                            </m:r>
+                          </m:sub>
+                        </m:sSub>
+                        <m:sSub>
+                          <m:sSubPr>
+                            <m:ctrlPr>
+                              <a:rPr lang="fr-FR" sz="1200" i="1">
+                                <a:latin typeface="Cambria Math"/>
+                              </a:rPr>
+                            </m:ctrlPr>
+                          </m:sSubPr>
+                          <m:e>
+                            <m:r>
+                              <a:rPr lang="fr-FR" sz="1200" i="1">
+                                <a:latin typeface="Cambria Math"/>
+                              </a:rPr>
+                              <m:t>𝐾</m:t>
+                            </m:r>
+                          </m:e>
+                          <m:sub>
+                            <m:r>
+                              <a:rPr lang="fr-FR" sz="1200" i="1">
+                                <a:latin typeface="Cambria Math"/>
+                              </a:rPr>
+                              <m:t>𝐸</m:t>
+                            </m:r>
+                          </m:sub>
+                        </m:sSub>
+                      </m:den>
+                    </m:f>
+                    <m:r>
+                      <a:rPr lang="fr-FR" sz="1200" b="0" i="1" smtClean="0">
+                        <a:latin typeface="Cambria Math"/>
+                      </a:rPr>
+                      <m:t>=</m:t>
+                    </m:r>
+                    <m:f>
+                      <m:fPr>
+                        <m:ctrlPr>
+                          <a:rPr lang="fr-FR" sz="1200" i="1">
+                            <a:latin typeface="Cambria Math"/>
+                          </a:rPr>
+                        </m:ctrlPr>
+                      </m:fPr>
+                      <m:num>
+                        <m:f>
+                          <m:fPr>
+                            <m:ctrlPr>
+                              <a:rPr lang="fr-FR" sz="1200" b="0" i="1" smtClean="0">
+                                <a:latin typeface="Cambria Math"/>
+                              </a:rPr>
+                            </m:ctrlPr>
+                          </m:fPr>
+                          <m:num>
+                            <m:sSub>
+                              <m:sSubPr>
+                                <m:ctrlPr>
+                                  <a:rPr lang="fr-FR" sz="1200" i="1">
+                                    <a:latin typeface="Cambria Math"/>
+                                  </a:rPr>
+                                </m:ctrlPr>
+                              </m:sSubPr>
+                              <m:e>
+                                <m:r>
+                                  <a:rPr lang="fr-FR" sz="1200" i="1">
+                                    <a:latin typeface="Cambria Math"/>
+                                  </a:rPr>
+                                  <m:t>𝐾</m:t>
+                                </m:r>
+                              </m:e>
+                              <m:sub>
+                                <m:r>
+                                  <a:rPr lang="fr-FR" sz="1200" i="1">
+                                    <a:latin typeface="Cambria Math"/>
+                                  </a:rPr>
+                                  <m:t>𝑐</m:t>
+                                </m:r>
+                              </m:sub>
+                            </m:sSub>
+                          </m:num>
+                          <m:den>
+                            <m:sSub>
+                              <m:sSubPr>
+                                <m:ctrlPr>
+                                  <a:rPr lang="fr-FR" sz="1200" b="0" i="1" smtClean="0">
+                                    <a:latin typeface="Cambria Math"/>
+                                  </a:rPr>
+                                </m:ctrlPr>
+                              </m:sSubPr>
+                              <m:e>
+                                <m:r>
+                                  <a:rPr lang="fr-FR" sz="1200" b="0" i="1" smtClean="0">
+                                    <a:latin typeface="Cambria Math"/>
+                                  </a:rPr>
+                                  <m:t>𝐾</m:t>
+                                </m:r>
+                              </m:e>
+                              <m:sub>
+                                <m:r>
+                                  <a:rPr lang="fr-FR" sz="1200" b="0" i="1" smtClean="0">
+                                    <a:latin typeface="Cambria Math"/>
+                                  </a:rPr>
+                                  <m:t>𝐶</m:t>
+                                </m:r>
+                              </m:sub>
+                            </m:sSub>
+                            <m:sSub>
+                              <m:sSubPr>
+                                <m:ctrlPr>
+                                  <a:rPr lang="fr-FR" sz="1200" b="0" i="1" smtClean="0">
+                                    <a:latin typeface="Cambria Math"/>
+                                  </a:rPr>
+                                </m:ctrlPr>
+                              </m:sSubPr>
+                              <m:e>
+                                <m:r>
+                                  <a:rPr lang="fr-FR" sz="1200" b="0" i="1" smtClean="0">
+                                    <a:latin typeface="Cambria Math"/>
+                                  </a:rPr>
+                                  <m:t>𝐾</m:t>
+                                </m:r>
+                              </m:e>
+                              <m:sub>
+                                <m:r>
+                                  <a:rPr lang="fr-FR" sz="1200" b="0" i="1" smtClean="0">
+                                    <a:latin typeface="Cambria Math"/>
+                                  </a:rPr>
+                                  <m:t>𝐸</m:t>
+                                </m:r>
+                              </m:sub>
+                            </m:sSub>
+                            <m:r>
+                              <a:rPr lang="fr-FR" sz="1200" b="0" i="1" smtClean="0">
+                                <a:latin typeface="Cambria Math"/>
+                              </a:rPr>
+                              <m:t>+</m:t>
+                            </m:r>
+                            <m:r>
+                              <a:rPr lang="fr-FR" sz="1200" b="0" i="1" smtClean="0">
+                                <a:latin typeface="Cambria Math"/>
+                              </a:rPr>
+                              <m:t>𝑅𝑓</m:t>
+                            </m:r>
+                          </m:den>
+                        </m:f>
+                      </m:num>
+                      <m:den>
+                        <m:r>
+                          <a:rPr lang="fr-FR" sz="1200" b="0" i="1" smtClean="0">
+                            <a:latin typeface="Cambria Math"/>
+                          </a:rPr>
+                          <m:t>1</m:t>
+                        </m:r>
+                        <m:r>
+                          <a:rPr lang="fr-FR" sz="1200" i="1">
+                            <a:latin typeface="Cambria Math"/>
+                          </a:rPr>
+                          <m:t>+</m:t>
+                        </m:r>
+                        <m:f>
+                          <m:fPr>
+                            <m:ctrlPr>
+                              <a:rPr lang="fr-FR" sz="1200" b="0" i="1" smtClean="0">
+                                <a:latin typeface="Cambria Math"/>
+                              </a:rPr>
+                            </m:ctrlPr>
+                          </m:fPr>
+                          <m:num>
+                            <m:r>
+                              <a:rPr lang="fr-FR" sz="1200" i="1">
+                                <a:latin typeface="Cambria Math"/>
+                              </a:rPr>
+                              <m:t>𝑅</m:t>
+                            </m:r>
+                            <m:sSub>
+                              <m:sSubPr>
+                                <m:ctrlPr>
+                                  <a:rPr lang="fr-FR" sz="1200" i="1">
+                                    <a:latin typeface="Cambria Math"/>
+                                  </a:rPr>
+                                </m:ctrlPr>
+                              </m:sSubPr>
+                              <m:e>
+                                <m:r>
+                                  <a:rPr lang="fr-FR" sz="1200" i="1">
+                                    <a:latin typeface="Cambria Math"/>
+                                  </a:rPr>
+                                  <m:t>𝐽</m:t>
+                                </m:r>
+                              </m:e>
+                              <m:sub>
+                                <m:r>
+                                  <a:rPr lang="fr-FR" sz="1200" i="1">
+                                    <a:latin typeface="Cambria Math"/>
+                                  </a:rPr>
+                                  <m:t>𝑒𝑞</m:t>
+                                </m:r>
+                              </m:sub>
+                            </m:sSub>
+                            <m:r>
+                              <a:rPr lang="fr-FR" sz="1200" i="1">
+                                <a:latin typeface="Cambria Math"/>
+                              </a:rPr>
+                              <m:t>+</m:t>
+                            </m:r>
+                            <m:r>
+                              <a:rPr lang="fr-FR" sz="1200" i="1">
+                                <a:latin typeface="Cambria Math"/>
+                              </a:rPr>
+                              <m:t>𝑓𝐿</m:t>
+                            </m:r>
+                          </m:num>
+                          <m:den>
+                            <m:sSub>
+                              <m:sSubPr>
+                                <m:ctrlPr>
+                                  <a:rPr lang="fr-FR" sz="1200" i="1">
+                                    <a:latin typeface="Cambria Math"/>
+                                  </a:rPr>
+                                </m:ctrlPr>
+                              </m:sSubPr>
+                              <m:e>
+                                <m:r>
+                                  <a:rPr lang="fr-FR" sz="1200" i="1">
+                                    <a:latin typeface="Cambria Math"/>
+                                  </a:rPr>
+                                  <m:t>𝐾</m:t>
+                                </m:r>
+                              </m:e>
+                              <m:sub>
+                                <m:r>
+                                  <a:rPr lang="fr-FR" sz="1200" i="1">
+                                    <a:latin typeface="Cambria Math"/>
+                                  </a:rPr>
+                                  <m:t>𝐶</m:t>
+                                </m:r>
+                              </m:sub>
+                            </m:sSub>
+                            <m:sSub>
+                              <m:sSubPr>
+                                <m:ctrlPr>
+                                  <a:rPr lang="fr-FR" sz="1200" i="1">
+                                    <a:latin typeface="Cambria Math"/>
+                                  </a:rPr>
+                                </m:ctrlPr>
+                              </m:sSubPr>
+                              <m:e>
+                                <m:r>
+                                  <a:rPr lang="fr-FR" sz="1200" i="1">
+                                    <a:latin typeface="Cambria Math"/>
+                                  </a:rPr>
+                                  <m:t>𝐾</m:t>
+                                </m:r>
+                              </m:e>
+                              <m:sub>
+                                <m:r>
+                                  <a:rPr lang="fr-FR" sz="1200" i="1">
+                                    <a:latin typeface="Cambria Math"/>
+                                  </a:rPr>
+                                  <m:t>𝐸</m:t>
+                                </m:r>
+                              </m:sub>
+                            </m:sSub>
+                            <m:r>
+                              <a:rPr lang="fr-FR" sz="1200" i="1">
+                                <a:latin typeface="Cambria Math"/>
+                              </a:rPr>
+                              <m:t>+</m:t>
+                            </m:r>
+                            <m:r>
+                              <a:rPr lang="fr-FR" sz="1200" i="1">
+                                <a:latin typeface="Cambria Math"/>
+                              </a:rPr>
+                              <m:t>𝑅𝑓</m:t>
+                            </m:r>
+                          </m:den>
+                        </m:f>
+                        <m:r>
+                          <a:rPr lang="fr-FR" sz="1200" i="1">
+                            <a:latin typeface="Cambria Math"/>
+                          </a:rPr>
+                          <m:t>𝑝</m:t>
+                        </m:r>
+                        <m:r>
+                          <a:rPr lang="fr-FR" sz="1200" i="1">
+                            <a:latin typeface="Cambria Math"/>
+                          </a:rPr>
+                          <m:t>+</m:t>
+                        </m:r>
+                        <m:f>
+                          <m:fPr>
+                            <m:ctrlPr>
+                              <a:rPr lang="fr-FR" sz="1200" b="0" i="1" smtClean="0">
+                                <a:latin typeface="Cambria Math"/>
+                              </a:rPr>
+                            </m:ctrlPr>
+                          </m:fPr>
+                          <m:num>
+                            <m:r>
+                              <a:rPr lang="fr-FR" sz="1200" b="0" i="1" smtClean="0">
+                                <a:latin typeface="Cambria Math"/>
+                              </a:rPr>
+                              <m:t>𝐿</m:t>
+                            </m:r>
+                            <m:sSub>
+                              <m:sSubPr>
+                                <m:ctrlPr>
+                                  <a:rPr lang="fr-FR" sz="1200" i="1">
+                                    <a:latin typeface="Cambria Math"/>
+                                  </a:rPr>
+                                </m:ctrlPr>
+                              </m:sSubPr>
+                              <m:e>
+                                <m:r>
+                                  <a:rPr lang="fr-FR" sz="1200" i="1">
+                                    <a:latin typeface="Cambria Math"/>
+                                  </a:rPr>
+                                  <m:t>𝐽</m:t>
+                                </m:r>
+                              </m:e>
+                              <m:sub>
+                                <m:r>
+                                  <a:rPr lang="fr-FR" sz="1200" i="1">
+                                    <a:latin typeface="Cambria Math"/>
+                                  </a:rPr>
+                                  <m:t>𝑒𝑞</m:t>
+                                </m:r>
+                              </m:sub>
+                            </m:sSub>
+                          </m:num>
+                          <m:den>
+                            <m:sSub>
+                              <m:sSubPr>
+                                <m:ctrlPr>
+                                  <a:rPr lang="fr-FR" sz="1200" i="1">
+                                    <a:latin typeface="Cambria Math"/>
+                                  </a:rPr>
+                                </m:ctrlPr>
+                              </m:sSubPr>
+                              <m:e>
+                                <m:r>
+                                  <a:rPr lang="fr-FR" sz="1200" i="1">
+                                    <a:latin typeface="Cambria Math"/>
+                                  </a:rPr>
+                                  <m:t>𝐾</m:t>
+                                </m:r>
+                              </m:e>
+                              <m:sub>
+                                <m:r>
+                                  <a:rPr lang="fr-FR" sz="1200" i="1">
+                                    <a:latin typeface="Cambria Math"/>
+                                  </a:rPr>
+                                  <m:t>𝐶</m:t>
+                                </m:r>
+                              </m:sub>
+                            </m:sSub>
+                            <m:sSub>
+                              <m:sSubPr>
+                                <m:ctrlPr>
+                                  <a:rPr lang="fr-FR" sz="1200" i="1">
+                                    <a:latin typeface="Cambria Math"/>
+                                  </a:rPr>
+                                </m:ctrlPr>
+                              </m:sSubPr>
+                              <m:e>
+                                <m:r>
+                                  <a:rPr lang="fr-FR" sz="1200" i="1">
+                                    <a:latin typeface="Cambria Math"/>
+                                  </a:rPr>
+                                  <m:t>𝐾</m:t>
+                                </m:r>
+                              </m:e>
+                              <m:sub>
+                                <m:r>
+                                  <a:rPr lang="fr-FR" sz="1200" i="1">
+                                    <a:latin typeface="Cambria Math"/>
+                                  </a:rPr>
+                                  <m:t>𝐸</m:t>
+                                </m:r>
+                              </m:sub>
+                            </m:sSub>
+                            <m:r>
+                              <a:rPr lang="fr-FR" sz="1200" i="1">
+                                <a:latin typeface="Cambria Math"/>
+                              </a:rPr>
+                              <m:t>+</m:t>
+                            </m:r>
+                            <m:r>
+                              <a:rPr lang="fr-FR" sz="1200" i="1">
+                                <a:latin typeface="Cambria Math"/>
+                              </a:rPr>
+                              <m:t>𝑅𝑓</m:t>
+                            </m:r>
+                          </m:den>
+                        </m:f>
+                        <m:sSup>
+                          <m:sSupPr>
+                            <m:ctrlPr>
+                              <a:rPr lang="fr-FR" sz="1200" b="0" i="1" smtClean="0">
+                                <a:latin typeface="Cambria Math"/>
+                              </a:rPr>
+                            </m:ctrlPr>
+                          </m:sSupPr>
+                          <m:e>
+                            <m:r>
+                              <a:rPr lang="fr-FR" sz="1200" i="1">
+                                <a:latin typeface="Cambria Math"/>
+                              </a:rPr>
+                              <m:t>𝑝</m:t>
+                            </m:r>
+                          </m:e>
+                          <m:sup>
+                            <m:r>
+                              <a:rPr lang="fr-FR" sz="1200" b="0" i="1" smtClean="0">
+                                <a:latin typeface="Cambria Math"/>
+                              </a:rPr>
+                              <m:t>2</m:t>
+                            </m:r>
+                          </m:sup>
+                        </m:sSup>
+                      </m:den>
+                    </m:f>
+                    <m:r>
+                      <a:rPr lang="fr-FR" sz="1200" b="0" i="1" smtClean="0">
+                        <a:latin typeface="Cambria Math"/>
+                      </a:rPr>
+                      <m:t>≃</m:t>
+                    </m:r>
+                    <m:f>
+                      <m:fPr>
+                        <m:ctrlPr>
+                          <a:rPr lang="fr-FR" sz="1200" i="1">
+                            <a:latin typeface="Cambria Math"/>
+                          </a:rPr>
+                        </m:ctrlPr>
+                      </m:fPr>
+                      <m:num>
+                        <m:f>
+                          <m:fPr>
+                            <m:ctrlPr>
+                              <a:rPr lang="fr-FR" sz="1200" i="1">
+                                <a:latin typeface="Cambria Math"/>
+                              </a:rPr>
+                            </m:ctrlPr>
+                          </m:fPr>
+                          <m:num>
+                            <m:r>
+                              <a:rPr lang="fr-FR" sz="1200" b="0" i="1" smtClean="0">
+                                <a:latin typeface="Cambria Math"/>
+                              </a:rPr>
+                              <m:t>1</m:t>
+                            </m:r>
+                          </m:num>
+                          <m:den>
+                            <m:sSub>
+                              <m:sSubPr>
+                                <m:ctrlPr>
+                                  <a:rPr lang="fr-FR" sz="1200" i="1">
+                                    <a:latin typeface="Cambria Math"/>
+                                  </a:rPr>
+                                </m:ctrlPr>
+                              </m:sSubPr>
+                              <m:e>
+                                <m:r>
+                                  <a:rPr lang="fr-FR" sz="1200" i="1">
+                                    <a:latin typeface="Cambria Math"/>
+                                  </a:rPr>
+                                  <m:t>𝐾</m:t>
+                                </m:r>
+                              </m:e>
+                              <m:sub>
+                                <m:r>
+                                  <a:rPr lang="fr-FR" sz="1200" i="1">
+                                    <a:latin typeface="Cambria Math"/>
+                                  </a:rPr>
+                                  <m:t>𝐸</m:t>
+                                </m:r>
+                              </m:sub>
+                            </m:sSub>
+                          </m:den>
+                        </m:f>
+                      </m:num>
+                      <m:den>
+                        <m:r>
+                          <a:rPr lang="fr-FR" sz="1200" i="1">
+                            <a:latin typeface="Cambria Math"/>
+                          </a:rPr>
+                          <m:t>1</m:t>
+                        </m:r>
+                        <m:r>
+                          <a:rPr lang="fr-FR" sz="1200" i="1">
+                            <a:latin typeface="Cambria Math"/>
+                          </a:rPr>
+                          <m:t>+</m:t>
+                        </m:r>
+                        <m:f>
+                          <m:fPr>
+                            <m:ctrlPr>
+                              <a:rPr lang="fr-FR" sz="1200" i="1">
+                                <a:latin typeface="Cambria Math"/>
+                              </a:rPr>
+                            </m:ctrlPr>
+                          </m:fPr>
+                          <m:num>
+                            <m:r>
+                              <a:rPr lang="fr-FR" sz="1200" i="1">
+                                <a:latin typeface="Cambria Math"/>
+                              </a:rPr>
+                              <m:t>𝑅</m:t>
+                            </m:r>
+                            <m:sSub>
+                              <m:sSubPr>
+                                <m:ctrlPr>
+                                  <a:rPr lang="fr-FR" sz="1200" i="1">
+                                    <a:latin typeface="Cambria Math"/>
+                                  </a:rPr>
+                                </m:ctrlPr>
+                              </m:sSubPr>
+                              <m:e>
+                                <m:r>
+                                  <a:rPr lang="fr-FR" sz="1200" i="1">
+                                    <a:latin typeface="Cambria Math"/>
+                                  </a:rPr>
+                                  <m:t>𝐽</m:t>
+                                </m:r>
+                              </m:e>
+                              <m:sub>
+                                <m:r>
+                                  <a:rPr lang="fr-FR" sz="1200" i="1">
+                                    <a:latin typeface="Cambria Math"/>
+                                  </a:rPr>
+                                  <m:t>𝑒𝑞</m:t>
+                                </m:r>
+                              </m:sub>
+                            </m:sSub>
+                          </m:num>
+                          <m:den>
+                            <m:sSub>
+                              <m:sSubPr>
+                                <m:ctrlPr>
+                                  <a:rPr lang="fr-FR" sz="1200" i="1">
+                                    <a:latin typeface="Cambria Math"/>
+                                  </a:rPr>
+                                </m:ctrlPr>
+                              </m:sSubPr>
+                              <m:e>
+                                <m:r>
+                                  <a:rPr lang="fr-FR" sz="1200" i="1">
+                                    <a:latin typeface="Cambria Math"/>
+                                  </a:rPr>
+                                  <m:t>𝐾</m:t>
+                                </m:r>
+                              </m:e>
+                              <m:sub>
+                                <m:r>
+                                  <a:rPr lang="fr-FR" sz="1200" i="1">
+                                    <a:latin typeface="Cambria Math"/>
+                                  </a:rPr>
+                                  <m:t>𝐶</m:t>
+                                </m:r>
+                              </m:sub>
+                            </m:sSub>
+                            <m:sSub>
+                              <m:sSubPr>
+                                <m:ctrlPr>
+                                  <a:rPr lang="fr-FR" sz="1200" i="1">
+                                    <a:latin typeface="Cambria Math"/>
+                                  </a:rPr>
+                                </m:ctrlPr>
+                              </m:sSubPr>
+                              <m:e>
+                                <m:r>
+                                  <a:rPr lang="fr-FR" sz="1200" i="1">
+                                    <a:latin typeface="Cambria Math"/>
+                                  </a:rPr>
+                                  <m:t>𝐾</m:t>
+                                </m:r>
+                              </m:e>
+                              <m:sub>
+                                <m:r>
+                                  <a:rPr lang="fr-FR" sz="1200" i="1">
+                                    <a:latin typeface="Cambria Math"/>
+                                  </a:rPr>
+                                  <m:t>𝐸</m:t>
+                                </m:r>
+                              </m:sub>
+                            </m:sSub>
+                          </m:den>
+                        </m:f>
+                        <m:r>
+                          <a:rPr lang="fr-FR" sz="1200" i="1">
+                            <a:latin typeface="Cambria Math"/>
+                          </a:rPr>
+                          <m:t>𝑝</m:t>
+                        </m:r>
+                        <m:r>
+                          <a:rPr lang="fr-FR" sz="1200" i="1">
+                            <a:latin typeface="Cambria Math"/>
+                          </a:rPr>
+                          <m:t>+</m:t>
+                        </m:r>
+                        <m:f>
+                          <m:fPr>
+                            <m:ctrlPr>
+                              <a:rPr lang="fr-FR" sz="1200" i="1">
+                                <a:latin typeface="Cambria Math"/>
+                              </a:rPr>
+                            </m:ctrlPr>
+                          </m:fPr>
+                          <m:num>
+                            <m:r>
+                              <a:rPr lang="fr-FR" sz="1200" i="1">
+                                <a:latin typeface="Cambria Math"/>
+                              </a:rPr>
+                              <m:t>𝐿</m:t>
+                            </m:r>
+                            <m:sSub>
+                              <m:sSubPr>
+                                <m:ctrlPr>
+                                  <a:rPr lang="fr-FR" sz="1200" i="1">
+                                    <a:latin typeface="Cambria Math"/>
+                                  </a:rPr>
+                                </m:ctrlPr>
+                              </m:sSubPr>
+                              <m:e>
+                                <m:r>
+                                  <a:rPr lang="fr-FR" sz="1200" i="1">
+                                    <a:latin typeface="Cambria Math"/>
+                                  </a:rPr>
+                                  <m:t>𝐽</m:t>
+                                </m:r>
+                              </m:e>
+                              <m:sub>
+                                <m:r>
+                                  <a:rPr lang="fr-FR" sz="1200" i="1">
+                                    <a:latin typeface="Cambria Math"/>
+                                  </a:rPr>
+                                  <m:t>𝑒𝑞</m:t>
+                                </m:r>
+                              </m:sub>
+                            </m:sSub>
+                          </m:num>
+                          <m:den>
+                            <m:sSub>
+                              <m:sSubPr>
+                                <m:ctrlPr>
+                                  <a:rPr lang="fr-FR" sz="1200" i="1">
+                                    <a:latin typeface="Cambria Math"/>
+                                  </a:rPr>
+                                </m:ctrlPr>
+                              </m:sSubPr>
+                              <m:e>
+                                <m:r>
+                                  <a:rPr lang="fr-FR" sz="1200" i="1">
+                                    <a:latin typeface="Cambria Math"/>
+                                  </a:rPr>
+                                  <m:t>𝐾</m:t>
+                                </m:r>
+                              </m:e>
+                              <m:sub>
+                                <m:r>
+                                  <a:rPr lang="fr-FR" sz="1200" i="1">
+                                    <a:latin typeface="Cambria Math"/>
+                                  </a:rPr>
+                                  <m:t>𝐶</m:t>
+                                </m:r>
+                              </m:sub>
+                            </m:sSub>
+                            <m:sSub>
+                              <m:sSubPr>
+                                <m:ctrlPr>
+                                  <a:rPr lang="fr-FR" sz="1200" i="1">
+                                    <a:latin typeface="Cambria Math"/>
+                                  </a:rPr>
+                                </m:ctrlPr>
+                              </m:sSubPr>
+                              <m:e>
+                                <m:r>
+                                  <a:rPr lang="fr-FR" sz="1200" i="1">
+                                    <a:latin typeface="Cambria Math"/>
+                                  </a:rPr>
+                                  <m:t>𝐾</m:t>
+                                </m:r>
+                              </m:e>
+                              <m:sub>
+                                <m:r>
+                                  <a:rPr lang="fr-FR" sz="1200" i="1">
+                                    <a:latin typeface="Cambria Math"/>
+                                  </a:rPr>
+                                  <m:t>𝐸</m:t>
+                                </m:r>
+                              </m:sub>
+                            </m:sSub>
+                          </m:den>
+                        </m:f>
+                        <m:sSup>
+                          <m:sSupPr>
+                            <m:ctrlPr>
+                              <a:rPr lang="fr-FR" sz="1200" i="1">
+                                <a:latin typeface="Cambria Math"/>
+                              </a:rPr>
+                            </m:ctrlPr>
+                          </m:sSupPr>
+                          <m:e>
+                            <m:r>
+                              <a:rPr lang="fr-FR" sz="1200" i="1">
+                                <a:latin typeface="Cambria Math"/>
+                              </a:rPr>
+                              <m:t>𝑝</m:t>
+                            </m:r>
+                          </m:e>
+                          <m:sup>
+                            <m:r>
+                              <a:rPr lang="fr-FR" sz="1200" i="1">
+                                <a:latin typeface="Cambria Math"/>
+                              </a:rPr>
+                              <m:t>2</m:t>
+                            </m:r>
+                          </m:sup>
+                        </m:sSup>
+                      </m:den>
+                    </m:f>
+                  </m:oMath>
+                </a14:m>
+                <a:endParaRPr lang="fr-FR" sz="1200" dirty="0" smtClean="0"/>
+              </a:p>
+              <a:p>
+                <a:r>
+                  <a:rPr lang="fr-FR" sz="1200" dirty="0"/>
+                  <a:t>Si </a:t>
+                </a:r>
+                <a14:m>
+                  <m:oMath xmlns:m="http://schemas.openxmlformats.org/officeDocument/2006/math">
+                    <m:r>
+                      <a:rPr lang="fr-FR" sz="1200" b="0" i="1" smtClean="0">
+                        <a:latin typeface="Cambria Math"/>
+                      </a:rPr>
+                      <m:t>𝑈</m:t>
+                    </m:r>
+                    <m:d>
+                      <m:dPr>
+                        <m:ctrlPr>
+                          <a:rPr lang="fr-FR" sz="1200" i="1">
+                            <a:latin typeface="Cambria Math"/>
+                          </a:rPr>
+                        </m:ctrlPr>
+                      </m:dPr>
+                      <m:e>
+                        <m:r>
+                          <a:rPr lang="fr-FR" sz="1200" i="1">
+                            <a:latin typeface="Cambria Math"/>
+                          </a:rPr>
+                          <m:t>𝑝</m:t>
+                        </m:r>
+                      </m:e>
+                    </m:d>
+                    <m:r>
+                      <a:rPr lang="fr-FR" sz="1200" i="1">
+                        <a:latin typeface="Cambria Math"/>
+                      </a:rPr>
+                      <m:t>=0</m:t>
+                    </m:r>
+                  </m:oMath>
+                </a14:m>
+                <a:r>
+                  <a:rPr lang="fr-FR" sz="1200" dirty="0"/>
+                  <a:t> :</a:t>
+                </a:r>
+                <a14:m>
+                  <m:oMath xmlns:m="http://schemas.openxmlformats.org/officeDocument/2006/math">
+                    <m:r>
+                      <a:rPr lang="fr-FR" sz="1200">
+                        <a:latin typeface="Cambria Math"/>
+                      </a:rPr>
+                      <m:t> </m:t>
+                    </m:r>
+                    <m:f>
+                      <m:fPr>
+                        <m:ctrlPr>
+                          <a:rPr lang="fr-FR" sz="1200" i="1">
+                            <a:latin typeface="Cambria Math"/>
+                          </a:rPr>
+                        </m:ctrlPr>
+                      </m:fPr>
+                      <m:num>
+                        <m:sSub>
+                          <m:sSubPr>
+                            <m:ctrlPr>
+                              <a:rPr lang="fr-FR" sz="1200" i="1">
+                                <a:latin typeface="Cambria Math"/>
+                              </a:rPr>
+                            </m:ctrlPr>
+                          </m:sSubPr>
+                          <m:e>
+                            <m:r>
+                              <m:rPr>
+                                <m:sty m:val="p"/>
+                              </m:rPr>
+                              <a:rPr lang="fr-FR" sz="1200">
+                                <a:latin typeface="Cambria Math"/>
+                              </a:rPr>
+                              <m:t>Ω</m:t>
+                            </m:r>
+                          </m:e>
+                          <m:sub>
+                            <m:r>
+                              <a:rPr lang="fr-FR" sz="1200" i="1">
+                                <a:latin typeface="Cambria Math"/>
+                              </a:rPr>
+                              <m:t>𝑚</m:t>
+                            </m:r>
+                          </m:sub>
+                        </m:sSub>
+                        <m:d>
+                          <m:dPr>
+                            <m:ctrlPr>
+                              <a:rPr lang="fr-FR" sz="1200" i="1">
+                                <a:latin typeface="Cambria Math"/>
+                              </a:rPr>
+                            </m:ctrlPr>
+                          </m:dPr>
+                          <m:e>
+                            <m:r>
+                              <a:rPr lang="fr-FR" sz="1200" i="1">
+                                <a:latin typeface="Cambria Math"/>
+                              </a:rPr>
+                              <m:t>𝑝</m:t>
+                            </m:r>
+                          </m:e>
+                        </m:d>
+                      </m:num>
+                      <m:den>
+                        <m:sSub>
+                          <m:sSubPr>
+                            <m:ctrlPr>
+                              <a:rPr lang="fr-FR" sz="1200" b="0" i="1" smtClean="0">
+                                <a:latin typeface="Cambria Math"/>
+                              </a:rPr>
+                            </m:ctrlPr>
+                          </m:sSubPr>
+                          <m:e>
+                            <m:r>
+                              <a:rPr lang="fr-FR" sz="1200" b="0" i="1" smtClean="0">
+                                <a:latin typeface="Cambria Math"/>
+                              </a:rPr>
+                              <m:t>𝐶</m:t>
+                            </m:r>
+                          </m:e>
+                          <m:sub>
+                            <m:r>
+                              <a:rPr lang="fr-FR" sz="1200" b="0" i="1" smtClean="0">
+                                <a:latin typeface="Cambria Math"/>
+                              </a:rPr>
+                              <m:t>𝑟</m:t>
+                            </m:r>
+                          </m:sub>
+                        </m:sSub>
+                        <m:r>
+                          <a:rPr lang="fr-FR" sz="1200" i="1">
+                            <a:latin typeface="Cambria Math"/>
+                          </a:rPr>
+                          <m:t>(</m:t>
+                        </m:r>
+                        <m:r>
+                          <a:rPr lang="fr-FR" sz="1200" i="1">
+                            <a:latin typeface="Cambria Math"/>
+                          </a:rPr>
+                          <m:t>𝑝</m:t>
+                        </m:r>
+                        <m:r>
+                          <a:rPr lang="fr-FR" sz="1200" i="1">
+                            <a:latin typeface="Cambria Math"/>
+                          </a:rPr>
+                          <m:t>)</m:t>
+                        </m:r>
+                      </m:den>
+                    </m:f>
+                    <m:r>
+                      <a:rPr lang="fr-FR" sz="1200" i="1">
+                        <a:latin typeface="Cambria Math"/>
+                      </a:rPr>
+                      <m:t>=</m:t>
+                    </m:r>
+                    <m:f>
+                      <m:fPr>
+                        <m:ctrlPr>
+                          <a:rPr lang="fr-FR" sz="1200" i="1">
+                            <a:latin typeface="Cambria Math"/>
+                          </a:rPr>
+                        </m:ctrlPr>
+                      </m:fPr>
+                      <m:num>
+                        <m:f>
+                          <m:fPr>
+                            <m:ctrlPr>
+                              <a:rPr lang="fr-FR" sz="1200" i="1">
+                                <a:latin typeface="Cambria Math"/>
+                              </a:rPr>
+                            </m:ctrlPr>
+                          </m:fPr>
+                          <m:num>
+                            <m:r>
+                              <a:rPr lang="fr-FR" sz="1200" b="0" i="1" smtClean="0">
+                                <a:latin typeface="Cambria Math"/>
+                              </a:rPr>
+                              <m:t>1</m:t>
+                            </m:r>
+                          </m:num>
+                          <m:den>
+                            <m:r>
+                              <a:rPr lang="fr-FR" sz="1200" i="1">
+                                <a:latin typeface="Cambria Math"/>
+                              </a:rPr>
+                              <m:t>𝑓</m:t>
+                            </m:r>
+                            <m:r>
+                              <a:rPr lang="fr-FR" sz="1200" i="1">
+                                <a:latin typeface="Cambria Math"/>
+                              </a:rPr>
+                              <m:t>+</m:t>
+                            </m:r>
+                            <m:sSub>
+                              <m:sSubPr>
+                                <m:ctrlPr>
+                                  <a:rPr lang="fr-FR" sz="1200" i="1">
+                                    <a:latin typeface="Cambria Math"/>
+                                  </a:rPr>
+                                </m:ctrlPr>
+                              </m:sSubPr>
+                              <m:e>
+                                <m:r>
+                                  <a:rPr lang="fr-FR" sz="1200" i="1">
+                                    <a:latin typeface="Cambria Math"/>
+                                  </a:rPr>
+                                  <m:t>𝐽</m:t>
+                                </m:r>
+                              </m:e>
+                              <m:sub>
+                                <m:r>
+                                  <a:rPr lang="fr-FR" sz="1200" i="1">
+                                    <a:latin typeface="Cambria Math"/>
+                                  </a:rPr>
+                                  <m:t>𝑒𝑞</m:t>
+                                </m:r>
+                              </m:sub>
+                            </m:sSub>
+                            <m:r>
+                              <a:rPr lang="fr-FR" sz="1200" i="1">
+                                <a:latin typeface="Cambria Math"/>
+                              </a:rPr>
+                              <m:t>𝑝</m:t>
+                            </m:r>
+                          </m:den>
+                        </m:f>
+                      </m:num>
+                      <m:den>
+                        <m:r>
+                          <a:rPr lang="fr-FR" sz="1200" i="1">
+                            <a:latin typeface="Cambria Math"/>
+                          </a:rPr>
+                          <m:t>1+</m:t>
+                        </m:r>
+                        <m:f>
+                          <m:fPr>
+                            <m:ctrlPr>
+                              <a:rPr lang="fr-FR" sz="1200" i="1">
+                                <a:latin typeface="Cambria Math"/>
+                              </a:rPr>
+                            </m:ctrlPr>
+                          </m:fPr>
+                          <m:num>
+                            <m:sSub>
+                              <m:sSubPr>
+                                <m:ctrlPr>
+                                  <a:rPr lang="fr-FR" sz="1200" i="1">
+                                    <a:latin typeface="Cambria Math"/>
+                                  </a:rPr>
+                                </m:ctrlPr>
+                              </m:sSubPr>
+                              <m:e>
+                                <m:r>
+                                  <a:rPr lang="fr-FR" sz="1200" i="1">
+                                    <a:latin typeface="Cambria Math"/>
+                                  </a:rPr>
+                                  <m:t>𝐾</m:t>
+                                </m:r>
+                              </m:e>
+                              <m:sub>
+                                <m:r>
+                                  <a:rPr lang="fr-FR" sz="1200" i="1">
+                                    <a:latin typeface="Cambria Math"/>
+                                  </a:rPr>
+                                  <m:t>𝑐</m:t>
+                                </m:r>
+                              </m:sub>
+                            </m:sSub>
+                            <m:sSub>
+                              <m:sSubPr>
+                                <m:ctrlPr>
+                                  <a:rPr lang="fr-FR" sz="1200" i="1">
+                                    <a:latin typeface="Cambria Math"/>
+                                  </a:rPr>
+                                </m:ctrlPr>
+                              </m:sSubPr>
+                              <m:e>
+                                <m:r>
+                                  <a:rPr lang="fr-FR" sz="1200" i="1">
+                                    <a:latin typeface="Cambria Math"/>
+                                  </a:rPr>
+                                  <m:t>𝐾</m:t>
+                                </m:r>
+                              </m:e>
+                              <m:sub>
+                                <m:r>
+                                  <a:rPr lang="fr-FR" sz="1200" i="1">
+                                    <a:latin typeface="Cambria Math"/>
+                                  </a:rPr>
+                                  <m:t>𝐸</m:t>
+                                </m:r>
+                              </m:sub>
+                            </m:sSub>
+                          </m:num>
+                          <m:den>
+                            <m:d>
+                              <m:dPr>
+                                <m:ctrlPr>
+                                  <a:rPr lang="fr-FR" sz="1200" i="1">
+                                    <a:latin typeface="Cambria Math"/>
+                                  </a:rPr>
+                                </m:ctrlPr>
+                              </m:dPr>
+                              <m:e>
+                                <m:r>
+                                  <a:rPr lang="fr-FR" sz="1200" i="1">
+                                    <a:latin typeface="Cambria Math"/>
+                                  </a:rPr>
+                                  <m:t>𝑅</m:t>
+                                </m:r>
+                                <m:r>
+                                  <a:rPr lang="fr-FR" sz="1200" i="1">
+                                    <a:latin typeface="Cambria Math"/>
+                                  </a:rPr>
+                                  <m:t>+</m:t>
+                                </m:r>
+                                <m:r>
+                                  <a:rPr lang="fr-FR" sz="1200" i="1">
+                                    <a:latin typeface="Cambria Math"/>
+                                  </a:rPr>
+                                  <m:t>𝐿𝑝</m:t>
+                                </m:r>
+                              </m:e>
+                            </m:d>
+                            <m:d>
+                              <m:dPr>
+                                <m:ctrlPr>
+                                  <a:rPr lang="fr-FR" sz="1200" i="1">
+                                    <a:latin typeface="Cambria Math"/>
+                                  </a:rPr>
+                                </m:ctrlPr>
+                              </m:dPr>
+                              <m:e>
+                                <m:r>
+                                  <a:rPr lang="fr-FR" sz="1200" i="1">
+                                    <a:latin typeface="Cambria Math"/>
+                                  </a:rPr>
+                                  <m:t>𝑓</m:t>
+                                </m:r>
+                                <m:r>
+                                  <a:rPr lang="fr-FR" sz="1200" i="1">
+                                    <a:latin typeface="Cambria Math"/>
+                                  </a:rPr>
+                                  <m:t>+</m:t>
+                                </m:r>
+                                <m:sSub>
+                                  <m:sSubPr>
+                                    <m:ctrlPr>
+                                      <a:rPr lang="fr-FR" sz="1200" i="1">
+                                        <a:latin typeface="Cambria Math"/>
+                                      </a:rPr>
+                                    </m:ctrlPr>
+                                  </m:sSubPr>
+                                  <m:e>
+                                    <m:r>
+                                      <a:rPr lang="fr-FR" sz="1200" i="1">
+                                        <a:latin typeface="Cambria Math"/>
+                                      </a:rPr>
+                                      <m:t>𝐽</m:t>
+                                    </m:r>
+                                  </m:e>
+                                  <m:sub>
+                                    <m:r>
+                                      <a:rPr lang="fr-FR" sz="1200" i="1">
+                                        <a:latin typeface="Cambria Math"/>
+                                      </a:rPr>
+                                      <m:t>𝑒𝑞</m:t>
+                                    </m:r>
+                                  </m:sub>
+                                </m:sSub>
+                                <m:r>
+                                  <a:rPr lang="fr-FR" sz="1200" i="1">
+                                    <a:latin typeface="Cambria Math"/>
+                                  </a:rPr>
+                                  <m:t>𝑝</m:t>
+                                </m:r>
+                              </m:e>
+                            </m:d>
+                          </m:den>
+                        </m:f>
+                      </m:den>
+                    </m:f>
+                    <m:r>
+                      <a:rPr lang="fr-FR" sz="1200" i="1">
+                        <a:latin typeface="Cambria Math"/>
+                      </a:rPr>
+                      <m:t>=</m:t>
+                    </m:r>
+                    <m:f>
+                      <m:fPr>
+                        <m:ctrlPr>
+                          <a:rPr lang="fr-FR" sz="1200" i="1">
+                            <a:latin typeface="Cambria Math"/>
+                          </a:rPr>
+                        </m:ctrlPr>
+                      </m:fPr>
+                      <m:num>
+                        <m:d>
+                          <m:dPr>
+                            <m:ctrlPr>
+                              <a:rPr lang="fr-FR" sz="1200" i="1">
+                                <a:latin typeface="Cambria Math"/>
+                              </a:rPr>
+                            </m:ctrlPr>
+                          </m:dPr>
+                          <m:e>
+                            <m:r>
+                              <a:rPr lang="fr-FR" sz="1200" i="1">
+                                <a:latin typeface="Cambria Math"/>
+                              </a:rPr>
+                              <m:t>𝑅</m:t>
+                            </m:r>
+                            <m:r>
+                              <a:rPr lang="fr-FR" sz="1200" i="1">
+                                <a:latin typeface="Cambria Math"/>
+                              </a:rPr>
+                              <m:t>+</m:t>
+                            </m:r>
+                            <m:r>
+                              <a:rPr lang="fr-FR" sz="1200" i="1">
+                                <a:latin typeface="Cambria Math"/>
+                              </a:rPr>
+                              <m:t>𝐿𝑝</m:t>
+                            </m:r>
+                          </m:e>
+                        </m:d>
+                      </m:num>
+                      <m:den>
+                        <m:d>
+                          <m:dPr>
+                            <m:ctrlPr>
+                              <a:rPr lang="fr-FR" sz="1200" i="1">
+                                <a:latin typeface="Cambria Math"/>
+                              </a:rPr>
+                            </m:ctrlPr>
+                          </m:dPr>
+                          <m:e>
+                            <m:r>
+                              <a:rPr lang="fr-FR" sz="1200" i="1">
+                                <a:latin typeface="Cambria Math"/>
+                              </a:rPr>
+                              <m:t>𝑓</m:t>
+                            </m:r>
+                            <m:r>
+                              <a:rPr lang="fr-FR" sz="1200" i="1">
+                                <a:latin typeface="Cambria Math"/>
+                              </a:rPr>
+                              <m:t>+</m:t>
+                            </m:r>
+                            <m:sSub>
+                              <m:sSubPr>
+                                <m:ctrlPr>
+                                  <a:rPr lang="fr-FR" sz="1200" i="1">
+                                    <a:latin typeface="Cambria Math"/>
+                                  </a:rPr>
+                                </m:ctrlPr>
+                              </m:sSubPr>
+                              <m:e>
+                                <m:r>
+                                  <a:rPr lang="fr-FR" sz="1200" i="1">
+                                    <a:latin typeface="Cambria Math"/>
+                                  </a:rPr>
+                                  <m:t>𝐽</m:t>
+                                </m:r>
+                              </m:e>
+                              <m:sub>
+                                <m:r>
+                                  <a:rPr lang="fr-FR" sz="1200" i="1">
+                                    <a:latin typeface="Cambria Math"/>
+                                  </a:rPr>
+                                  <m:t>𝑒𝑞</m:t>
+                                </m:r>
+                              </m:sub>
+                            </m:sSub>
+                            <m:r>
+                              <a:rPr lang="fr-FR" sz="1200" i="1">
+                                <a:latin typeface="Cambria Math"/>
+                              </a:rPr>
+                              <m:t>𝑝</m:t>
+                            </m:r>
+                          </m:e>
+                        </m:d>
+                        <m:d>
+                          <m:dPr>
+                            <m:ctrlPr>
+                              <a:rPr lang="fr-FR" sz="1200" i="1">
+                                <a:latin typeface="Cambria Math"/>
+                              </a:rPr>
+                            </m:ctrlPr>
+                          </m:dPr>
+                          <m:e>
+                            <m:r>
+                              <a:rPr lang="fr-FR" sz="1200" i="1">
+                                <a:latin typeface="Cambria Math"/>
+                              </a:rPr>
+                              <m:t>𝑅</m:t>
+                            </m:r>
+                            <m:r>
+                              <a:rPr lang="fr-FR" sz="1200" i="1">
+                                <a:latin typeface="Cambria Math"/>
+                              </a:rPr>
+                              <m:t>+</m:t>
+                            </m:r>
+                            <m:r>
+                              <a:rPr lang="fr-FR" sz="1200" i="1">
+                                <a:latin typeface="Cambria Math"/>
+                              </a:rPr>
+                              <m:t>𝐿𝑝</m:t>
+                            </m:r>
+                          </m:e>
+                        </m:d>
+                        <m:r>
+                          <a:rPr lang="fr-FR" sz="1200" i="1">
+                            <a:latin typeface="Cambria Math"/>
+                          </a:rPr>
+                          <m:t>+</m:t>
+                        </m:r>
+                        <m:sSub>
+                          <m:sSubPr>
+                            <m:ctrlPr>
+                              <a:rPr lang="fr-FR" sz="1200" b="0" i="1" smtClean="0">
+                                <a:latin typeface="Cambria Math"/>
+                              </a:rPr>
+                            </m:ctrlPr>
+                          </m:sSubPr>
+                          <m:e>
+                            <m:r>
+                              <a:rPr lang="fr-FR" sz="1200" b="0" i="1" smtClean="0">
+                                <a:latin typeface="Cambria Math"/>
+                              </a:rPr>
+                              <m:t>𝐾</m:t>
+                            </m:r>
+                          </m:e>
+                          <m:sub>
+                            <m:r>
+                              <a:rPr lang="fr-FR" sz="1200" b="0" i="1" smtClean="0">
+                                <a:latin typeface="Cambria Math"/>
+                              </a:rPr>
+                              <m:t>𝑐</m:t>
+                            </m:r>
+                          </m:sub>
+                        </m:sSub>
+                        <m:sSub>
+                          <m:sSubPr>
+                            <m:ctrlPr>
+                              <a:rPr lang="fr-FR" sz="1200" b="0" i="1" smtClean="0">
+                                <a:latin typeface="Cambria Math"/>
+                              </a:rPr>
+                            </m:ctrlPr>
+                          </m:sSubPr>
+                          <m:e>
+                            <m:r>
+                              <a:rPr lang="fr-FR" sz="1200" b="0" i="1" smtClean="0">
+                                <a:latin typeface="Cambria Math"/>
+                              </a:rPr>
+                              <m:t>𝐾</m:t>
+                            </m:r>
+                          </m:e>
+                          <m:sub>
+                            <m:r>
+                              <a:rPr lang="fr-FR" sz="1200" b="0" i="1" smtClean="0">
+                                <a:latin typeface="Cambria Math"/>
+                              </a:rPr>
+                              <m:t>𝐸</m:t>
+                            </m:r>
+                          </m:sub>
+                        </m:sSub>
+                      </m:den>
+                    </m:f>
+                    <m:r>
+                      <a:rPr lang="fr-FR" sz="1200" i="1">
+                        <a:latin typeface="Cambria Math"/>
+                      </a:rPr>
+                      <m:t>=</m:t>
+                    </m:r>
+                    <m:f>
+                      <m:fPr>
+                        <m:ctrlPr>
+                          <a:rPr lang="fr-FR" sz="1200" i="1">
+                            <a:latin typeface="Cambria Math"/>
+                          </a:rPr>
+                        </m:ctrlPr>
+                      </m:fPr>
+                      <m:num>
+                        <m:f>
+                          <m:fPr>
+                            <m:ctrlPr>
+                              <a:rPr lang="fr-FR" sz="1200" b="0" i="1" smtClean="0">
+                                <a:latin typeface="Cambria Math"/>
+                              </a:rPr>
+                            </m:ctrlPr>
+                          </m:fPr>
+                          <m:num>
+                            <m:d>
+                              <m:dPr>
+                                <m:ctrlPr>
+                                  <a:rPr lang="fr-FR" sz="1200" i="1">
+                                    <a:latin typeface="Cambria Math"/>
+                                  </a:rPr>
+                                </m:ctrlPr>
+                              </m:dPr>
+                              <m:e>
+                                <m:r>
+                                  <a:rPr lang="fr-FR" sz="1200" i="1">
+                                    <a:latin typeface="Cambria Math"/>
+                                  </a:rPr>
+                                  <m:t>𝑅</m:t>
+                                </m:r>
+                                <m:r>
+                                  <a:rPr lang="fr-FR" sz="1200" i="1">
+                                    <a:latin typeface="Cambria Math"/>
+                                  </a:rPr>
+                                  <m:t>+</m:t>
+                                </m:r>
+                                <m:r>
+                                  <a:rPr lang="fr-FR" sz="1200" i="1">
+                                    <a:latin typeface="Cambria Math"/>
+                                  </a:rPr>
+                                  <m:t>𝐿𝑝</m:t>
+                                </m:r>
+                              </m:e>
+                            </m:d>
+                          </m:num>
+                          <m:den>
+                            <m:sSub>
+                              <m:sSubPr>
+                                <m:ctrlPr>
+                                  <a:rPr lang="fr-FR" sz="1200" i="1">
+                                    <a:latin typeface="Cambria Math"/>
+                                  </a:rPr>
+                                </m:ctrlPr>
+                              </m:sSubPr>
+                              <m:e>
+                                <m:r>
+                                  <a:rPr lang="fr-FR" sz="1200" i="1">
+                                    <a:latin typeface="Cambria Math"/>
+                                  </a:rPr>
+                                  <m:t>𝐾</m:t>
+                                </m:r>
+                              </m:e>
+                              <m:sub>
+                                <m:r>
+                                  <a:rPr lang="fr-FR" sz="1200" i="1">
+                                    <a:latin typeface="Cambria Math"/>
+                                  </a:rPr>
+                                  <m:t>𝐶</m:t>
+                                </m:r>
+                              </m:sub>
+                            </m:sSub>
+                            <m:sSub>
+                              <m:sSubPr>
+                                <m:ctrlPr>
+                                  <a:rPr lang="fr-FR" sz="1200" i="1">
+                                    <a:latin typeface="Cambria Math"/>
+                                  </a:rPr>
+                                </m:ctrlPr>
+                              </m:sSubPr>
+                              <m:e>
+                                <m:r>
+                                  <a:rPr lang="fr-FR" sz="1200" i="1">
+                                    <a:latin typeface="Cambria Math"/>
+                                  </a:rPr>
+                                  <m:t>𝐾</m:t>
+                                </m:r>
+                              </m:e>
+                              <m:sub>
+                                <m:r>
+                                  <a:rPr lang="fr-FR" sz="1200" i="1">
+                                    <a:latin typeface="Cambria Math"/>
+                                  </a:rPr>
+                                  <m:t>𝐸</m:t>
+                                </m:r>
+                              </m:sub>
+                            </m:sSub>
+                            <m:r>
+                              <a:rPr lang="fr-FR" sz="1200" i="1">
+                                <a:latin typeface="Cambria Math"/>
+                              </a:rPr>
+                              <m:t>+</m:t>
+                            </m:r>
+                            <m:r>
+                              <a:rPr lang="fr-FR" sz="1200" i="1">
+                                <a:latin typeface="Cambria Math"/>
+                              </a:rPr>
+                              <m:t>𝑅𝑓</m:t>
+                            </m:r>
+                          </m:den>
+                        </m:f>
+                      </m:num>
+                      <m:den>
+                        <m:r>
+                          <a:rPr lang="fr-FR" sz="1200" i="1">
+                            <a:latin typeface="Cambria Math"/>
+                          </a:rPr>
+                          <m:t>1</m:t>
+                        </m:r>
+                        <m:r>
+                          <a:rPr lang="fr-FR" sz="1200" i="1">
+                            <a:latin typeface="Cambria Math"/>
+                          </a:rPr>
+                          <m:t>+</m:t>
+                        </m:r>
+                        <m:f>
+                          <m:fPr>
+                            <m:ctrlPr>
+                              <a:rPr lang="fr-FR" sz="1200" i="1">
+                                <a:latin typeface="Cambria Math"/>
+                              </a:rPr>
+                            </m:ctrlPr>
+                          </m:fPr>
+                          <m:num>
+                            <m:r>
+                              <a:rPr lang="fr-FR" sz="1200" i="1">
+                                <a:latin typeface="Cambria Math"/>
+                              </a:rPr>
+                              <m:t>𝑅</m:t>
+                            </m:r>
+                            <m:sSub>
+                              <m:sSubPr>
+                                <m:ctrlPr>
+                                  <a:rPr lang="fr-FR" sz="1200" i="1">
+                                    <a:latin typeface="Cambria Math"/>
+                                  </a:rPr>
+                                </m:ctrlPr>
+                              </m:sSubPr>
+                              <m:e>
+                                <m:r>
+                                  <a:rPr lang="fr-FR" sz="1200" i="1">
+                                    <a:latin typeface="Cambria Math"/>
+                                  </a:rPr>
+                                  <m:t>𝐽</m:t>
+                                </m:r>
+                              </m:e>
+                              <m:sub>
+                                <m:r>
+                                  <a:rPr lang="fr-FR" sz="1200" i="1">
+                                    <a:latin typeface="Cambria Math"/>
+                                  </a:rPr>
+                                  <m:t>𝑒𝑞</m:t>
+                                </m:r>
+                              </m:sub>
+                            </m:sSub>
+                            <m:r>
+                              <a:rPr lang="fr-FR" sz="1200" i="1">
+                                <a:latin typeface="Cambria Math"/>
+                              </a:rPr>
+                              <m:t>+</m:t>
+                            </m:r>
+                            <m:r>
+                              <a:rPr lang="fr-FR" sz="1200" i="1">
+                                <a:latin typeface="Cambria Math"/>
+                              </a:rPr>
+                              <m:t>𝑓𝐿</m:t>
+                            </m:r>
+                          </m:num>
+                          <m:den>
+                            <m:sSub>
+                              <m:sSubPr>
+                                <m:ctrlPr>
+                                  <a:rPr lang="fr-FR" sz="1200" i="1">
+                                    <a:latin typeface="Cambria Math"/>
+                                  </a:rPr>
+                                </m:ctrlPr>
+                              </m:sSubPr>
+                              <m:e>
+                                <m:r>
+                                  <a:rPr lang="fr-FR" sz="1200" i="1">
+                                    <a:latin typeface="Cambria Math"/>
+                                  </a:rPr>
+                                  <m:t>𝐾</m:t>
+                                </m:r>
+                              </m:e>
+                              <m:sub>
+                                <m:r>
+                                  <a:rPr lang="fr-FR" sz="1200" i="1">
+                                    <a:latin typeface="Cambria Math"/>
+                                  </a:rPr>
+                                  <m:t>𝐶</m:t>
+                                </m:r>
+                              </m:sub>
+                            </m:sSub>
+                            <m:sSub>
+                              <m:sSubPr>
+                                <m:ctrlPr>
+                                  <a:rPr lang="fr-FR" sz="1200" i="1">
+                                    <a:latin typeface="Cambria Math"/>
+                                  </a:rPr>
+                                </m:ctrlPr>
+                              </m:sSubPr>
+                              <m:e>
+                                <m:r>
+                                  <a:rPr lang="fr-FR" sz="1200" i="1">
+                                    <a:latin typeface="Cambria Math"/>
+                                  </a:rPr>
+                                  <m:t>𝐾</m:t>
+                                </m:r>
+                              </m:e>
+                              <m:sub>
+                                <m:r>
+                                  <a:rPr lang="fr-FR" sz="1200" i="1">
+                                    <a:latin typeface="Cambria Math"/>
+                                  </a:rPr>
+                                  <m:t>𝐸</m:t>
+                                </m:r>
+                              </m:sub>
+                            </m:sSub>
+                            <m:r>
+                              <a:rPr lang="fr-FR" sz="1200" i="1">
+                                <a:latin typeface="Cambria Math"/>
+                              </a:rPr>
+                              <m:t>+</m:t>
+                            </m:r>
+                            <m:r>
+                              <a:rPr lang="fr-FR" sz="1200" i="1">
+                                <a:latin typeface="Cambria Math"/>
+                              </a:rPr>
+                              <m:t>𝑅𝑓</m:t>
+                            </m:r>
+                          </m:den>
+                        </m:f>
+                        <m:r>
+                          <a:rPr lang="fr-FR" sz="1200" i="1">
+                            <a:latin typeface="Cambria Math"/>
+                          </a:rPr>
+                          <m:t>𝑝</m:t>
+                        </m:r>
+                        <m:r>
+                          <a:rPr lang="fr-FR" sz="1200" i="1">
+                            <a:latin typeface="Cambria Math"/>
+                          </a:rPr>
+                          <m:t>+</m:t>
+                        </m:r>
+                        <m:f>
+                          <m:fPr>
+                            <m:ctrlPr>
+                              <a:rPr lang="fr-FR" sz="1200" i="1">
+                                <a:latin typeface="Cambria Math"/>
+                              </a:rPr>
+                            </m:ctrlPr>
+                          </m:fPr>
+                          <m:num>
+                            <m:r>
+                              <a:rPr lang="fr-FR" sz="1200" i="1">
+                                <a:latin typeface="Cambria Math"/>
+                              </a:rPr>
+                              <m:t>𝐿</m:t>
+                            </m:r>
+                            <m:sSub>
+                              <m:sSubPr>
+                                <m:ctrlPr>
+                                  <a:rPr lang="fr-FR" sz="1200" i="1">
+                                    <a:latin typeface="Cambria Math"/>
+                                  </a:rPr>
+                                </m:ctrlPr>
+                              </m:sSubPr>
+                              <m:e>
+                                <m:r>
+                                  <a:rPr lang="fr-FR" sz="1200" i="1">
+                                    <a:latin typeface="Cambria Math"/>
+                                  </a:rPr>
+                                  <m:t>𝐽</m:t>
+                                </m:r>
+                              </m:e>
+                              <m:sub>
+                                <m:r>
+                                  <a:rPr lang="fr-FR" sz="1200" i="1">
+                                    <a:latin typeface="Cambria Math"/>
+                                  </a:rPr>
+                                  <m:t>𝑒𝑞</m:t>
+                                </m:r>
+                              </m:sub>
+                            </m:sSub>
+                          </m:num>
+                          <m:den>
+                            <m:sSub>
+                              <m:sSubPr>
+                                <m:ctrlPr>
+                                  <a:rPr lang="fr-FR" sz="1200" i="1">
+                                    <a:latin typeface="Cambria Math"/>
+                                  </a:rPr>
+                                </m:ctrlPr>
+                              </m:sSubPr>
+                              <m:e>
+                                <m:r>
+                                  <a:rPr lang="fr-FR" sz="1200" i="1">
+                                    <a:latin typeface="Cambria Math"/>
+                                  </a:rPr>
+                                  <m:t>𝐾</m:t>
+                                </m:r>
+                              </m:e>
+                              <m:sub>
+                                <m:r>
+                                  <a:rPr lang="fr-FR" sz="1200" i="1">
+                                    <a:latin typeface="Cambria Math"/>
+                                  </a:rPr>
+                                  <m:t>𝐶</m:t>
+                                </m:r>
+                              </m:sub>
+                            </m:sSub>
+                            <m:sSub>
+                              <m:sSubPr>
+                                <m:ctrlPr>
+                                  <a:rPr lang="fr-FR" sz="1200" i="1">
+                                    <a:latin typeface="Cambria Math"/>
+                                  </a:rPr>
+                                </m:ctrlPr>
+                              </m:sSubPr>
+                              <m:e>
+                                <m:r>
+                                  <a:rPr lang="fr-FR" sz="1200" i="1">
+                                    <a:latin typeface="Cambria Math"/>
+                                  </a:rPr>
+                                  <m:t>𝐾</m:t>
+                                </m:r>
+                              </m:e>
+                              <m:sub>
+                                <m:r>
+                                  <a:rPr lang="fr-FR" sz="1200" i="1">
+                                    <a:latin typeface="Cambria Math"/>
+                                  </a:rPr>
+                                  <m:t>𝐸</m:t>
+                                </m:r>
+                              </m:sub>
+                            </m:sSub>
+                            <m:r>
+                              <a:rPr lang="fr-FR" sz="1200" i="1">
+                                <a:latin typeface="Cambria Math"/>
+                              </a:rPr>
+                              <m:t>+</m:t>
+                            </m:r>
+                            <m:r>
+                              <a:rPr lang="fr-FR" sz="1200" i="1">
+                                <a:latin typeface="Cambria Math"/>
+                              </a:rPr>
+                              <m:t>𝑅𝑓</m:t>
+                            </m:r>
+                          </m:den>
+                        </m:f>
+                        <m:sSup>
+                          <m:sSupPr>
+                            <m:ctrlPr>
+                              <a:rPr lang="fr-FR" sz="1200" i="1">
+                                <a:latin typeface="Cambria Math"/>
+                              </a:rPr>
+                            </m:ctrlPr>
+                          </m:sSupPr>
+                          <m:e>
+                            <m:r>
+                              <a:rPr lang="fr-FR" sz="1200" i="1">
+                                <a:latin typeface="Cambria Math"/>
+                              </a:rPr>
+                              <m:t>𝑝</m:t>
+                            </m:r>
+                          </m:e>
+                          <m:sup>
+                            <m:r>
+                              <a:rPr lang="fr-FR" sz="1200" i="1">
+                                <a:latin typeface="Cambria Math"/>
+                              </a:rPr>
+                              <m:t>2</m:t>
+                            </m:r>
+                          </m:sup>
+                        </m:sSup>
+                      </m:den>
+                    </m:f>
+                    <m:r>
+                      <a:rPr lang="fr-FR" sz="1200" b="0" i="1" smtClean="0">
+                        <a:latin typeface="Cambria Math"/>
+                      </a:rPr>
+                      <m:t>≃</m:t>
+                    </m:r>
+                    <m:f>
+                      <m:fPr>
+                        <m:ctrlPr>
+                          <a:rPr lang="fr-FR" sz="1200" i="1">
+                            <a:latin typeface="Cambria Math"/>
+                          </a:rPr>
+                        </m:ctrlPr>
+                      </m:fPr>
+                      <m:num>
+                        <m:f>
+                          <m:fPr>
+                            <m:ctrlPr>
+                              <a:rPr lang="fr-FR" sz="1200" i="1">
+                                <a:latin typeface="Cambria Math"/>
+                              </a:rPr>
+                            </m:ctrlPr>
+                          </m:fPr>
+                          <m:num>
+                            <m:d>
+                              <m:dPr>
+                                <m:ctrlPr>
+                                  <a:rPr lang="fr-FR" sz="1200" i="1">
+                                    <a:latin typeface="Cambria Math"/>
+                                  </a:rPr>
+                                </m:ctrlPr>
+                              </m:dPr>
+                              <m:e>
+                                <m:r>
+                                  <a:rPr lang="fr-FR" sz="1200" i="1">
+                                    <a:latin typeface="Cambria Math"/>
+                                  </a:rPr>
+                                  <m:t>𝑅</m:t>
+                                </m:r>
+                                <m:r>
+                                  <a:rPr lang="fr-FR" sz="1200" i="1">
+                                    <a:latin typeface="Cambria Math"/>
+                                  </a:rPr>
+                                  <m:t>+</m:t>
+                                </m:r>
+                                <m:r>
+                                  <a:rPr lang="fr-FR" sz="1200" i="1">
+                                    <a:latin typeface="Cambria Math"/>
+                                  </a:rPr>
+                                  <m:t>𝐿𝑝</m:t>
+                                </m:r>
+                              </m:e>
+                            </m:d>
+                          </m:num>
+                          <m:den>
+                            <m:sSub>
+                              <m:sSubPr>
+                                <m:ctrlPr>
+                                  <a:rPr lang="fr-FR" sz="1200" i="1">
+                                    <a:latin typeface="Cambria Math"/>
+                                  </a:rPr>
+                                </m:ctrlPr>
+                              </m:sSubPr>
+                              <m:e>
+                                <m:r>
+                                  <a:rPr lang="fr-FR" sz="1200" i="1">
+                                    <a:latin typeface="Cambria Math"/>
+                                  </a:rPr>
+                                  <m:t>𝐾</m:t>
+                                </m:r>
+                              </m:e>
+                              <m:sub>
+                                <m:r>
+                                  <a:rPr lang="fr-FR" sz="1200" i="1">
+                                    <a:latin typeface="Cambria Math"/>
+                                  </a:rPr>
+                                  <m:t>𝐶</m:t>
+                                </m:r>
+                              </m:sub>
+                            </m:sSub>
+                            <m:sSub>
+                              <m:sSubPr>
+                                <m:ctrlPr>
+                                  <a:rPr lang="fr-FR" sz="1200" i="1">
+                                    <a:latin typeface="Cambria Math"/>
+                                  </a:rPr>
+                                </m:ctrlPr>
+                              </m:sSubPr>
+                              <m:e>
+                                <m:r>
+                                  <a:rPr lang="fr-FR" sz="1200" i="1">
+                                    <a:latin typeface="Cambria Math"/>
+                                  </a:rPr>
+                                  <m:t>𝐾</m:t>
+                                </m:r>
+                              </m:e>
+                              <m:sub>
+                                <m:r>
+                                  <a:rPr lang="fr-FR" sz="1200" i="1">
+                                    <a:latin typeface="Cambria Math"/>
+                                  </a:rPr>
+                                  <m:t>𝐸</m:t>
+                                </m:r>
+                              </m:sub>
+                            </m:sSub>
+                          </m:den>
+                        </m:f>
+                      </m:num>
+                      <m:den>
+                        <m:r>
+                          <a:rPr lang="fr-FR" sz="1200" i="1">
+                            <a:latin typeface="Cambria Math"/>
+                          </a:rPr>
+                          <m:t>1+</m:t>
+                        </m:r>
+                        <m:f>
+                          <m:fPr>
+                            <m:ctrlPr>
+                              <a:rPr lang="fr-FR" sz="1200" i="1">
+                                <a:latin typeface="Cambria Math"/>
+                              </a:rPr>
+                            </m:ctrlPr>
+                          </m:fPr>
+                          <m:num>
+                            <m:r>
+                              <a:rPr lang="fr-FR" sz="1200" i="1">
+                                <a:latin typeface="Cambria Math"/>
+                              </a:rPr>
+                              <m:t>𝑅</m:t>
+                            </m:r>
+                            <m:sSub>
+                              <m:sSubPr>
+                                <m:ctrlPr>
+                                  <a:rPr lang="fr-FR" sz="1200" i="1">
+                                    <a:latin typeface="Cambria Math"/>
+                                  </a:rPr>
+                                </m:ctrlPr>
+                              </m:sSubPr>
+                              <m:e>
+                                <m:r>
+                                  <a:rPr lang="fr-FR" sz="1200" i="1">
+                                    <a:latin typeface="Cambria Math"/>
+                                  </a:rPr>
+                                  <m:t>𝐽</m:t>
+                                </m:r>
+                              </m:e>
+                              <m:sub>
+                                <m:r>
+                                  <a:rPr lang="fr-FR" sz="1200" i="1">
+                                    <a:latin typeface="Cambria Math"/>
+                                  </a:rPr>
+                                  <m:t>𝑒𝑞</m:t>
+                                </m:r>
+                              </m:sub>
+                            </m:sSub>
+                          </m:num>
+                          <m:den>
+                            <m:sSub>
+                              <m:sSubPr>
+                                <m:ctrlPr>
+                                  <a:rPr lang="fr-FR" sz="1200" i="1">
+                                    <a:latin typeface="Cambria Math"/>
+                                  </a:rPr>
+                                </m:ctrlPr>
+                              </m:sSubPr>
+                              <m:e>
+                                <m:r>
+                                  <a:rPr lang="fr-FR" sz="1200" i="1">
+                                    <a:latin typeface="Cambria Math"/>
+                                  </a:rPr>
+                                  <m:t>𝐾</m:t>
+                                </m:r>
+                              </m:e>
+                              <m:sub>
+                                <m:r>
+                                  <a:rPr lang="fr-FR" sz="1200" i="1">
+                                    <a:latin typeface="Cambria Math"/>
+                                  </a:rPr>
+                                  <m:t>𝐶</m:t>
+                                </m:r>
+                              </m:sub>
+                            </m:sSub>
+                            <m:sSub>
+                              <m:sSubPr>
+                                <m:ctrlPr>
+                                  <a:rPr lang="fr-FR" sz="1200" i="1">
+                                    <a:latin typeface="Cambria Math"/>
+                                  </a:rPr>
+                                </m:ctrlPr>
+                              </m:sSubPr>
+                              <m:e>
+                                <m:r>
+                                  <a:rPr lang="fr-FR" sz="1200" i="1">
+                                    <a:latin typeface="Cambria Math"/>
+                                  </a:rPr>
+                                  <m:t>𝐾</m:t>
+                                </m:r>
+                              </m:e>
+                              <m:sub>
+                                <m:r>
+                                  <a:rPr lang="fr-FR" sz="1200" i="1">
+                                    <a:latin typeface="Cambria Math"/>
+                                  </a:rPr>
+                                  <m:t>𝐸</m:t>
+                                </m:r>
+                              </m:sub>
+                            </m:sSub>
+                          </m:den>
+                        </m:f>
+                        <m:r>
+                          <a:rPr lang="fr-FR" sz="1200" i="1">
+                            <a:latin typeface="Cambria Math"/>
+                          </a:rPr>
+                          <m:t>𝑝</m:t>
+                        </m:r>
+                        <m:r>
+                          <a:rPr lang="fr-FR" sz="1200" i="1">
+                            <a:latin typeface="Cambria Math"/>
+                          </a:rPr>
+                          <m:t>+</m:t>
+                        </m:r>
+                        <m:f>
+                          <m:fPr>
+                            <m:ctrlPr>
+                              <a:rPr lang="fr-FR" sz="1200" i="1">
+                                <a:latin typeface="Cambria Math"/>
+                              </a:rPr>
+                            </m:ctrlPr>
+                          </m:fPr>
+                          <m:num>
+                            <m:r>
+                              <a:rPr lang="fr-FR" sz="1200" i="1">
+                                <a:latin typeface="Cambria Math"/>
+                              </a:rPr>
+                              <m:t>𝐿</m:t>
+                            </m:r>
+                            <m:sSub>
+                              <m:sSubPr>
+                                <m:ctrlPr>
+                                  <a:rPr lang="fr-FR" sz="1200" i="1">
+                                    <a:latin typeface="Cambria Math"/>
+                                  </a:rPr>
+                                </m:ctrlPr>
+                              </m:sSubPr>
+                              <m:e>
+                                <m:r>
+                                  <a:rPr lang="fr-FR" sz="1200" i="1">
+                                    <a:latin typeface="Cambria Math"/>
+                                  </a:rPr>
+                                  <m:t>𝐽</m:t>
+                                </m:r>
+                              </m:e>
+                              <m:sub>
+                                <m:r>
+                                  <a:rPr lang="fr-FR" sz="1200" i="1">
+                                    <a:latin typeface="Cambria Math"/>
+                                  </a:rPr>
+                                  <m:t>𝑒𝑞</m:t>
+                                </m:r>
+                              </m:sub>
+                            </m:sSub>
+                          </m:num>
+                          <m:den>
+                            <m:sSub>
+                              <m:sSubPr>
+                                <m:ctrlPr>
+                                  <a:rPr lang="fr-FR" sz="1200" i="1">
+                                    <a:latin typeface="Cambria Math"/>
+                                  </a:rPr>
+                                </m:ctrlPr>
+                              </m:sSubPr>
+                              <m:e>
+                                <m:r>
+                                  <a:rPr lang="fr-FR" sz="1200" i="1">
+                                    <a:latin typeface="Cambria Math"/>
+                                  </a:rPr>
+                                  <m:t>𝐾</m:t>
+                                </m:r>
+                              </m:e>
+                              <m:sub>
+                                <m:r>
+                                  <a:rPr lang="fr-FR" sz="1200" i="1">
+                                    <a:latin typeface="Cambria Math"/>
+                                  </a:rPr>
+                                  <m:t>𝐶</m:t>
+                                </m:r>
+                              </m:sub>
+                            </m:sSub>
+                            <m:sSub>
+                              <m:sSubPr>
+                                <m:ctrlPr>
+                                  <a:rPr lang="fr-FR" sz="1200" i="1">
+                                    <a:latin typeface="Cambria Math"/>
+                                  </a:rPr>
+                                </m:ctrlPr>
+                              </m:sSubPr>
+                              <m:e>
+                                <m:r>
+                                  <a:rPr lang="fr-FR" sz="1200" i="1">
+                                    <a:latin typeface="Cambria Math"/>
+                                  </a:rPr>
+                                  <m:t>𝐾</m:t>
+                                </m:r>
+                              </m:e>
+                              <m:sub>
+                                <m:r>
+                                  <a:rPr lang="fr-FR" sz="1200" i="1">
+                                    <a:latin typeface="Cambria Math"/>
+                                  </a:rPr>
+                                  <m:t>𝐸</m:t>
+                                </m:r>
+                              </m:sub>
+                            </m:sSub>
+                          </m:den>
+                        </m:f>
+                        <m:sSup>
+                          <m:sSupPr>
+                            <m:ctrlPr>
+                              <a:rPr lang="fr-FR" sz="1200" i="1">
+                                <a:latin typeface="Cambria Math"/>
+                              </a:rPr>
+                            </m:ctrlPr>
+                          </m:sSupPr>
+                          <m:e>
+                            <m:r>
+                              <a:rPr lang="fr-FR" sz="1200" i="1">
+                                <a:latin typeface="Cambria Math"/>
+                              </a:rPr>
+                              <m:t>𝑝</m:t>
+                            </m:r>
+                          </m:e>
+                          <m:sup>
+                            <m:r>
+                              <a:rPr lang="fr-FR" sz="1200" i="1">
+                                <a:latin typeface="Cambria Math"/>
+                              </a:rPr>
+                              <m:t>2</m:t>
+                            </m:r>
+                          </m:sup>
+                        </m:sSup>
+                      </m:den>
+                    </m:f>
+                  </m:oMath>
+                </a14:m>
+                <a:endParaRPr lang="fr-FR" sz="1200" dirty="0" smtClean="0"/>
+              </a:p>
+              <a:p>
+                <a:r>
+                  <a:rPr lang="fr-FR" sz="1200" dirty="0" smtClean="0"/>
+                  <a:t>On a donc </a:t>
+                </a:r>
+                <a14:m>
+                  <m:oMath xmlns:m="http://schemas.openxmlformats.org/officeDocument/2006/math">
+                    <m:sSub>
+                      <m:sSubPr>
+                        <m:ctrlPr>
+                          <a:rPr lang="fr-FR" sz="1200" i="1">
+                            <a:latin typeface="Cambria Math"/>
+                          </a:rPr>
+                        </m:ctrlPr>
+                      </m:sSubPr>
+                      <m:e>
+                        <m:r>
+                          <m:rPr>
+                            <m:sty m:val="p"/>
+                          </m:rPr>
+                          <a:rPr lang="fr-FR" sz="1200">
+                            <a:latin typeface="Cambria Math"/>
+                          </a:rPr>
+                          <m:t>Ω</m:t>
+                        </m:r>
+                      </m:e>
+                      <m:sub>
+                        <m:r>
+                          <a:rPr lang="fr-FR" sz="1200" i="1">
+                            <a:latin typeface="Cambria Math"/>
+                          </a:rPr>
+                          <m:t>𝑚</m:t>
+                        </m:r>
+                      </m:sub>
+                    </m:sSub>
+                    <m:d>
+                      <m:dPr>
+                        <m:ctrlPr>
+                          <a:rPr lang="fr-FR" sz="1200" i="1">
+                            <a:latin typeface="Cambria Math"/>
+                          </a:rPr>
+                        </m:ctrlPr>
+                      </m:dPr>
+                      <m:e>
+                        <m:r>
+                          <a:rPr lang="fr-FR" sz="1200" i="1">
+                            <a:latin typeface="Cambria Math"/>
+                          </a:rPr>
+                          <m:t>𝑝</m:t>
+                        </m:r>
+                      </m:e>
+                    </m:d>
+                    <m:r>
+                      <a:rPr lang="fr-FR" sz="1200" b="0" i="1" smtClean="0">
+                        <a:latin typeface="Cambria Math"/>
+                      </a:rPr>
+                      <m:t>=</m:t>
+                    </m:r>
+                    <m:f>
+                      <m:fPr>
+                        <m:ctrlPr>
+                          <a:rPr lang="fr-FR" sz="1200" i="1">
+                            <a:latin typeface="Cambria Math"/>
+                          </a:rPr>
+                        </m:ctrlPr>
+                      </m:fPr>
+                      <m:num>
+                        <m:sSub>
+                          <m:sSubPr>
+                            <m:ctrlPr>
+                              <a:rPr lang="fr-FR" sz="1200" i="1">
+                                <a:latin typeface="Cambria Math"/>
+                              </a:rPr>
+                            </m:ctrlPr>
+                          </m:sSubPr>
+                          <m:e>
+                            <m:r>
+                              <a:rPr lang="fr-FR" sz="1200" i="1">
+                                <a:latin typeface="Cambria Math"/>
+                              </a:rPr>
+                              <m:t>𝐾</m:t>
+                            </m:r>
+                          </m:e>
+                          <m:sub>
+                            <m:r>
+                              <a:rPr lang="fr-FR" sz="1200" i="1">
+                                <a:latin typeface="Cambria Math"/>
+                              </a:rPr>
+                              <m:t>𝑐</m:t>
+                            </m:r>
+                          </m:sub>
+                        </m:sSub>
+                      </m:num>
+                      <m:den>
+                        <m:d>
+                          <m:dPr>
+                            <m:ctrlPr>
+                              <a:rPr lang="fr-FR" sz="1200" i="1">
+                                <a:latin typeface="Cambria Math"/>
+                              </a:rPr>
+                            </m:ctrlPr>
+                          </m:dPr>
+                          <m:e>
+                            <m:r>
+                              <a:rPr lang="fr-FR" sz="1200" i="1">
+                                <a:latin typeface="Cambria Math"/>
+                              </a:rPr>
+                              <m:t>𝑅</m:t>
+                            </m:r>
+                            <m:r>
+                              <a:rPr lang="fr-FR" sz="1200" i="1">
+                                <a:latin typeface="Cambria Math"/>
+                              </a:rPr>
+                              <m:t>+</m:t>
+                            </m:r>
+                            <m:r>
+                              <a:rPr lang="fr-FR" sz="1200" i="1">
+                                <a:latin typeface="Cambria Math"/>
+                              </a:rPr>
+                              <m:t>𝐿𝑝</m:t>
+                            </m:r>
+                          </m:e>
+                        </m:d>
+                        <m:d>
+                          <m:dPr>
+                            <m:ctrlPr>
+                              <a:rPr lang="fr-FR" sz="1200" i="1">
+                                <a:latin typeface="Cambria Math"/>
+                              </a:rPr>
+                            </m:ctrlPr>
+                          </m:dPr>
+                          <m:e>
+                            <m:r>
+                              <a:rPr lang="fr-FR" sz="1200" i="1">
+                                <a:latin typeface="Cambria Math"/>
+                              </a:rPr>
+                              <m:t>𝑓</m:t>
+                            </m:r>
+                            <m:r>
+                              <a:rPr lang="fr-FR" sz="1200" i="1">
+                                <a:latin typeface="Cambria Math"/>
+                              </a:rPr>
+                              <m:t>+</m:t>
+                            </m:r>
+                            <m:sSub>
+                              <m:sSubPr>
+                                <m:ctrlPr>
+                                  <a:rPr lang="fr-FR" sz="1200" i="1">
+                                    <a:latin typeface="Cambria Math"/>
+                                  </a:rPr>
+                                </m:ctrlPr>
+                              </m:sSubPr>
+                              <m:e>
+                                <m:r>
+                                  <a:rPr lang="fr-FR" sz="1200" i="1">
+                                    <a:latin typeface="Cambria Math"/>
+                                  </a:rPr>
+                                  <m:t>𝐽</m:t>
+                                </m:r>
+                              </m:e>
+                              <m:sub>
+                                <m:r>
+                                  <a:rPr lang="fr-FR" sz="1200" i="1">
+                                    <a:latin typeface="Cambria Math"/>
+                                  </a:rPr>
+                                  <m:t>𝑒𝑞</m:t>
+                                </m:r>
+                              </m:sub>
+                            </m:sSub>
+                            <m:r>
+                              <a:rPr lang="fr-FR" sz="1200" i="1">
+                                <a:latin typeface="Cambria Math"/>
+                              </a:rPr>
+                              <m:t>𝑝</m:t>
+                            </m:r>
+                          </m:e>
+                        </m:d>
+                        <m:r>
+                          <a:rPr lang="fr-FR" sz="1200" i="1">
+                            <a:latin typeface="Cambria Math"/>
+                          </a:rPr>
+                          <m:t>+</m:t>
+                        </m:r>
+                        <m:sSub>
+                          <m:sSubPr>
+                            <m:ctrlPr>
+                              <a:rPr lang="fr-FR" sz="1200" i="1">
+                                <a:latin typeface="Cambria Math"/>
+                              </a:rPr>
+                            </m:ctrlPr>
+                          </m:sSubPr>
+                          <m:e>
+                            <m:r>
+                              <a:rPr lang="fr-FR" sz="1200" i="1">
+                                <a:latin typeface="Cambria Math"/>
+                              </a:rPr>
+                              <m:t>𝐾</m:t>
+                            </m:r>
+                          </m:e>
+                          <m:sub>
+                            <m:r>
+                              <a:rPr lang="fr-FR" sz="1200" i="1">
+                                <a:latin typeface="Cambria Math"/>
+                              </a:rPr>
+                              <m:t>𝑐</m:t>
+                            </m:r>
+                          </m:sub>
+                        </m:sSub>
+                        <m:sSub>
+                          <m:sSubPr>
+                            <m:ctrlPr>
+                              <a:rPr lang="fr-FR" sz="1200" i="1">
+                                <a:latin typeface="Cambria Math"/>
+                              </a:rPr>
+                            </m:ctrlPr>
+                          </m:sSubPr>
+                          <m:e>
+                            <m:r>
+                              <a:rPr lang="fr-FR" sz="1200" i="1">
+                                <a:latin typeface="Cambria Math"/>
+                              </a:rPr>
+                              <m:t>𝐾</m:t>
+                            </m:r>
+                          </m:e>
+                          <m:sub>
+                            <m:r>
+                              <a:rPr lang="fr-FR" sz="1200" i="1">
+                                <a:latin typeface="Cambria Math"/>
+                              </a:rPr>
+                              <m:t>𝐸</m:t>
+                            </m:r>
+                          </m:sub>
+                        </m:sSub>
+                      </m:den>
+                    </m:f>
+                    <m:r>
+                      <a:rPr lang="fr-FR" sz="1200" b="0" i="1" smtClean="0">
+                        <a:latin typeface="Cambria Math"/>
+                      </a:rPr>
+                      <m:t>𝑈</m:t>
+                    </m:r>
+                    <m:d>
+                      <m:dPr>
+                        <m:ctrlPr>
+                          <a:rPr lang="fr-FR" sz="1200" b="0" i="1" smtClean="0">
+                            <a:latin typeface="Cambria Math"/>
+                          </a:rPr>
+                        </m:ctrlPr>
+                      </m:dPr>
+                      <m:e>
+                        <m:r>
+                          <a:rPr lang="fr-FR" sz="1200" b="0" i="1" smtClean="0">
+                            <a:latin typeface="Cambria Math"/>
+                          </a:rPr>
+                          <m:t>𝑝</m:t>
+                        </m:r>
+                      </m:e>
+                    </m:d>
+                    <m:r>
+                      <a:rPr lang="fr-FR" sz="1200" b="0" i="1" smtClean="0">
+                        <a:latin typeface="Cambria Math"/>
+                      </a:rPr>
+                      <m:t>+</m:t>
+                    </m:r>
+                    <m:f>
+                      <m:fPr>
+                        <m:ctrlPr>
+                          <a:rPr lang="fr-FR" sz="1200" i="1">
+                            <a:latin typeface="Cambria Math"/>
+                          </a:rPr>
+                        </m:ctrlPr>
+                      </m:fPr>
+                      <m:num>
+                        <m:d>
+                          <m:dPr>
+                            <m:ctrlPr>
+                              <a:rPr lang="fr-FR" sz="1200" i="1">
+                                <a:latin typeface="Cambria Math"/>
+                              </a:rPr>
+                            </m:ctrlPr>
+                          </m:dPr>
+                          <m:e>
+                            <m:r>
+                              <a:rPr lang="fr-FR" sz="1200" i="1">
+                                <a:latin typeface="Cambria Math"/>
+                              </a:rPr>
+                              <m:t>𝑅</m:t>
+                            </m:r>
+                            <m:r>
+                              <a:rPr lang="fr-FR" sz="1200" i="1">
+                                <a:latin typeface="Cambria Math"/>
+                              </a:rPr>
+                              <m:t>+</m:t>
+                            </m:r>
+                            <m:r>
+                              <a:rPr lang="fr-FR" sz="1200" i="1">
+                                <a:latin typeface="Cambria Math"/>
+                              </a:rPr>
+                              <m:t>𝐿𝑝</m:t>
+                            </m:r>
+                          </m:e>
+                        </m:d>
+                      </m:num>
+                      <m:den>
+                        <m:d>
+                          <m:dPr>
+                            <m:ctrlPr>
+                              <a:rPr lang="fr-FR" sz="1200" i="1">
+                                <a:latin typeface="Cambria Math"/>
+                              </a:rPr>
+                            </m:ctrlPr>
+                          </m:dPr>
+                          <m:e>
+                            <m:r>
+                              <a:rPr lang="fr-FR" sz="1200" i="1">
+                                <a:latin typeface="Cambria Math"/>
+                              </a:rPr>
+                              <m:t>𝑓</m:t>
+                            </m:r>
+                            <m:r>
+                              <a:rPr lang="fr-FR" sz="1200" i="1">
+                                <a:latin typeface="Cambria Math"/>
+                              </a:rPr>
+                              <m:t>+</m:t>
+                            </m:r>
+                            <m:sSub>
+                              <m:sSubPr>
+                                <m:ctrlPr>
+                                  <a:rPr lang="fr-FR" sz="1200" i="1">
+                                    <a:latin typeface="Cambria Math"/>
+                                  </a:rPr>
+                                </m:ctrlPr>
+                              </m:sSubPr>
+                              <m:e>
+                                <m:r>
+                                  <a:rPr lang="fr-FR" sz="1200" i="1">
+                                    <a:latin typeface="Cambria Math"/>
+                                  </a:rPr>
+                                  <m:t>𝐽</m:t>
+                                </m:r>
+                              </m:e>
+                              <m:sub>
+                                <m:r>
+                                  <a:rPr lang="fr-FR" sz="1200" i="1">
+                                    <a:latin typeface="Cambria Math"/>
+                                  </a:rPr>
+                                  <m:t>𝑒𝑞</m:t>
+                                </m:r>
+                              </m:sub>
+                            </m:sSub>
+                            <m:r>
+                              <a:rPr lang="fr-FR" sz="1200" i="1">
+                                <a:latin typeface="Cambria Math"/>
+                              </a:rPr>
+                              <m:t>𝑝</m:t>
+                            </m:r>
+                          </m:e>
+                        </m:d>
+                        <m:d>
+                          <m:dPr>
+                            <m:ctrlPr>
+                              <a:rPr lang="fr-FR" sz="1200" i="1">
+                                <a:latin typeface="Cambria Math"/>
+                              </a:rPr>
+                            </m:ctrlPr>
+                          </m:dPr>
+                          <m:e>
+                            <m:r>
+                              <a:rPr lang="fr-FR" sz="1200" i="1">
+                                <a:latin typeface="Cambria Math"/>
+                              </a:rPr>
+                              <m:t>𝑅</m:t>
+                            </m:r>
+                            <m:r>
+                              <a:rPr lang="fr-FR" sz="1200" i="1">
+                                <a:latin typeface="Cambria Math"/>
+                              </a:rPr>
+                              <m:t>+</m:t>
+                            </m:r>
+                            <m:r>
+                              <a:rPr lang="fr-FR" sz="1200" i="1">
+                                <a:latin typeface="Cambria Math"/>
+                              </a:rPr>
+                              <m:t>𝐿𝑝</m:t>
+                            </m:r>
+                          </m:e>
+                        </m:d>
+                        <m:r>
+                          <a:rPr lang="fr-FR" sz="1200" i="1">
+                            <a:latin typeface="Cambria Math"/>
+                          </a:rPr>
+                          <m:t>+</m:t>
+                        </m:r>
+                        <m:sSub>
+                          <m:sSubPr>
+                            <m:ctrlPr>
+                              <a:rPr lang="fr-FR" sz="1200" i="1">
+                                <a:latin typeface="Cambria Math"/>
+                              </a:rPr>
+                            </m:ctrlPr>
+                          </m:sSubPr>
+                          <m:e>
+                            <m:r>
+                              <a:rPr lang="fr-FR" sz="1200" i="1">
+                                <a:latin typeface="Cambria Math"/>
+                              </a:rPr>
+                              <m:t>𝐾</m:t>
+                            </m:r>
+                          </m:e>
+                          <m:sub>
+                            <m:r>
+                              <a:rPr lang="fr-FR" sz="1200" i="1">
+                                <a:latin typeface="Cambria Math"/>
+                              </a:rPr>
+                              <m:t>𝑐</m:t>
+                            </m:r>
+                          </m:sub>
+                        </m:sSub>
+                        <m:sSub>
+                          <m:sSubPr>
+                            <m:ctrlPr>
+                              <a:rPr lang="fr-FR" sz="1200" i="1">
+                                <a:latin typeface="Cambria Math"/>
+                              </a:rPr>
+                            </m:ctrlPr>
+                          </m:sSubPr>
+                          <m:e>
+                            <m:r>
+                              <a:rPr lang="fr-FR" sz="1200" i="1">
+                                <a:latin typeface="Cambria Math"/>
+                              </a:rPr>
+                              <m:t>𝐾</m:t>
+                            </m:r>
+                          </m:e>
+                          <m:sub>
+                            <m:r>
+                              <a:rPr lang="fr-FR" sz="1200" i="1">
+                                <a:latin typeface="Cambria Math"/>
+                              </a:rPr>
+                              <m:t>𝐸</m:t>
+                            </m:r>
+                          </m:sub>
+                        </m:sSub>
+                      </m:den>
+                    </m:f>
+                    <m:sSub>
+                      <m:sSubPr>
+                        <m:ctrlPr>
+                          <a:rPr lang="fr-FR" sz="1200" b="0" i="1" smtClean="0">
+                            <a:latin typeface="Cambria Math"/>
+                          </a:rPr>
+                        </m:ctrlPr>
+                      </m:sSubPr>
+                      <m:e>
+                        <m:r>
+                          <a:rPr lang="fr-FR" sz="1200" b="0" i="1" smtClean="0">
+                            <a:latin typeface="Cambria Math"/>
+                          </a:rPr>
+                          <m:t>𝐶</m:t>
+                        </m:r>
+                      </m:e>
+                      <m:sub>
+                        <m:r>
+                          <a:rPr lang="fr-FR" sz="1200" b="0" i="1" smtClean="0">
+                            <a:latin typeface="Cambria Math"/>
+                          </a:rPr>
+                          <m:t>𝑟</m:t>
+                        </m:r>
+                      </m:sub>
+                    </m:sSub>
+                    <m:d>
+                      <m:dPr>
+                        <m:ctrlPr>
+                          <a:rPr lang="fr-FR" sz="1200" b="0" i="1" smtClean="0">
+                            <a:latin typeface="Cambria Math"/>
+                          </a:rPr>
+                        </m:ctrlPr>
+                      </m:dPr>
+                      <m:e>
+                        <m:r>
+                          <a:rPr lang="fr-FR" sz="1200" b="0" i="1" smtClean="0">
+                            <a:latin typeface="Cambria Math"/>
+                          </a:rPr>
+                          <m:t>𝑝</m:t>
+                        </m:r>
+                      </m:e>
+                    </m:d>
+                  </m:oMath>
+                </a14:m>
+                <a:endParaRPr lang="fr-FR" sz="1200" b="0" dirty="0" smtClean="0"/>
+              </a:p>
+              <a:p>
+                <a:r>
+                  <a:rPr lang="fr-FR" sz="1200" dirty="0" smtClean="0"/>
+                  <a:t>Avec </a:t>
+                </a:r>
+                <a14:m>
+                  <m:oMath xmlns:m="http://schemas.openxmlformats.org/officeDocument/2006/math">
+                    <m:sSub>
+                      <m:sSubPr>
+                        <m:ctrlPr>
+                          <a:rPr lang="fr-FR" sz="1200" b="0" i="1" smtClean="0">
+                            <a:latin typeface="Cambria Math"/>
+                          </a:rPr>
+                        </m:ctrlPr>
+                      </m:sSubPr>
+                      <m:e>
+                        <m:r>
+                          <a:rPr lang="fr-FR" sz="1200" b="0" i="1" smtClean="0">
+                            <a:latin typeface="Cambria Math"/>
+                          </a:rPr>
+                          <m:t>𝐻</m:t>
+                        </m:r>
+                      </m:e>
+                      <m:sub>
+                        <m:r>
+                          <a:rPr lang="fr-FR" sz="1200" b="0" i="1" smtClean="0">
+                            <a:latin typeface="Cambria Math"/>
+                          </a:rPr>
+                          <m:t>𝑚</m:t>
+                        </m:r>
+                      </m:sub>
+                    </m:sSub>
+                    <m:d>
+                      <m:dPr>
+                        <m:ctrlPr>
+                          <a:rPr lang="fr-FR" sz="1200" b="0" i="1" smtClean="0">
+                            <a:latin typeface="Cambria Math"/>
+                          </a:rPr>
+                        </m:ctrlPr>
+                      </m:dPr>
+                      <m:e>
+                        <m:r>
+                          <a:rPr lang="fr-FR" sz="1200" b="0" i="1" smtClean="0">
+                            <a:latin typeface="Cambria Math"/>
+                          </a:rPr>
+                          <m:t>𝑝</m:t>
+                        </m:r>
+                      </m:e>
+                    </m:d>
+                    <m:r>
+                      <a:rPr lang="fr-FR" sz="1200" b="0" i="1" smtClean="0">
+                        <a:latin typeface="Cambria Math"/>
+                      </a:rPr>
+                      <m:t>=</m:t>
+                    </m:r>
+                    <m:f>
+                      <m:fPr>
+                        <m:ctrlPr>
+                          <a:rPr lang="fr-FR" sz="1200" b="0" i="1" smtClean="0">
+                            <a:latin typeface="Cambria Math"/>
+                          </a:rPr>
+                        </m:ctrlPr>
+                      </m:fPr>
+                      <m:num>
+                        <m:sSub>
+                          <m:sSubPr>
+                            <m:ctrlPr>
+                              <a:rPr lang="fr-FR" sz="1200" b="0" i="1" smtClean="0">
+                                <a:latin typeface="Cambria Math"/>
+                              </a:rPr>
+                            </m:ctrlPr>
+                          </m:sSubPr>
+                          <m:e>
+                            <m:r>
+                              <a:rPr lang="fr-FR" sz="1200" b="0" i="1" smtClean="0">
+                                <a:latin typeface="Cambria Math"/>
+                              </a:rPr>
+                              <m:t>𝐾</m:t>
+                            </m:r>
+                          </m:e>
+                          <m:sub>
+                            <m:r>
+                              <a:rPr lang="fr-FR" sz="1200" b="0" i="1" smtClean="0">
+                                <a:latin typeface="Cambria Math"/>
+                              </a:rPr>
+                              <m:t>𝑚</m:t>
+                            </m:r>
+                          </m:sub>
+                        </m:sSub>
+                      </m:num>
+                      <m:den>
+                        <m:d>
+                          <m:dPr>
+                            <m:ctrlPr>
+                              <a:rPr lang="fr-FR" sz="1200" b="0" i="1" smtClean="0">
+                                <a:latin typeface="Cambria Math"/>
+                              </a:rPr>
+                            </m:ctrlPr>
+                          </m:dPr>
+                          <m:e>
+                            <m:r>
+                              <a:rPr lang="fr-FR" sz="1200" b="0" i="1" smtClean="0">
+                                <a:latin typeface="Cambria Math"/>
+                              </a:rPr>
+                              <m:t>1+</m:t>
+                            </m:r>
+                            <m:sSub>
+                              <m:sSubPr>
+                                <m:ctrlPr>
+                                  <a:rPr lang="fr-FR" sz="1200" b="0" i="1" smtClean="0">
+                                    <a:latin typeface="Cambria Math"/>
+                                  </a:rPr>
+                                </m:ctrlPr>
+                              </m:sSubPr>
+                              <m:e>
+                                <m:r>
+                                  <a:rPr lang="fr-FR" sz="1200" b="0" i="1" smtClean="0">
+                                    <a:latin typeface="Cambria Math"/>
+                                  </a:rPr>
+                                  <m:t>𝑇</m:t>
+                                </m:r>
+                              </m:e>
+                              <m:sub>
+                                <m:r>
+                                  <a:rPr lang="fr-FR" sz="1200" b="0" i="1" smtClean="0">
+                                    <a:latin typeface="Cambria Math"/>
+                                  </a:rPr>
+                                  <m:t>𝐸</m:t>
+                                </m:r>
+                              </m:sub>
+                            </m:sSub>
+                            <m:r>
+                              <a:rPr lang="fr-FR" sz="1200" b="0" i="1" smtClean="0">
+                                <a:latin typeface="Cambria Math"/>
+                              </a:rPr>
+                              <m:t>𝑝</m:t>
+                            </m:r>
+                          </m:e>
+                        </m:d>
+                        <m:d>
+                          <m:dPr>
+                            <m:ctrlPr>
+                              <a:rPr lang="fr-FR" sz="1200" i="1">
+                                <a:latin typeface="Cambria Math"/>
+                              </a:rPr>
+                            </m:ctrlPr>
+                          </m:dPr>
+                          <m:e>
+                            <m:r>
+                              <a:rPr lang="fr-FR" sz="1200" i="1">
+                                <a:latin typeface="Cambria Math"/>
+                              </a:rPr>
+                              <m:t>1+</m:t>
+                            </m:r>
+                            <m:sSub>
+                              <m:sSubPr>
+                                <m:ctrlPr>
+                                  <a:rPr lang="fr-FR" sz="1200" i="1">
+                                    <a:latin typeface="Cambria Math"/>
+                                  </a:rPr>
+                                </m:ctrlPr>
+                              </m:sSubPr>
+                              <m:e>
+                                <m:r>
+                                  <a:rPr lang="fr-FR" sz="1200" i="1">
+                                    <a:latin typeface="Cambria Math"/>
+                                  </a:rPr>
+                                  <m:t>𝑇</m:t>
+                                </m:r>
+                              </m:e>
+                              <m:sub>
+                                <m:r>
+                                  <a:rPr lang="fr-FR" sz="1200" b="0" i="1" smtClean="0">
+                                    <a:latin typeface="Cambria Math"/>
+                                  </a:rPr>
+                                  <m:t>𝑀</m:t>
+                                </m:r>
+                              </m:sub>
+                            </m:sSub>
+                            <m:r>
+                              <a:rPr lang="fr-FR" sz="1200" i="1">
+                                <a:latin typeface="Cambria Math"/>
+                              </a:rPr>
+                              <m:t>𝑝</m:t>
+                            </m:r>
+                          </m:e>
+                        </m:d>
+                      </m:den>
+                    </m:f>
+                    <m:r>
+                      <a:rPr lang="fr-FR" sz="1200" b="0" i="1" smtClean="0">
+                        <a:latin typeface="Cambria Math"/>
+                      </a:rPr>
+                      <m:t>=</m:t>
+                    </m:r>
+                    <m:f>
+                      <m:fPr>
+                        <m:ctrlPr>
+                          <a:rPr lang="fr-FR" sz="1200" i="1"/>
+                        </m:ctrlPr>
+                      </m:fPr>
+                      <m:num>
+                        <m:f>
+                          <m:fPr>
+                            <m:ctrlPr>
+                              <a:rPr lang="fr-FR" sz="1200" i="1"/>
+                            </m:ctrlPr>
+                          </m:fPr>
+                          <m:num>
+                            <m:sSub>
+                              <m:sSubPr>
+                                <m:ctrlPr>
+                                  <a:rPr lang="fr-FR" sz="1200" i="1"/>
+                                </m:ctrlPr>
+                              </m:sSubPr>
+                              <m:e>
+                                <m:r>
+                                  <a:rPr lang="fr-FR" sz="1200" i="1"/>
+                                  <m:t>𝐾</m:t>
+                                </m:r>
+                              </m:e>
+                              <m:sub>
+                                <m:r>
+                                  <a:rPr lang="fr-FR" sz="1200" i="1"/>
+                                  <m:t>𝐶</m:t>
+                                </m:r>
+                              </m:sub>
+                            </m:sSub>
+                          </m:num>
+                          <m:den>
+                            <m:sSub>
+                              <m:sSubPr>
+                                <m:ctrlPr>
+                                  <a:rPr lang="fr-FR" sz="1200" i="1"/>
+                                </m:ctrlPr>
+                              </m:sSubPr>
+                              <m:e>
+                                <m:r>
+                                  <a:rPr lang="fr-FR" sz="1200" i="1"/>
+                                  <m:t>𝐾</m:t>
+                                </m:r>
+                              </m:e>
+                              <m:sub>
+                                <m:r>
+                                  <a:rPr lang="fr-FR" sz="1200" i="1"/>
+                                  <m:t>𝑐</m:t>
+                                </m:r>
+                              </m:sub>
+                            </m:sSub>
+                            <m:sSub>
+                              <m:sSubPr>
+                                <m:ctrlPr>
+                                  <a:rPr lang="fr-FR" sz="1200" i="1"/>
+                                </m:ctrlPr>
+                              </m:sSubPr>
+                              <m:e>
+                                <m:r>
+                                  <a:rPr lang="fr-FR" sz="1200" i="1"/>
+                                  <m:t>𝐾</m:t>
+                                </m:r>
+                              </m:e>
+                              <m:sub>
+                                <m:r>
+                                  <a:rPr lang="fr-FR" sz="1200" i="1"/>
+                                  <m:t>𝐸</m:t>
+                                </m:r>
+                              </m:sub>
+                            </m:sSub>
+                            <m:r>
+                              <a:rPr lang="fr-FR" sz="1200" i="1"/>
+                              <m:t>+</m:t>
+                            </m:r>
+                            <m:r>
+                              <a:rPr lang="fr-FR" sz="1200" i="1"/>
+                              <m:t>𝑅𝑓</m:t>
+                            </m:r>
+                          </m:den>
+                        </m:f>
+                      </m:num>
+                      <m:den>
+                        <m:r>
+                          <a:rPr lang="fr-FR" sz="1200" i="1"/>
+                          <m:t>1+</m:t>
+                        </m:r>
+                        <m:f>
+                          <m:fPr>
+                            <m:ctrlPr>
+                              <a:rPr lang="fr-FR" sz="1200" i="1"/>
+                            </m:ctrlPr>
+                          </m:fPr>
+                          <m:num>
+                            <m:r>
+                              <a:rPr lang="fr-FR" sz="1200" i="1"/>
+                              <m:t>𝑅</m:t>
+                            </m:r>
+                            <m:sSub>
+                              <m:sSubPr>
+                                <m:ctrlPr>
+                                  <a:rPr lang="fr-FR" sz="1200" i="1"/>
+                                </m:ctrlPr>
+                              </m:sSubPr>
+                              <m:e>
+                                <m:r>
+                                  <a:rPr lang="fr-FR" sz="1200" i="1"/>
+                                  <m:t>𝐽</m:t>
+                                </m:r>
+                              </m:e>
+                              <m:sub>
+                                <m:r>
+                                  <a:rPr lang="fr-FR" sz="1200" i="1"/>
+                                  <m:t>𝑒𝑞</m:t>
+                                </m:r>
+                              </m:sub>
+                            </m:sSub>
+                            <m:r>
+                              <a:rPr lang="fr-FR" sz="1200" i="1"/>
+                              <m:t>+</m:t>
+                            </m:r>
+                            <m:r>
+                              <a:rPr lang="fr-FR" sz="1200" i="1"/>
+                              <m:t>𝐿𝑓</m:t>
+                            </m:r>
+                          </m:num>
+                          <m:den>
+                            <m:sSub>
+                              <m:sSubPr>
+                                <m:ctrlPr>
+                                  <a:rPr lang="fr-FR" sz="1200" i="1"/>
+                                </m:ctrlPr>
+                              </m:sSubPr>
+                              <m:e>
+                                <m:r>
+                                  <a:rPr lang="fr-FR" sz="1200" i="1"/>
+                                  <m:t>𝐾</m:t>
+                                </m:r>
+                              </m:e>
+                              <m:sub>
+                                <m:r>
+                                  <a:rPr lang="fr-FR" sz="1200" i="1"/>
+                                  <m:t>𝑐</m:t>
+                                </m:r>
+                              </m:sub>
+                            </m:sSub>
+                            <m:sSub>
+                              <m:sSubPr>
+                                <m:ctrlPr>
+                                  <a:rPr lang="fr-FR" sz="1200" i="1"/>
+                                </m:ctrlPr>
+                              </m:sSubPr>
+                              <m:e>
+                                <m:r>
+                                  <a:rPr lang="fr-FR" sz="1200" i="1"/>
+                                  <m:t>𝐾</m:t>
+                                </m:r>
+                              </m:e>
+                              <m:sub>
+                                <m:r>
+                                  <a:rPr lang="fr-FR" sz="1200" i="1"/>
+                                  <m:t>𝐸</m:t>
+                                </m:r>
+                              </m:sub>
+                            </m:sSub>
+                            <m:r>
+                              <a:rPr lang="fr-FR" sz="1200" i="1"/>
+                              <m:t>+</m:t>
+                            </m:r>
+                            <m:r>
+                              <a:rPr lang="fr-FR" sz="1200" i="1"/>
+                              <m:t>𝑅𝑓</m:t>
+                            </m:r>
+                          </m:den>
+                        </m:f>
+                        <m:r>
+                          <a:rPr lang="fr-FR" sz="1200" i="1"/>
+                          <m:t>𝑝</m:t>
+                        </m:r>
+                        <m:r>
+                          <a:rPr lang="fr-FR" sz="1200" i="1"/>
+                          <m:t>+</m:t>
+                        </m:r>
+                        <m:f>
+                          <m:fPr>
+                            <m:ctrlPr>
+                              <a:rPr lang="fr-FR" sz="1200" i="1"/>
+                            </m:ctrlPr>
+                          </m:fPr>
+                          <m:num>
+                            <m:r>
+                              <a:rPr lang="fr-FR" sz="1200" i="1"/>
+                              <m:t>𝐿</m:t>
+                            </m:r>
+                            <m:sSub>
+                              <m:sSubPr>
+                                <m:ctrlPr>
+                                  <a:rPr lang="fr-FR" sz="1200" i="1"/>
+                                </m:ctrlPr>
+                              </m:sSubPr>
+                              <m:e>
+                                <m:r>
+                                  <a:rPr lang="fr-FR" sz="1200" i="1"/>
+                                  <m:t>𝐽</m:t>
+                                </m:r>
+                              </m:e>
+                              <m:sub>
+                                <m:r>
+                                  <a:rPr lang="fr-FR" sz="1200" i="1"/>
+                                  <m:t>𝑒𝑞</m:t>
+                                </m:r>
+                              </m:sub>
+                            </m:sSub>
+                          </m:num>
+                          <m:den>
+                            <m:sSub>
+                              <m:sSubPr>
+                                <m:ctrlPr>
+                                  <a:rPr lang="fr-FR" sz="1200" i="1"/>
+                                </m:ctrlPr>
+                              </m:sSubPr>
+                              <m:e>
+                                <m:r>
+                                  <a:rPr lang="fr-FR" sz="1200" i="1"/>
+                                  <m:t>𝐾</m:t>
+                                </m:r>
+                              </m:e>
+                              <m:sub>
+                                <m:r>
+                                  <a:rPr lang="fr-FR" sz="1200" i="1"/>
+                                  <m:t>𝑐</m:t>
+                                </m:r>
+                              </m:sub>
+                            </m:sSub>
+                            <m:sSub>
+                              <m:sSubPr>
+                                <m:ctrlPr>
+                                  <a:rPr lang="fr-FR" sz="1200" i="1"/>
+                                </m:ctrlPr>
+                              </m:sSubPr>
+                              <m:e>
+                                <m:r>
+                                  <a:rPr lang="fr-FR" sz="1200" i="1"/>
+                                  <m:t>𝐾</m:t>
+                                </m:r>
+                              </m:e>
+                              <m:sub>
+                                <m:r>
+                                  <a:rPr lang="fr-FR" sz="1200" i="1"/>
+                                  <m:t>𝐸</m:t>
+                                </m:r>
+                              </m:sub>
+                            </m:sSub>
+                            <m:r>
+                              <a:rPr lang="fr-FR" sz="1200" i="1"/>
+                              <m:t>+</m:t>
+                            </m:r>
+                            <m:r>
+                              <a:rPr lang="fr-FR" sz="1200" i="1"/>
+                              <m:t>𝑅𝑓</m:t>
+                            </m:r>
+                          </m:den>
+                        </m:f>
+                        <m:sSup>
+                          <m:sSupPr>
+                            <m:ctrlPr>
+                              <a:rPr lang="fr-FR" sz="1200" i="1"/>
+                            </m:ctrlPr>
+                          </m:sSupPr>
+                          <m:e>
+                            <m:r>
+                              <a:rPr lang="fr-FR" sz="1200" i="1"/>
+                              <m:t>𝑝</m:t>
+                            </m:r>
+                          </m:e>
+                          <m:sup>
+                            <m:r>
+                              <a:rPr lang="fr-FR" sz="1200" i="1"/>
+                              <m:t>2</m:t>
+                            </m:r>
+                          </m:sup>
+                        </m:sSup>
+                      </m:den>
+                    </m:f>
+                    <m:r>
+                      <a:rPr lang="fr-FR" sz="1200" b="0" i="1" smtClean="0">
+                        <a:latin typeface="Cambria Math"/>
+                      </a:rPr>
+                      <m:t>=</m:t>
+                    </m:r>
+                    <m:f>
+                      <m:fPr>
+                        <m:ctrlPr>
+                          <a:rPr lang="fr-FR" sz="1200" i="1"/>
+                        </m:ctrlPr>
+                      </m:fPr>
+                      <m:num>
+                        <m:f>
+                          <m:fPr>
+                            <m:ctrlPr>
+                              <a:rPr lang="fr-FR" sz="1200" i="1"/>
+                            </m:ctrlPr>
+                          </m:fPr>
+                          <m:num>
+                            <m:r>
+                              <a:rPr lang="fr-FR" sz="1200" b="0" i="1" smtClean="0">
+                                <a:latin typeface="Cambria Math"/>
+                              </a:rPr>
+                              <m:t>1</m:t>
+                            </m:r>
+                          </m:num>
+                          <m:den>
+                            <m:sSub>
+                              <m:sSubPr>
+                                <m:ctrlPr>
+                                  <a:rPr lang="fr-FR" sz="1200" i="1"/>
+                                </m:ctrlPr>
+                              </m:sSubPr>
+                              <m:e>
+                                <m:r>
+                                  <a:rPr lang="fr-FR" sz="1200" i="1"/>
+                                  <m:t>𝐾</m:t>
+                                </m:r>
+                              </m:e>
+                              <m:sub>
+                                <m:r>
+                                  <a:rPr lang="fr-FR" sz="1200" i="1"/>
+                                  <m:t>𝐸</m:t>
+                                </m:r>
+                              </m:sub>
+                            </m:sSub>
+                          </m:den>
+                        </m:f>
+                      </m:num>
+                      <m:den>
+                        <m:r>
+                          <a:rPr lang="fr-FR" sz="1200" i="1"/>
+                          <m:t>1+</m:t>
+                        </m:r>
+                        <m:f>
+                          <m:fPr>
+                            <m:ctrlPr>
+                              <a:rPr lang="fr-FR" sz="1200" i="1"/>
+                            </m:ctrlPr>
+                          </m:fPr>
+                          <m:num>
+                            <m:r>
+                              <a:rPr lang="fr-FR" sz="1200" i="1"/>
+                              <m:t>𝑅</m:t>
+                            </m:r>
+                            <m:sSub>
+                              <m:sSubPr>
+                                <m:ctrlPr>
+                                  <a:rPr lang="fr-FR" sz="1200" i="1"/>
+                                </m:ctrlPr>
+                              </m:sSubPr>
+                              <m:e>
+                                <m:r>
+                                  <a:rPr lang="fr-FR" sz="1200" i="1"/>
+                                  <m:t>𝐽</m:t>
+                                </m:r>
+                              </m:e>
+                              <m:sub>
+                                <m:r>
+                                  <a:rPr lang="fr-FR" sz="1200" i="1"/>
+                                  <m:t>𝑒𝑞</m:t>
+                                </m:r>
+                              </m:sub>
+                            </m:sSub>
+                          </m:num>
+                          <m:den>
+                            <m:sSub>
+                              <m:sSubPr>
+                                <m:ctrlPr>
+                                  <a:rPr lang="fr-FR" sz="1200" i="1"/>
+                                </m:ctrlPr>
+                              </m:sSubPr>
+                              <m:e>
+                                <m:r>
+                                  <a:rPr lang="fr-FR" sz="1200" i="1"/>
+                                  <m:t>𝐾</m:t>
+                                </m:r>
+                              </m:e>
+                              <m:sub>
+                                <m:r>
+                                  <a:rPr lang="fr-FR" sz="1200" i="1"/>
+                                  <m:t>𝑐</m:t>
+                                </m:r>
+                              </m:sub>
+                            </m:sSub>
+                            <m:sSub>
+                              <m:sSubPr>
+                                <m:ctrlPr>
+                                  <a:rPr lang="fr-FR" sz="1200" i="1"/>
+                                </m:ctrlPr>
+                              </m:sSubPr>
+                              <m:e>
+                                <m:r>
+                                  <a:rPr lang="fr-FR" sz="1200" i="1"/>
+                                  <m:t>𝐾</m:t>
+                                </m:r>
+                              </m:e>
+                              <m:sub>
+                                <m:r>
+                                  <a:rPr lang="fr-FR" sz="1200" i="1"/>
+                                  <m:t>𝐸</m:t>
+                                </m:r>
+                              </m:sub>
+                            </m:sSub>
+                          </m:den>
+                        </m:f>
+                        <m:r>
+                          <a:rPr lang="fr-FR" sz="1200" i="1"/>
+                          <m:t>𝑝</m:t>
+                        </m:r>
+                        <m:r>
+                          <a:rPr lang="fr-FR" sz="1200" i="1"/>
+                          <m:t>+</m:t>
+                        </m:r>
+                        <m:f>
+                          <m:fPr>
+                            <m:ctrlPr>
+                              <a:rPr lang="fr-FR" sz="1200" i="1"/>
+                            </m:ctrlPr>
+                          </m:fPr>
+                          <m:num>
+                            <m:r>
+                              <a:rPr lang="fr-FR" sz="1200" i="1"/>
+                              <m:t>𝐿</m:t>
+                            </m:r>
+                            <m:sSub>
+                              <m:sSubPr>
+                                <m:ctrlPr>
+                                  <a:rPr lang="fr-FR" sz="1200" i="1"/>
+                                </m:ctrlPr>
+                              </m:sSubPr>
+                              <m:e>
+                                <m:r>
+                                  <a:rPr lang="fr-FR" sz="1200" i="1"/>
+                                  <m:t>𝐽</m:t>
+                                </m:r>
+                              </m:e>
+                              <m:sub>
+                                <m:r>
+                                  <a:rPr lang="fr-FR" sz="1200" i="1"/>
+                                  <m:t>𝑒𝑞</m:t>
+                                </m:r>
+                              </m:sub>
+                            </m:sSub>
+                          </m:num>
+                          <m:den>
+                            <m:sSub>
+                              <m:sSubPr>
+                                <m:ctrlPr>
+                                  <a:rPr lang="fr-FR" sz="1200" i="1"/>
+                                </m:ctrlPr>
+                              </m:sSubPr>
+                              <m:e>
+                                <m:r>
+                                  <a:rPr lang="fr-FR" sz="1200" i="1"/>
+                                  <m:t>𝐾</m:t>
+                                </m:r>
+                              </m:e>
+                              <m:sub>
+                                <m:r>
+                                  <a:rPr lang="fr-FR" sz="1200" i="1"/>
+                                  <m:t>𝑐</m:t>
+                                </m:r>
+                              </m:sub>
+                            </m:sSub>
+                            <m:sSub>
+                              <m:sSubPr>
+                                <m:ctrlPr>
+                                  <a:rPr lang="fr-FR" sz="1200" i="1"/>
+                                </m:ctrlPr>
+                              </m:sSubPr>
+                              <m:e>
+                                <m:r>
+                                  <a:rPr lang="fr-FR" sz="1200" i="1"/>
+                                  <m:t>𝐾</m:t>
+                                </m:r>
+                              </m:e>
+                              <m:sub>
+                                <m:r>
+                                  <a:rPr lang="fr-FR" sz="1200" i="1"/>
+                                  <m:t>𝐸</m:t>
+                                </m:r>
+                              </m:sub>
+                            </m:sSub>
+                          </m:den>
+                        </m:f>
+                        <m:sSup>
+                          <m:sSupPr>
+                            <m:ctrlPr>
+                              <a:rPr lang="fr-FR" sz="1200" i="1"/>
+                            </m:ctrlPr>
+                          </m:sSupPr>
+                          <m:e>
+                            <m:r>
+                              <a:rPr lang="fr-FR" sz="1200" i="1"/>
+                              <m:t>𝑝</m:t>
+                            </m:r>
+                          </m:e>
+                          <m:sup>
+                            <m:r>
+                              <a:rPr lang="fr-FR" sz="1200" i="1"/>
+                              <m:t>2</m:t>
+                            </m:r>
+                          </m:sup>
+                        </m:sSup>
+                      </m:den>
+                    </m:f>
+                  </m:oMath>
+                </a14:m>
+                <a:endParaRPr lang="fr-FR" sz="1200" dirty="0"/>
+              </a:p>
+            </p:txBody>
+          </p:sp>
+        </mc:Choice>
+        <mc:Fallback>
+          <p:sp>
+            <p:nvSpPr>
+              <p:cNvPr id="3" name="Espace réservé du contenu 2"/>
+              <p:cNvSpPr>
+                <a:spLocks noGrp="1" noRot="1" noChangeAspect="1" noMove="1" noResize="1" noEditPoints="1" noAdjustHandles="1" noChangeArrowheads="1" noChangeShapeType="1" noTextEdit="1"/>
+              </p:cNvSpPr>
+              <p:nvPr>
+                <p:ph idx="1"/>
+              </p:nvPr>
+            </p:nvSpPr>
+            <p:spPr>
+              <a:xfrm>
+                <a:off x="0" y="1600200"/>
+                <a:ext cx="9144000" cy="4525963"/>
+              </a:xfrm>
+              <a:blipFill rotWithShape="1">
+                <a:blip r:embed="rId2"/>
+                <a:stretch>
+                  <a:fillRect/>
+                </a:stretch>
+              </a:blipFill>
+            </p:spPr>
+            <p:txBody>
+              <a:bodyPr/>
+              <a:lstStyle/>
+              <a:p>
+                <a:r>
+                  <a:rPr lang="fr-FR">
+                    <a:noFill/>
+                  </a:rPr>
+                  <a:t> </a:t>
+                </a:r>
+              </a:p>
+            </p:txBody>
+          </p:sp>
+        </mc:Fallback>
+      </mc:AlternateContent>
+      <p:pic>
+        <p:nvPicPr>
+          <p:cNvPr id="1026" name="Picture 2"/>
+          <p:cNvPicPr>
+            <a:picLocks noChangeAspect="1" noChangeArrowheads="1"/>
+          </p:cNvPicPr>
+          <p:nvPr/>
+        </p:nvPicPr>
+        <p:blipFill>
+          <a:blip r:embed="rId3">
+            <a:extLst>
+              <a:ext uri="{28A0092B-C50C-407E-A947-70E740481C1C}">
+                <a14:useLocalDpi xmlns:a14="http://schemas.microsoft.com/office/drawing/2010/main" val="0"/>
+              </a:ext>
+            </a:extLst>
+          </a:blip>
+          <a:srcRect/>
+          <a:stretch>
+            <a:fillRect/>
+          </a:stretch>
+        </p:blipFill>
+        <p:spPr bwMode="auto">
+          <a:xfrm>
+            <a:off x="4600972" y="476672"/>
+            <a:ext cx="4432300" cy="1030288"/>
+          </a:xfrm>
+          <a:prstGeom prst="rect">
+            <a:avLst/>
+          </a:prstGeom>
+          <a:noFill/>
+          <a:ln>
+            <a:noFill/>
+          </a:ln>
+          <a:effectLst/>
+          <a:extLst>
+            <a:ext uri="{909E8E84-426E-40DD-AFC4-6F175D3DCCD1}">
+              <a14:hiddenFill xmlns:a14="http://schemas.microsoft.com/office/drawing/2010/main">
+                <a:solidFill>
+                  <a:schemeClr val="accent1"/>
+                </a:solidFill>
+              </a14:hiddenFill>
+            </a:ext>
+            <a:ext uri="{91240B29-F687-4F45-9708-019B960494DF}">
+              <a14:hiddenLine xmlns:a14="http://schemas.microsoft.com/office/drawing/2010/main" w="9525">
+                <a:solidFill>
+                  <a:schemeClr val="tx1"/>
+                </a:solidFill>
+                <a:miter lim="800000"/>
+                <a:headEnd/>
+                <a:tailEnd/>
+              </a14:hiddenLine>
+            </a:ext>
+            <a:ext uri="{AF507438-7753-43E0-B8FC-AC1667EBCBE1}">
+              <a14:hiddenEffects xmlns:a14="http://schemas.microsoft.com/office/drawing/2010/main">
+                <a:effectLst>
+                  <a:outerShdw dist="35921" dir="2700000" algn="ctr" rotWithShape="0">
+                    <a:schemeClr val="bg2"/>
+                  </a:outerShdw>
+                </a:effectLst>
+              </a14:hiddenEffects>
+            </a:ext>
+          </a:extLst>
+        </p:spPr>
+      </p:pic>
+    </p:spTree>
+    <p:extLst>
+      <p:ext uri="{BB962C8B-B14F-4D97-AF65-F5344CB8AC3E}">
+        <p14:creationId xmlns:p14="http://schemas.microsoft.com/office/powerpoint/2010/main" val="4035256805"/>
+      </p:ext>
+    </p:extLst>
+  </p:cSld>
+  <p:clrMapOvr>
+    <a:masterClrMapping/>
+  </p:clrMapOvr>
+</p:sld>
+</file>
+
+<file path=ppt/slides/slide9.xml><?xml version="1.0" encoding="utf-8"?>
+<p:sld xmlns:a="http://schemas.openxmlformats.org/drawingml/2006/main" xmlns:r="http://schemas.openxmlformats.org/officeDocument/2006/relationships" xmlns:p="http://schemas.openxmlformats.org/presentationml/2006/main">
+  <p:cSld>
+    <p:spTree>
+      <p:nvGrpSpPr>
+        <p:cNvPr id="1" name=""/>
+        <p:cNvGrpSpPr/>
+        <p:nvPr/>
+      </p:nvGrpSpPr>
+      <p:grpSpPr>
+        <a:xfrm>
+          <a:off x="0" y="0"/>
+          <a:ext cx="0" cy="0"/>
+          <a:chOff x="0" y="0"/>
+          <a:chExt cx="0" cy="0"/>
+        </a:xfrm>
+      </p:grpSpPr>
+      <mc:AlternateContent xmlns:mc="http://schemas.openxmlformats.org/markup-compatibility/2006">
+        <mc:Choice xmlns:a14="http://schemas.microsoft.com/office/drawing/2010/main" Requires="a14">
+          <p:sp>
+            <p:nvSpPr>
+              <p:cNvPr id="3" name="Espace réservé du contenu 2"/>
+              <p:cNvSpPr>
+                <a:spLocks noGrp="1"/>
+              </p:cNvSpPr>
+              <p:nvPr>
+                <p:ph idx="1"/>
+              </p:nvPr>
+            </p:nvSpPr>
+            <p:spPr/>
+            <p:txBody>
+              <a:bodyPr>
+                <a:normAutofit/>
+              </a:bodyPr>
+              <a:lstStyle/>
+              <a:p>
+                <a:r>
+                  <a:rPr lang="fr-FR" sz="1800" dirty="0" smtClean="0"/>
+                  <a:t>Si </a:t>
+                </a:r>
+                <a14:m>
+                  <m:oMath xmlns:m="http://schemas.openxmlformats.org/officeDocument/2006/math">
+                    <m:sSub>
+                      <m:sSubPr>
+                        <m:ctrlPr>
+                          <a:rPr lang="fr-FR" sz="1800" b="0" i="1" smtClean="0">
+                            <a:latin typeface="Cambria Math"/>
+                          </a:rPr>
+                        </m:ctrlPr>
+                      </m:sSubPr>
+                      <m:e>
+                        <m:r>
+                          <a:rPr lang="fr-FR" sz="1800" b="0" i="1" smtClean="0">
+                            <a:latin typeface="Cambria Math"/>
+                          </a:rPr>
+                          <m:t>𝐶</m:t>
+                        </m:r>
+                      </m:e>
+                      <m:sub>
+                        <m:r>
+                          <a:rPr lang="fr-FR" sz="1800" b="0" i="1" smtClean="0">
+                            <a:latin typeface="Cambria Math"/>
+                          </a:rPr>
+                          <m:t>𝑟</m:t>
+                        </m:r>
+                      </m:sub>
+                    </m:sSub>
+                    <m:d>
+                      <m:dPr>
+                        <m:ctrlPr>
+                          <a:rPr lang="fr-FR" sz="1800" b="0" i="1" smtClean="0">
+                            <a:latin typeface="Cambria Math"/>
+                          </a:rPr>
+                        </m:ctrlPr>
+                      </m:dPr>
+                      <m:e>
+                        <m:r>
+                          <a:rPr lang="fr-FR" sz="1800" b="0" i="1" smtClean="0">
+                            <a:latin typeface="Cambria Math"/>
+                          </a:rPr>
+                          <m:t>𝑝</m:t>
+                        </m:r>
+                      </m:e>
+                    </m:d>
+                    <m:r>
+                      <a:rPr lang="fr-FR" sz="1800" b="0" i="1" smtClean="0">
+                        <a:latin typeface="Cambria Math"/>
+                      </a:rPr>
+                      <m:t>=0</m:t>
+                    </m:r>
+                  </m:oMath>
+                </a14:m>
+                <a:r>
+                  <a:rPr lang="fr-FR" sz="1800" b="0" dirty="0" smtClean="0"/>
+                  <a:t> :</a:t>
+                </a:r>
+                <a14:m>
+                  <m:oMath xmlns:m="http://schemas.openxmlformats.org/officeDocument/2006/math">
+                    <m:r>
+                      <a:rPr lang="fr-FR" sz="1800" b="0" i="0" smtClean="0">
+                        <a:latin typeface="Cambria Math"/>
+                      </a:rPr>
+                      <m:t> </m:t>
+                    </m:r>
+                    <m:f>
+                      <m:fPr>
+                        <m:ctrlPr>
+                          <a:rPr lang="fr-FR" sz="1800" b="0" i="1" smtClean="0">
+                            <a:latin typeface="Cambria Math"/>
+                          </a:rPr>
+                        </m:ctrlPr>
+                      </m:fPr>
+                      <m:num>
+                        <m:sSub>
+                          <m:sSubPr>
+                            <m:ctrlPr>
+                              <a:rPr lang="fr-FR" sz="1800" b="0" i="1" smtClean="0">
+                                <a:latin typeface="Cambria Math"/>
+                              </a:rPr>
+                            </m:ctrlPr>
+                          </m:sSubPr>
+                          <m:e>
+                            <m:r>
+                              <m:rPr>
+                                <m:sty m:val="p"/>
+                              </m:rPr>
+                              <a:rPr lang="fr-FR" sz="1800" b="0" i="0" smtClean="0">
+                                <a:latin typeface="Cambria Math"/>
+                              </a:rPr>
+                              <m:t>Ω</m:t>
+                            </m:r>
+                          </m:e>
+                          <m:sub>
+                            <m:r>
+                              <a:rPr lang="fr-FR" sz="1800" b="0" i="1" smtClean="0">
+                                <a:latin typeface="Cambria Math"/>
+                              </a:rPr>
+                              <m:t>𝑚</m:t>
+                            </m:r>
+                          </m:sub>
+                        </m:sSub>
+                        <m:d>
+                          <m:dPr>
+                            <m:ctrlPr>
+                              <a:rPr lang="fr-FR" sz="1800" b="0" i="1" smtClean="0">
+                                <a:latin typeface="Cambria Math"/>
+                              </a:rPr>
+                            </m:ctrlPr>
+                          </m:dPr>
+                          <m:e>
+                            <m:r>
+                              <a:rPr lang="fr-FR" sz="1800" b="0" i="1" smtClean="0">
+                                <a:latin typeface="Cambria Math"/>
+                              </a:rPr>
+                              <m:t>𝑝</m:t>
+                            </m:r>
+                          </m:e>
+                        </m:d>
+                      </m:num>
+                      <m:den>
+                        <m:r>
+                          <a:rPr lang="fr-FR" sz="1800" b="0" i="1" smtClean="0">
+                            <a:latin typeface="Cambria Math"/>
+                          </a:rPr>
+                          <m:t>𝑈</m:t>
+                        </m:r>
+                        <m:r>
+                          <a:rPr lang="fr-FR" sz="1800" b="0" i="1" smtClean="0">
+                            <a:latin typeface="Cambria Math"/>
+                          </a:rPr>
+                          <m:t>(</m:t>
+                        </m:r>
+                        <m:r>
+                          <a:rPr lang="fr-FR" sz="1800" b="0" i="1" smtClean="0">
+                            <a:latin typeface="Cambria Math"/>
+                          </a:rPr>
+                          <m:t>𝑝</m:t>
+                        </m:r>
+                        <m:r>
+                          <a:rPr lang="fr-FR" sz="1800" b="0" i="1" smtClean="0">
+                            <a:latin typeface="Cambria Math"/>
+                          </a:rPr>
+                          <m:t>)</m:t>
+                        </m:r>
+                      </m:den>
+                    </m:f>
+                    <m:r>
+                      <a:rPr lang="fr-FR" sz="1800" b="0" i="1" smtClean="0">
+                        <a:latin typeface="Cambria Math"/>
+                      </a:rPr>
+                      <m:t>=</m:t>
+                    </m:r>
+                    <m:f>
+                      <m:fPr>
+                        <m:ctrlPr>
+                          <a:rPr lang="fr-FR" sz="1800" b="0" i="1" smtClean="0">
+                            <a:latin typeface="Cambria Math"/>
+                          </a:rPr>
+                        </m:ctrlPr>
+                      </m:fPr>
+                      <m:num>
+                        <m:f>
+                          <m:fPr>
+                            <m:ctrlPr>
+                              <a:rPr lang="fr-FR" sz="1800" b="0" i="1" smtClean="0">
+                                <a:latin typeface="Cambria Math"/>
+                              </a:rPr>
+                            </m:ctrlPr>
+                          </m:fPr>
+                          <m:num>
+                            <m:sSub>
+                              <m:sSubPr>
+                                <m:ctrlPr>
+                                  <a:rPr lang="fr-FR" sz="1800" b="0" i="1" smtClean="0">
+                                    <a:latin typeface="Cambria Math"/>
+                                  </a:rPr>
+                                </m:ctrlPr>
+                              </m:sSubPr>
+                              <m:e>
+                                <m:r>
+                                  <a:rPr lang="fr-FR" sz="1800" b="0" i="1" smtClean="0">
+                                    <a:latin typeface="Cambria Math"/>
+                                  </a:rPr>
+                                  <m:t>𝐾</m:t>
+                                </m:r>
+                              </m:e>
+                              <m:sub>
+                                <m:r>
+                                  <a:rPr lang="fr-FR" sz="1800" b="0" i="1" smtClean="0">
+                                    <a:latin typeface="Cambria Math"/>
+                                  </a:rPr>
+                                  <m:t>𝑐</m:t>
+                                </m:r>
+                              </m:sub>
+                            </m:sSub>
+                          </m:num>
+                          <m:den>
+                            <m:d>
+                              <m:dPr>
+                                <m:ctrlPr>
+                                  <a:rPr lang="fr-FR" sz="1800" b="0" i="1" smtClean="0">
+                                    <a:latin typeface="Cambria Math"/>
+                                  </a:rPr>
+                                </m:ctrlPr>
+                              </m:dPr>
+                              <m:e>
+                                <m:r>
+                                  <a:rPr lang="fr-FR" sz="1800" i="1">
+                                    <a:latin typeface="Cambria Math"/>
+                                  </a:rPr>
+                                  <m:t>𝑅</m:t>
+                                </m:r>
+                                <m:r>
+                                  <a:rPr lang="fr-FR" sz="1800" i="1">
+                                    <a:latin typeface="Cambria Math"/>
+                                  </a:rPr>
+                                  <m:t>+</m:t>
+                                </m:r>
+                                <m:r>
+                                  <a:rPr lang="fr-FR" sz="1800" i="1">
+                                    <a:latin typeface="Cambria Math"/>
+                                  </a:rPr>
+                                  <m:t>𝐿𝑝</m:t>
+                                </m:r>
+                              </m:e>
+                            </m:d>
+                            <m:d>
+                              <m:dPr>
+                                <m:ctrlPr>
+                                  <a:rPr lang="fr-FR" sz="1800" i="1">
+                                    <a:latin typeface="Cambria Math"/>
+                                  </a:rPr>
+                                </m:ctrlPr>
+                              </m:dPr>
+                              <m:e>
+                                <m:r>
+                                  <a:rPr lang="fr-FR" sz="1800" b="0" i="1" smtClean="0">
+                                    <a:latin typeface="Cambria Math"/>
+                                  </a:rPr>
+                                  <m:t>𝑓</m:t>
+                                </m:r>
+                                <m:r>
+                                  <a:rPr lang="fr-FR" sz="1800" i="1">
+                                    <a:latin typeface="Cambria Math"/>
+                                  </a:rPr>
+                                  <m:t>+</m:t>
+                                </m:r>
+                                <m:sSub>
+                                  <m:sSubPr>
+                                    <m:ctrlPr>
+                                      <a:rPr lang="fr-FR" sz="1800" b="0" i="1" smtClean="0">
+                                        <a:latin typeface="Cambria Math"/>
+                                      </a:rPr>
+                                    </m:ctrlPr>
+                                  </m:sSubPr>
+                                  <m:e>
+                                    <m:r>
+                                      <a:rPr lang="fr-FR" sz="1800" b="0" i="1" smtClean="0">
+                                        <a:latin typeface="Cambria Math"/>
+                                      </a:rPr>
+                                      <m:t>𝐽</m:t>
+                                    </m:r>
+                                  </m:e>
+                                  <m:sub>
+                                    <m:r>
+                                      <a:rPr lang="fr-FR" sz="1800" b="0" i="1" smtClean="0">
+                                        <a:latin typeface="Cambria Math"/>
+                                      </a:rPr>
+                                      <m:t>𝑒𝑞</m:t>
+                                    </m:r>
+                                  </m:sub>
+                                </m:sSub>
+                                <m:r>
+                                  <a:rPr lang="fr-FR" sz="1800" i="1">
+                                    <a:latin typeface="Cambria Math"/>
+                                  </a:rPr>
+                                  <m:t>𝑝</m:t>
+                                </m:r>
+                              </m:e>
+                            </m:d>
+                          </m:den>
+                        </m:f>
+                      </m:num>
+                      <m:den>
+                        <m:r>
+                          <a:rPr lang="fr-FR" sz="1800" b="0" i="1" smtClean="0">
+                            <a:latin typeface="Cambria Math"/>
+                          </a:rPr>
+                          <m:t>1+</m:t>
+                        </m:r>
+                        <m:f>
+                          <m:fPr>
+                            <m:ctrlPr>
+                              <a:rPr lang="fr-FR" sz="1800" i="1">
+                                <a:latin typeface="Cambria Math"/>
+                              </a:rPr>
+                            </m:ctrlPr>
+                          </m:fPr>
+                          <m:num>
+                            <m:sSub>
+                              <m:sSubPr>
+                                <m:ctrlPr>
+                                  <a:rPr lang="fr-FR" sz="1800" i="1">
+                                    <a:latin typeface="Cambria Math"/>
+                                  </a:rPr>
+                                </m:ctrlPr>
+                              </m:sSubPr>
+                              <m:e>
+                                <m:r>
+                                  <a:rPr lang="fr-FR" sz="1800" i="1">
+                                    <a:latin typeface="Cambria Math"/>
+                                  </a:rPr>
+                                  <m:t>𝐾</m:t>
+                                </m:r>
+                              </m:e>
+                              <m:sub>
+                                <m:r>
+                                  <a:rPr lang="fr-FR" sz="1800" i="1">
+                                    <a:latin typeface="Cambria Math"/>
+                                  </a:rPr>
+                                  <m:t>𝑐</m:t>
+                                </m:r>
+                              </m:sub>
+                            </m:sSub>
+                            <m:sSub>
+                              <m:sSubPr>
+                                <m:ctrlPr>
+                                  <a:rPr lang="fr-FR" sz="1800" b="0" i="1" smtClean="0">
+                                    <a:latin typeface="Cambria Math"/>
+                                  </a:rPr>
+                                </m:ctrlPr>
+                              </m:sSubPr>
+                              <m:e>
+                                <m:r>
+                                  <a:rPr lang="fr-FR" sz="1800" b="0" i="1" smtClean="0">
+                                    <a:latin typeface="Cambria Math"/>
+                                  </a:rPr>
+                                  <m:t>𝐾</m:t>
+                                </m:r>
+                              </m:e>
+                              <m:sub>
+                                <m:r>
+                                  <a:rPr lang="fr-FR" sz="1800" b="0" i="1" smtClean="0">
+                                    <a:latin typeface="Cambria Math"/>
+                                  </a:rPr>
+                                  <m:t>𝐸</m:t>
+                                </m:r>
+                              </m:sub>
+                            </m:sSub>
+                          </m:num>
+                          <m:den>
+                            <m:d>
+                              <m:dPr>
+                                <m:ctrlPr>
+                                  <a:rPr lang="fr-FR" sz="1800" i="1">
+                                    <a:latin typeface="Cambria Math"/>
+                                  </a:rPr>
+                                </m:ctrlPr>
+                              </m:dPr>
+                              <m:e>
+                                <m:r>
+                                  <a:rPr lang="fr-FR" sz="1800" i="1">
+                                    <a:latin typeface="Cambria Math"/>
+                                  </a:rPr>
+                                  <m:t>𝑅</m:t>
+                                </m:r>
+                                <m:r>
+                                  <a:rPr lang="fr-FR" sz="1800" i="1">
+                                    <a:latin typeface="Cambria Math"/>
+                                  </a:rPr>
+                                  <m:t>+</m:t>
+                                </m:r>
+                                <m:r>
+                                  <a:rPr lang="fr-FR" sz="1800" i="1">
+                                    <a:latin typeface="Cambria Math"/>
+                                  </a:rPr>
+                                  <m:t>𝐿𝑝</m:t>
+                                </m:r>
+                              </m:e>
+                            </m:d>
+                            <m:d>
+                              <m:dPr>
+                                <m:ctrlPr>
+                                  <a:rPr lang="fr-FR" sz="1800" i="1">
+                                    <a:latin typeface="Cambria Math"/>
+                                  </a:rPr>
+                                </m:ctrlPr>
+                              </m:dPr>
+                              <m:e>
+                                <m:r>
+                                  <a:rPr lang="fr-FR" sz="1800" i="1">
+                                    <a:latin typeface="Cambria Math"/>
+                                  </a:rPr>
+                                  <m:t>𝑓</m:t>
+                                </m:r>
+                                <m:r>
+                                  <a:rPr lang="fr-FR" sz="1800" i="1">
+                                    <a:latin typeface="Cambria Math"/>
+                                  </a:rPr>
+                                  <m:t>+</m:t>
+                                </m:r>
+                                <m:sSub>
+                                  <m:sSubPr>
+                                    <m:ctrlPr>
+                                      <a:rPr lang="fr-FR" sz="1800" i="1">
+                                        <a:latin typeface="Cambria Math"/>
+                                      </a:rPr>
+                                    </m:ctrlPr>
+                                  </m:sSubPr>
+                                  <m:e>
+                                    <m:r>
+                                      <a:rPr lang="fr-FR" sz="1800" i="1">
+                                        <a:latin typeface="Cambria Math"/>
+                                      </a:rPr>
+                                      <m:t>𝐽</m:t>
+                                    </m:r>
+                                  </m:e>
+                                  <m:sub>
+                                    <m:r>
+                                      <a:rPr lang="fr-FR" sz="1800" i="1">
+                                        <a:latin typeface="Cambria Math"/>
+                                      </a:rPr>
+                                      <m:t>𝑒𝑞</m:t>
+                                    </m:r>
+                                  </m:sub>
+                                </m:sSub>
+                                <m:r>
+                                  <a:rPr lang="fr-FR" sz="1800" i="1">
+                                    <a:latin typeface="Cambria Math"/>
+                                  </a:rPr>
+                                  <m:t>𝑝</m:t>
+                                </m:r>
+                              </m:e>
+                            </m:d>
+                          </m:den>
+                        </m:f>
+                      </m:den>
+                    </m:f>
+                    <m:r>
+                      <a:rPr lang="fr-FR" sz="1800" b="0" i="1" smtClean="0">
+                        <a:latin typeface="Cambria Math"/>
+                      </a:rPr>
+                      <m:t>=</m:t>
+                    </m:r>
+                    <m:f>
+                      <m:fPr>
+                        <m:ctrlPr>
+                          <a:rPr lang="fr-FR" sz="1800" i="1">
+                            <a:latin typeface="Cambria Math"/>
+                          </a:rPr>
+                        </m:ctrlPr>
+                      </m:fPr>
+                      <m:num>
+                        <m:sSub>
+                          <m:sSubPr>
+                            <m:ctrlPr>
+                              <a:rPr lang="fr-FR" sz="1800" b="0" i="1" smtClean="0">
+                                <a:latin typeface="Cambria Math"/>
+                              </a:rPr>
+                            </m:ctrlPr>
+                          </m:sSubPr>
+                          <m:e>
+                            <m:r>
+                              <a:rPr lang="fr-FR" sz="1800" b="0" i="1" smtClean="0">
+                                <a:latin typeface="Cambria Math"/>
+                              </a:rPr>
+                              <m:t>𝐾</m:t>
+                            </m:r>
+                          </m:e>
+                          <m:sub>
+                            <m:r>
+                              <a:rPr lang="fr-FR" sz="1800" b="0" i="1" smtClean="0">
+                                <a:latin typeface="Cambria Math"/>
+                              </a:rPr>
+                              <m:t>𝑐</m:t>
+                            </m:r>
+                          </m:sub>
+                        </m:sSub>
+                      </m:num>
+                      <m:den>
+                        <m:d>
+                          <m:dPr>
+                            <m:ctrlPr>
+                              <a:rPr lang="fr-FR" sz="1800" i="1">
+                                <a:latin typeface="Cambria Math"/>
+                              </a:rPr>
+                            </m:ctrlPr>
+                          </m:dPr>
+                          <m:e>
+                            <m:r>
+                              <a:rPr lang="fr-FR" sz="1800" i="1">
+                                <a:latin typeface="Cambria Math"/>
+                              </a:rPr>
+                              <m:t>𝑅</m:t>
+                            </m:r>
+                            <m:r>
+                              <a:rPr lang="fr-FR" sz="1800" i="1">
+                                <a:latin typeface="Cambria Math"/>
+                              </a:rPr>
+                              <m:t>+</m:t>
+                            </m:r>
+                            <m:r>
+                              <a:rPr lang="fr-FR" sz="1800" i="1">
+                                <a:latin typeface="Cambria Math"/>
+                              </a:rPr>
+                              <m:t>𝐿𝑝</m:t>
+                            </m:r>
+                          </m:e>
+                        </m:d>
+                        <m:d>
+                          <m:dPr>
+                            <m:ctrlPr>
+                              <a:rPr lang="fr-FR" sz="1800" i="1">
+                                <a:latin typeface="Cambria Math"/>
+                              </a:rPr>
+                            </m:ctrlPr>
+                          </m:dPr>
+                          <m:e>
+                            <m:r>
+                              <a:rPr lang="fr-FR" sz="1800" i="1">
+                                <a:latin typeface="Cambria Math"/>
+                              </a:rPr>
+                              <m:t>𝑓</m:t>
+                            </m:r>
+                            <m:r>
+                              <a:rPr lang="fr-FR" sz="1800" i="1">
+                                <a:latin typeface="Cambria Math"/>
+                              </a:rPr>
+                              <m:t>+</m:t>
+                            </m:r>
+                            <m:sSub>
+                              <m:sSubPr>
+                                <m:ctrlPr>
+                                  <a:rPr lang="fr-FR" sz="1800" i="1">
+                                    <a:latin typeface="Cambria Math"/>
+                                  </a:rPr>
+                                </m:ctrlPr>
+                              </m:sSubPr>
+                              <m:e>
+                                <m:r>
+                                  <a:rPr lang="fr-FR" sz="1800" i="1">
+                                    <a:latin typeface="Cambria Math"/>
+                                  </a:rPr>
+                                  <m:t>𝐽</m:t>
+                                </m:r>
+                              </m:e>
+                              <m:sub>
+                                <m:r>
+                                  <a:rPr lang="fr-FR" sz="1800" i="1">
+                                    <a:latin typeface="Cambria Math"/>
+                                  </a:rPr>
+                                  <m:t>𝑒𝑞</m:t>
+                                </m:r>
+                              </m:sub>
+                            </m:sSub>
+                            <m:r>
+                              <a:rPr lang="fr-FR" sz="1800" i="1">
+                                <a:latin typeface="Cambria Math"/>
+                              </a:rPr>
+                              <m:t>𝑝</m:t>
+                            </m:r>
+                          </m:e>
+                        </m:d>
+                        <m:r>
+                          <a:rPr lang="fr-FR" sz="1800" i="1">
+                            <a:latin typeface="Cambria Math"/>
+                          </a:rPr>
+                          <m:t>+</m:t>
+                        </m:r>
+                        <m:sSub>
+                          <m:sSubPr>
+                            <m:ctrlPr>
+                              <a:rPr lang="fr-FR" sz="1800" i="1">
+                                <a:latin typeface="Cambria Math"/>
+                              </a:rPr>
+                            </m:ctrlPr>
+                          </m:sSubPr>
+                          <m:e>
+                            <m:r>
+                              <a:rPr lang="fr-FR" sz="1800" i="1">
+                                <a:latin typeface="Cambria Math"/>
+                              </a:rPr>
+                              <m:t>𝐾</m:t>
+                            </m:r>
+                          </m:e>
+                          <m:sub>
+                            <m:r>
+                              <a:rPr lang="fr-FR" sz="1800" i="1">
+                                <a:latin typeface="Cambria Math"/>
+                              </a:rPr>
+                              <m:t>𝑐</m:t>
+                            </m:r>
+                          </m:sub>
+                        </m:sSub>
+                        <m:sSub>
+                          <m:sSubPr>
+                            <m:ctrlPr>
+                              <a:rPr lang="fr-FR" sz="1800" i="1">
+                                <a:latin typeface="Cambria Math"/>
+                              </a:rPr>
+                            </m:ctrlPr>
+                          </m:sSubPr>
+                          <m:e>
+                            <m:r>
+                              <a:rPr lang="fr-FR" sz="1800" i="1">
+                                <a:latin typeface="Cambria Math"/>
+                              </a:rPr>
+                              <m:t>𝐾</m:t>
+                            </m:r>
+                          </m:e>
+                          <m:sub>
+                            <m:r>
+                              <a:rPr lang="fr-FR" sz="1800" i="1">
+                                <a:latin typeface="Cambria Math"/>
+                              </a:rPr>
+                              <m:t>𝐸</m:t>
+                            </m:r>
+                          </m:sub>
+                        </m:sSub>
+                      </m:den>
+                    </m:f>
+                  </m:oMath>
+                </a14:m>
+                <a:endParaRPr lang="fr-FR" sz="1800" dirty="0" smtClean="0"/>
+              </a:p>
+              <a:p>
+                <a:r>
+                  <a:rPr lang="fr-FR" sz="1800" dirty="0"/>
+                  <a:t>Si </a:t>
+                </a:r>
+                <a14:m>
+                  <m:oMath xmlns:m="http://schemas.openxmlformats.org/officeDocument/2006/math">
+                    <m:r>
+                      <a:rPr lang="fr-FR" sz="1800" b="0" i="1" smtClean="0">
+                        <a:latin typeface="Cambria Math"/>
+                      </a:rPr>
+                      <m:t>𝑈</m:t>
+                    </m:r>
+                    <m:d>
+                      <m:dPr>
+                        <m:ctrlPr>
+                          <a:rPr lang="fr-FR" sz="1800" i="1">
+                            <a:latin typeface="Cambria Math"/>
+                          </a:rPr>
+                        </m:ctrlPr>
+                      </m:dPr>
+                      <m:e>
+                        <m:r>
+                          <a:rPr lang="fr-FR" sz="1800" i="1">
+                            <a:latin typeface="Cambria Math"/>
+                          </a:rPr>
+                          <m:t>𝑝</m:t>
+                        </m:r>
+                      </m:e>
+                    </m:d>
+                    <m:r>
+                      <a:rPr lang="fr-FR" sz="1800" i="1">
+                        <a:latin typeface="Cambria Math"/>
+                      </a:rPr>
+                      <m:t>=0</m:t>
+                    </m:r>
+                  </m:oMath>
+                </a14:m>
+                <a:r>
+                  <a:rPr lang="fr-FR" sz="1800" dirty="0"/>
+                  <a:t> :</a:t>
+                </a:r>
+                <a14:m>
+                  <m:oMath xmlns:m="http://schemas.openxmlformats.org/officeDocument/2006/math">
+                    <m:r>
+                      <a:rPr lang="fr-FR" sz="1800">
+                        <a:latin typeface="Cambria Math"/>
+                      </a:rPr>
+                      <m:t> </m:t>
+                    </m:r>
+                    <m:f>
+                      <m:fPr>
+                        <m:ctrlPr>
+                          <a:rPr lang="fr-FR" sz="1800" i="1">
+                            <a:latin typeface="Cambria Math"/>
+                          </a:rPr>
+                        </m:ctrlPr>
+                      </m:fPr>
+                      <m:num>
+                        <m:sSub>
+                          <m:sSubPr>
+                            <m:ctrlPr>
+                              <a:rPr lang="fr-FR" sz="1800" i="1">
+                                <a:latin typeface="Cambria Math"/>
+                              </a:rPr>
+                            </m:ctrlPr>
+                          </m:sSubPr>
+                          <m:e>
+                            <m:r>
+                              <m:rPr>
+                                <m:sty m:val="p"/>
+                              </m:rPr>
+                              <a:rPr lang="fr-FR" sz="1800">
+                                <a:latin typeface="Cambria Math"/>
+                              </a:rPr>
+                              <m:t>Ω</m:t>
+                            </m:r>
+                          </m:e>
+                          <m:sub>
+                            <m:r>
+                              <a:rPr lang="fr-FR" sz="1800" i="1">
+                                <a:latin typeface="Cambria Math"/>
+                              </a:rPr>
+                              <m:t>𝑚</m:t>
+                            </m:r>
+                          </m:sub>
+                        </m:sSub>
+                        <m:d>
+                          <m:dPr>
+                            <m:ctrlPr>
+                              <a:rPr lang="fr-FR" sz="1800" i="1">
+                                <a:latin typeface="Cambria Math"/>
+                              </a:rPr>
+                            </m:ctrlPr>
+                          </m:dPr>
+                          <m:e>
+                            <m:r>
+                              <a:rPr lang="fr-FR" sz="1800" i="1">
+                                <a:latin typeface="Cambria Math"/>
+                              </a:rPr>
+                              <m:t>𝑝</m:t>
+                            </m:r>
+                          </m:e>
+                        </m:d>
+                      </m:num>
+                      <m:den>
+                        <m:sSub>
+                          <m:sSubPr>
+                            <m:ctrlPr>
+                              <a:rPr lang="fr-FR" sz="1800" b="0" i="1" smtClean="0">
+                                <a:latin typeface="Cambria Math"/>
+                              </a:rPr>
+                            </m:ctrlPr>
+                          </m:sSubPr>
+                          <m:e>
+                            <m:r>
+                              <a:rPr lang="fr-FR" sz="1800" b="0" i="1" smtClean="0">
+                                <a:latin typeface="Cambria Math"/>
+                              </a:rPr>
+                              <m:t>𝐶</m:t>
+                            </m:r>
+                          </m:e>
+                          <m:sub>
+                            <m:r>
+                              <a:rPr lang="fr-FR" sz="1800" b="0" i="1" smtClean="0">
+                                <a:latin typeface="Cambria Math"/>
+                              </a:rPr>
+                              <m:t>𝑟</m:t>
+                            </m:r>
+                          </m:sub>
+                        </m:sSub>
+                        <m:r>
+                          <a:rPr lang="fr-FR" sz="1800" i="1">
+                            <a:latin typeface="Cambria Math"/>
+                          </a:rPr>
+                          <m:t>(</m:t>
+                        </m:r>
+                        <m:r>
+                          <a:rPr lang="fr-FR" sz="1800" i="1">
+                            <a:latin typeface="Cambria Math"/>
+                          </a:rPr>
+                          <m:t>𝑝</m:t>
+                        </m:r>
+                        <m:r>
+                          <a:rPr lang="fr-FR" sz="1800" i="1">
+                            <a:latin typeface="Cambria Math"/>
+                          </a:rPr>
+                          <m:t>)</m:t>
+                        </m:r>
+                      </m:den>
+                    </m:f>
+                    <m:r>
+                      <a:rPr lang="fr-FR" sz="1800" i="1">
+                        <a:latin typeface="Cambria Math"/>
+                      </a:rPr>
+                      <m:t>=</m:t>
+                    </m:r>
+                    <m:f>
+                      <m:fPr>
+                        <m:ctrlPr>
+                          <a:rPr lang="fr-FR" sz="1800" i="1">
+                            <a:latin typeface="Cambria Math"/>
+                          </a:rPr>
+                        </m:ctrlPr>
+                      </m:fPr>
+                      <m:num>
+                        <m:f>
+                          <m:fPr>
+                            <m:ctrlPr>
+                              <a:rPr lang="fr-FR" sz="1800" i="1">
+                                <a:latin typeface="Cambria Math"/>
+                              </a:rPr>
+                            </m:ctrlPr>
+                          </m:fPr>
+                          <m:num>
+                            <m:r>
+                              <a:rPr lang="fr-FR" sz="1800" b="0" i="1" smtClean="0">
+                                <a:latin typeface="Cambria Math"/>
+                              </a:rPr>
+                              <m:t>1</m:t>
+                            </m:r>
+                          </m:num>
+                          <m:den>
+                            <m:r>
+                              <a:rPr lang="fr-FR" sz="1800" i="1">
+                                <a:latin typeface="Cambria Math"/>
+                              </a:rPr>
+                              <m:t>𝑓</m:t>
+                            </m:r>
+                            <m:r>
+                              <a:rPr lang="fr-FR" sz="1800" i="1">
+                                <a:latin typeface="Cambria Math"/>
+                              </a:rPr>
+                              <m:t>+</m:t>
+                            </m:r>
+                            <m:sSub>
+                              <m:sSubPr>
+                                <m:ctrlPr>
+                                  <a:rPr lang="fr-FR" sz="1800" i="1">
+                                    <a:latin typeface="Cambria Math"/>
+                                  </a:rPr>
+                                </m:ctrlPr>
+                              </m:sSubPr>
+                              <m:e>
+                                <m:r>
+                                  <a:rPr lang="fr-FR" sz="1800" i="1">
+                                    <a:latin typeface="Cambria Math"/>
+                                  </a:rPr>
+                                  <m:t>𝐽</m:t>
+                                </m:r>
+                              </m:e>
+                              <m:sub>
+                                <m:r>
+                                  <a:rPr lang="fr-FR" sz="1800" i="1">
+                                    <a:latin typeface="Cambria Math"/>
+                                  </a:rPr>
+                                  <m:t>𝑒𝑞</m:t>
+                                </m:r>
+                              </m:sub>
+                            </m:sSub>
+                            <m:r>
+                              <a:rPr lang="fr-FR" sz="1800" i="1">
+                                <a:latin typeface="Cambria Math"/>
+                              </a:rPr>
+                              <m:t>𝑝</m:t>
+                            </m:r>
+                          </m:den>
+                        </m:f>
+                      </m:num>
+                      <m:den>
+                        <m:r>
+                          <a:rPr lang="fr-FR" sz="1800" i="1">
+                            <a:latin typeface="Cambria Math"/>
+                          </a:rPr>
+                          <m:t>1+</m:t>
+                        </m:r>
+                        <m:f>
+                          <m:fPr>
+                            <m:ctrlPr>
+                              <a:rPr lang="fr-FR" sz="1800" i="1">
+                                <a:latin typeface="Cambria Math"/>
+                              </a:rPr>
+                            </m:ctrlPr>
+                          </m:fPr>
+                          <m:num>
+                            <m:sSub>
+                              <m:sSubPr>
+                                <m:ctrlPr>
+                                  <a:rPr lang="fr-FR" sz="1800" i="1">
+                                    <a:latin typeface="Cambria Math"/>
+                                  </a:rPr>
+                                </m:ctrlPr>
+                              </m:sSubPr>
+                              <m:e>
+                                <m:r>
+                                  <a:rPr lang="fr-FR" sz="1800" i="1">
+                                    <a:latin typeface="Cambria Math"/>
+                                  </a:rPr>
+                                  <m:t>𝐾</m:t>
+                                </m:r>
+                              </m:e>
+                              <m:sub>
+                                <m:r>
+                                  <a:rPr lang="fr-FR" sz="1800" i="1">
+                                    <a:latin typeface="Cambria Math"/>
+                                  </a:rPr>
+                                  <m:t>𝑐</m:t>
+                                </m:r>
+                              </m:sub>
+                            </m:sSub>
+                            <m:sSub>
+                              <m:sSubPr>
+                                <m:ctrlPr>
+                                  <a:rPr lang="fr-FR" sz="1800" i="1">
+                                    <a:latin typeface="Cambria Math"/>
+                                  </a:rPr>
+                                </m:ctrlPr>
+                              </m:sSubPr>
+                              <m:e>
+                                <m:r>
+                                  <a:rPr lang="fr-FR" sz="1800" i="1">
+                                    <a:latin typeface="Cambria Math"/>
+                                  </a:rPr>
+                                  <m:t>𝐾</m:t>
+                                </m:r>
+                              </m:e>
+                              <m:sub>
+                                <m:r>
+                                  <a:rPr lang="fr-FR" sz="1800" i="1">
+                                    <a:latin typeface="Cambria Math"/>
+                                  </a:rPr>
+                                  <m:t>𝐸</m:t>
+                                </m:r>
+                              </m:sub>
+                            </m:sSub>
+                          </m:num>
+                          <m:den>
+                            <m:d>
+                              <m:dPr>
+                                <m:ctrlPr>
+                                  <a:rPr lang="fr-FR" sz="1800" i="1">
+                                    <a:latin typeface="Cambria Math"/>
+                                  </a:rPr>
+                                </m:ctrlPr>
+                              </m:dPr>
+                              <m:e>
+                                <m:r>
+                                  <a:rPr lang="fr-FR" sz="1800" i="1">
+                                    <a:latin typeface="Cambria Math"/>
+                                  </a:rPr>
+                                  <m:t>𝑅</m:t>
+                                </m:r>
+                                <m:r>
+                                  <a:rPr lang="fr-FR" sz="1800" i="1">
+                                    <a:latin typeface="Cambria Math"/>
+                                  </a:rPr>
+                                  <m:t>+</m:t>
+                                </m:r>
+                                <m:r>
+                                  <a:rPr lang="fr-FR" sz="1800" i="1">
+                                    <a:latin typeface="Cambria Math"/>
+                                  </a:rPr>
+                                  <m:t>𝐿𝑝</m:t>
+                                </m:r>
+                              </m:e>
+                            </m:d>
+                            <m:d>
+                              <m:dPr>
+                                <m:ctrlPr>
+                                  <a:rPr lang="fr-FR" sz="1800" i="1">
+                                    <a:latin typeface="Cambria Math"/>
+                                  </a:rPr>
+                                </m:ctrlPr>
+                              </m:dPr>
+                              <m:e>
+                                <m:r>
+                                  <a:rPr lang="fr-FR" sz="1800" i="1">
+                                    <a:latin typeface="Cambria Math"/>
+                                  </a:rPr>
+                                  <m:t>𝑓</m:t>
+                                </m:r>
+                                <m:r>
+                                  <a:rPr lang="fr-FR" sz="1800" i="1">
+                                    <a:latin typeface="Cambria Math"/>
+                                  </a:rPr>
+                                  <m:t>+</m:t>
+                                </m:r>
+                                <m:sSub>
+                                  <m:sSubPr>
+                                    <m:ctrlPr>
+                                      <a:rPr lang="fr-FR" sz="1800" i="1">
+                                        <a:latin typeface="Cambria Math"/>
+                                      </a:rPr>
+                                    </m:ctrlPr>
+                                  </m:sSubPr>
+                                  <m:e>
+                                    <m:r>
+                                      <a:rPr lang="fr-FR" sz="1800" i="1">
+                                        <a:latin typeface="Cambria Math"/>
+                                      </a:rPr>
+                                      <m:t>𝐽</m:t>
+                                    </m:r>
+                                  </m:e>
+                                  <m:sub>
+                                    <m:r>
+                                      <a:rPr lang="fr-FR" sz="1800" i="1">
+                                        <a:latin typeface="Cambria Math"/>
+                                      </a:rPr>
+                                      <m:t>𝑒𝑞</m:t>
+                                    </m:r>
+                                  </m:sub>
+                                </m:sSub>
+                                <m:r>
+                                  <a:rPr lang="fr-FR" sz="1800" i="1">
+                                    <a:latin typeface="Cambria Math"/>
+                                  </a:rPr>
+                                  <m:t>𝑝</m:t>
+                                </m:r>
+                              </m:e>
+                            </m:d>
+                          </m:den>
+                        </m:f>
+                      </m:den>
+                    </m:f>
+                    <m:r>
+                      <a:rPr lang="fr-FR" sz="1800" i="1">
+                        <a:latin typeface="Cambria Math"/>
+                      </a:rPr>
+                      <m:t>=</m:t>
+                    </m:r>
+                    <m:f>
+                      <m:fPr>
+                        <m:ctrlPr>
+                          <a:rPr lang="fr-FR" sz="1800" i="1">
+                            <a:latin typeface="Cambria Math"/>
+                          </a:rPr>
+                        </m:ctrlPr>
+                      </m:fPr>
+                      <m:num>
+                        <m:d>
+                          <m:dPr>
+                            <m:ctrlPr>
+                              <a:rPr lang="fr-FR" sz="1800" i="1">
+                                <a:latin typeface="Cambria Math"/>
+                              </a:rPr>
+                            </m:ctrlPr>
+                          </m:dPr>
+                          <m:e>
+                            <m:r>
+                              <a:rPr lang="fr-FR" sz="1800" i="1">
+                                <a:latin typeface="Cambria Math"/>
+                              </a:rPr>
+                              <m:t>𝑅</m:t>
+                            </m:r>
+                            <m:r>
+                              <a:rPr lang="fr-FR" sz="1800" i="1">
+                                <a:latin typeface="Cambria Math"/>
+                              </a:rPr>
+                              <m:t>+</m:t>
+                            </m:r>
+                            <m:r>
+                              <a:rPr lang="fr-FR" sz="1800" i="1">
+                                <a:latin typeface="Cambria Math"/>
+                              </a:rPr>
+                              <m:t>𝐿𝑝</m:t>
+                            </m:r>
+                          </m:e>
+                        </m:d>
+                      </m:num>
+                      <m:den>
+                        <m:d>
+                          <m:dPr>
+                            <m:ctrlPr>
+                              <a:rPr lang="fr-FR" sz="1800" i="1">
+                                <a:latin typeface="Cambria Math"/>
+                              </a:rPr>
+                            </m:ctrlPr>
+                          </m:dPr>
+                          <m:e>
+                            <m:r>
+                              <a:rPr lang="fr-FR" sz="1800" i="1">
+                                <a:latin typeface="Cambria Math"/>
+                              </a:rPr>
+                              <m:t>𝑓</m:t>
+                            </m:r>
+                            <m:r>
+                              <a:rPr lang="fr-FR" sz="1800" i="1">
+                                <a:latin typeface="Cambria Math"/>
+                              </a:rPr>
+                              <m:t>+</m:t>
+                            </m:r>
+                            <m:sSub>
+                              <m:sSubPr>
+                                <m:ctrlPr>
+                                  <a:rPr lang="fr-FR" sz="1800" i="1">
+                                    <a:latin typeface="Cambria Math"/>
+                                  </a:rPr>
+                                </m:ctrlPr>
+                              </m:sSubPr>
+                              <m:e>
+                                <m:r>
+                                  <a:rPr lang="fr-FR" sz="1800" i="1">
+                                    <a:latin typeface="Cambria Math"/>
+                                  </a:rPr>
+                                  <m:t>𝐽</m:t>
+                                </m:r>
+                              </m:e>
+                              <m:sub>
+                                <m:r>
+                                  <a:rPr lang="fr-FR" sz="1800" i="1">
+                                    <a:latin typeface="Cambria Math"/>
+                                  </a:rPr>
+                                  <m:t>𝑒𝑞</m:t>
+                                </m:r>
+                              </m:sub>
+                            </m:sSub>
+                            <m:r>
+                              <a:rPr lang="fr-FR" sz="1800" i="1">
+                                <a:latin typeface="Cambria Math"/>
+                              </a:rPr>
+                              <m:t>𝑝</m:t>
+                            </m:r>
+                          </m:e>
+                        </m:d>
+                        <m:d>
+                          <m:dPr>
+                            <m:ctrlPr>
+                              <a:rPr lang="fr-FR" sz="1800" i="1">
+                                <a:latin typeface="Cambria Math"/>
+                              </a:rPr>
+                            </m:ctrlPr>
+                          </m:dPr>
+                          <m:e>
+                            <m:r>
+                              <a:rPr lang="fr-FR" sz="1800" i="1">
+                                <a:latin typeface="Cambria Math"/>
+                              </a:rPr>
+                              <m:t>𝑅</m:t>
+                            </m:r>
+                            <m:r>
+                              <a:rPr lang="fr-FR" sz="1800" i="1">
+                                <a:latin typeface="Cambria Math"/>
+                              </a:rPr>
+                              <m:t>+</m:t>
+                            </m:r>
+                            <m:r>
+                              <a:rPr lang="fr-FR" sz="1800" i="1">
+                                <a:latin typeface="Cambria Math"/>
+                              </a:rPr>
+                              <m:t>𝐿𝑝</m:t>
+                            </m:r>
+                          </m:e>
+                        </m:d>
+                        <m:r>
+                          <a:rPr lang="fr-FR" sz="1800" i="1">
+                            <a:latin typeface="Cambria Math"/>
+                          </a:rPr>
+                          <m:t>+</m:t>
+                        </m:r>
+                        <m:sSub>
+                          <m:sSubPr>
+                            <m:ctrlPr>
+                              <a:rPr lang="fr-FR" sz="1800" b="0" i="1" smtClean="0">
+                                <a:latin typeface="Cambria Math"/>
+                              </a:rPr>
+                            </m:ctrlPr>
+                          </m:sSubPr>
+                          <m:e>
+                            <m:r>
+                              <a:rPr lang="fr-FR" sz="1800" b="0" i="1" smtClean="0">
+                                <a:latin typeface="Cambria Math"/>
+                              </a:rPr>
+                              <m:t>𝐾</m:t>
+                            </m:r>
+                          </m:e>
+                          <m:sub>
+                            <m:r>
+                              <a:rPr lang="fr-FR" sz="1800" b="0" i="1" smtClean="0">
+                                <a:latin typeface="Cambria Math"/>
+                              </a:rPr>
+                              <m:t>𝑐</m:t>
+                            </m:r>
+                          </m:sub>
+                        </m:sSub>
+                        <m:sSub>
+                          <m:sSubPr>
+                            <m:ctrlPr>
+                              <a:rPr lang="fr-FR" sz="1800" b="0" i="1" smtClean="0">
+                                <a:latin typeface="Cambria Math"/>
+                              </a:rPr>
+                            </m:ctrlPr>
+                          </m:sSubPr>
+                          <m:e>
+                            <m:r>
+                              <a:rPr lang="fr-FR" sz="1800" b="0" i="1" smtClean="0">
+                                <a:latin typeface="Cambria Math"/>
+                              </a:rPr>
+                              <m:t>𝐾</m:t>
+                            </m:r>
+                          </m:e>
+                          <m:sub>
+                            <m:r>
+                              <a:rPr lang="fr-FR" sz="1800" b="0" i="1" smtClean="0">
+                                <a:latin typeface="Cambria Math"/>
+                              </a:rPr>
+                              <m:t>𝐸</m:t>
+                            </m:r>
+                          </m:sub>
+                        </m:sSub>
+                      </m:den>
+                    </m:f>
+                  </m:oMath>
+                </a14:m>
+                <a:endParaRPr lang="fr-FR" sz="1800" dirty="0" smtClean="0"/>
+              </a:p>
+              <a:p>
+                <a:r>
+                  <a:rPr lang="fr-FR" sz="1800" dirty="0" smtClean="0"/>
+                  <a:t>On a donc </a:t>
+                </a:r>
+                <a14:m>
+                  <m:oMath xmlns:m="http://schemas.openxmlformats.org/officeDocument/2006/math">
+                    <m:sSub>
+                      <m:sSubPr>
+                        <m:ctrlPr>
+                          <a:rPr lang="fr-FR" sz="1800" i="1">
+                            <a:latin typeface="Cambria Math"/>
+                          </a:rPr>
+                        </m:ctrlPr>
+                      </m:sSubPr>
+                      <m:e>
+                        <m:r>
+                          <m:rPr>
+                            <m:sty m:val="p"/>
+                          </m:rPr>
+                          <a:rPr lang="fr-FR" sz="1800">
+                            <a:latin typeface="Cambria Math"/>
+                          </a:rPr>
+                          <m:t>Ω</m:t>
+                        </m:r>
+                      </m:e>
+                      <m:sub>
+                        <m:r>
+                          <a:rPr lang="fr-FR" sz="1800" i="1">
+                            <a:latin typeface="Cambria Math"/>
+                          </a:rPr>
+                          <m:t>𝑚</m:t>
+                        </m:r>
+                      </m:sub>
+                    </m:sSub>
+                    <m:d>
+                      <m:dPr>
+                        <m:ctrlPr>
+                          <a:rPr lang="fr-FR" sz="1800" i="1">
+                            <a:latin typeface="Cambria Math"/>
+                          </a:rPr>
+                        </m:ctrlPr>
+                      </m:dPr>
+                      <m:e>
+                        <m:r>
+                          <a:rPr lang="fr-FR" sz="1800" i="1">
+                            <a:latin typeface="Cambria Math"/>
+                          </a:rPr>
+                          <m:t>𝑝</m:t>
+                        </m:r>
+                      </m:e>
+                    </m:d>
+                    <m:r>
+                      <a:rPr lang="fr-FR" sz="1800" b="0" i="1" smtClean="0">
+                        <a:latin typeface="Cambria Math"/>
+                      </a:rPr>
+                      <m:t>=</m:t>
+                    </m:r>
+                    <m:f>
+                      <m:fPr>
+                        <m:ctrlPr>
+                          <a:rPr lang="fr-FR" sz="1800" i="1">
+                            <a:latin typeface="Cambria Math"/>
+                          </a:rPr>
+                        </m:ctrlPr>
+                      </m:fPr>
+                      <m:num>
+                        <m:sSub>
+                          <m:sSubPr>
+                            <m:ctrlPr>
+                              <a:rPr lang="fr-FR" sz="1800" i="1">
+                                <a:latin typeface="Cambria Math"/>
+                              </a:rPr>
+                            </m:ctrlPr>
+                          </m:sSubPr>
+                          <m:e>
+                            <m:r>
+                              <a:rPr lang="fr-FR" sz="1800" i="1">
+                                <a:latin typeface="Cambria Math"/>
+                              </a:rPr>
+                              <m:t>𝐾</m:t>
+                            </m:r>
+                          </m:e>
+                          <m:sub>
+                            <m:r>
+                              <a:rPr lang="fr-FR" sz="1800" i="1">
+                                <a:latin typeface="Cambria Math"/>
+                              </a:rPr>
+                              <m:t>𝑐</m:t>
+                            </m:r>
+                          </m:sub>
+                        </m:sSub>
+                      </m:num>
+                      <m:den>
+                        <m:d>
+                          <m:dPr>
+                            <m:ctrlPr>
+                              <a:rPr lang="fr-FR" sz="1800" i="1">
+                                <a:latin typeface="Cambria Math"/>
+                              </a:rPr>
+                            </m:ctrlPr>
+                          </m:dPr>
+                          <m:e>
+                            <m:r>
+                              <a:rPr lang="fr-FR" sz="1800" i="1">
+                                <a:latin typeface="Cambria Math"/>
+                              </a:rPr>
+                              <m:t>𝑅</m:t>
+                            </m:r>
+                            <m:r>
+                              <a:rPr lang="fr-FR" sz="1800" i="1">
+                                <a:latin typeface="Cambria Math"/>
+                              </a:rPr>
+                              <m:t>+</m:t>
+                            </m:r>
+                            <m:r>
+                              <a:rPr lang="fr-FR" sz="1800" i="1">
+                                <a:latin typeface="Cambria Math"/>
+                              </a:rPr>
+                              <m:t>𝐿𝑝</m:t>
+                            </m:r>
+                          </m:e>
+                        </m:d>
+                        <m:d>
+                          <m:dPr>
+                            <m:ctrlPr>
+                              <a:rPr lang="fr-FR" sz="1800" i="1">
+                                <a:latin typeface="Cambria Math"/>
+                              </a:rPr>
+                            </m:ctrlPr>
+                          </m:dPr>
+                          <m:e>
+                            <m:r>
+                              <a:rPr lang="fr-FR" sz="1800" i="1">
+                                <a:latin typeface="Cambria Math"/>
+                              </a:rPr>
+                              <m:t>𝑓</m:t>
+                            </m:r>
+                            <m:r>
+                              <a:rPr lang="fr-FR" sz="1800" i="1">
+                                <a:latin typeface="Cambria Math"/>
+                              </a:rPr>
+                              <m:t>+</m:t>
+                            </m:r>
+                            <m:sSub>
+                              <m:sSubPr>
+                                <m:ctrlPr>
+                                  <a:rPr lang="fr-FR" sz="1800" i="1">
+                                    <a:latin typeface="Cambria Math"/>
+                                  </a:rPr>
+                                </m:ctrlPr>
+                              </m:sSubPr>
+                              <m:e>
+                                <m:r>
+                                  <a:rPr lang="fr-FR" sz="1800" i="1">
+                                    <a:latin typeface="Cambria Math"/>
+                                  </a:rPr>
+                                  <m:t>𝐽</m:t>
+                                </m:r>
+                              </m:e>
+                              <m:sub>
+                                <m:r>
+                                  <a:rPr lang="fr-FR" sz="1800" i="1">
+                                    <a:latin typeface="Cambria Math"/>
+                                  </a:rPr>
+                                  <m:t>𝑒𝑞</m:t>
+                                </m:r>
+                              </m:sub>
+                            </m:sSub>
+                            <m:r>
+                              <a:rPr lang="fr-FR" sz="1800" i="1">
+                                <a:latin typeface="Cambria Math"/>
+                              </a:rPr>
+                              <m:t>𝑝</m:t>
+                            </m:r>
+                          </m:e>
+                        </m:d>
+                        <m:r>
+                          <a:rPr lang="fr-FR" sz="1800" i="1">
+                            <a:latin typeface="Cambria Math"/>
+                          </a:rPr>
+                          <m:t>+</m:t>
+                        </m:r>
+                        <m:sSub>
+                          <m:sSubPr>
+                            <m:ctrlPr>
+                              <a:rPr lang="fr-FR" sz="1800" i="1">
+                                <a:latin typeface="Cambria Math"/>
+                              </a:rPr>
+                            </m:ctrlPr>
+                          </m:sSubPr>
+                          <m:e>
+                            <m:r>
+                              <a:rPr lang="fr-FR" sz="1800" i="1">
+                                <a:latin typeface="Cambria Math"/>
+                              </a:rPr>
+                              <m:t>𝐾</m:t>
+                            </m:r>
+                          </m:e>
+                          <m:sub>
+                            <m:r>
+                              <a:rPr lang="fr-FR" sz="1800" i="1">
+                                <a:latin typeface="Cambria Math"/>
+                              </a:rPr>
+                              <m:t>𝑐</m:t>
+                            </m:r>
+                          </m:sub>
+                        </m:sSub>
+                        <m:sSub>
+                          <m:sSubPr>
+                            <m:ctrlPr>
+                              <a:rPr lang="fr-FR" sz="1800" i="1">
+                                <a:latin typeface="Cambria Math"/>
+                              </a:rPr>
+                            </m:ctrlPr>
+                          </m:sSubPr>
+                          <m:e>
+                            <m:r>
+                              <a:rPr lang="fr-FR" sz="1800" i="1">
+                                <a:latin typeface="Cambria Math"/>
+                              </a:rPr>
+                              <m:t>𝐾</m:t>
+                            </m:r>
+                          </m:e>
+                          <m:sub>
+                            <m:r>
+                              <a:rPr lang="fr-FR" sz="1800" i="1">
+                                <a:latin typeface="Cambria Math"/>
+                              </a:rPr>
+                              <m:t>𝐸</m:t>
+                            </m:r>
+                          </m:sub>
+                        </m:sSub>
+                      </m:den>
+                    </m:f>
+                    <m:r>
+                      <a:rPr lang="fr-FR" sz="1800" b="0" i="1" smtClean="0">
+                        <a:latin typeface="Cambria Math"/>
+                      </a:rPr>
+                      <m:t>𝑈</m:t>
+                    </m:r>
+                    <m:d>
+                      <m:dPr>
+                        <m:ctrlPr>
+                          <a:rPr lang="fr-FR" sz="1800" b="0" i="1" smtClean="0">
+                            <a:latin typeface="Cambria Math"/>
+                          </a:rPr>
+                        </m:ctrlPr>
+                      </m:dPr>
+                      <m:e>
+                        <m:r>
+                          <a:rPr lang="fr-FR" sz="1800" b="0" i="1" smtClean="0">
+                            <a:latin typeface="Cambria Math"/>
+                          </a:rPr>
+                          <m:t>𝑝</m:t>
+                        </m:r>
+                      </m:e>
+                    </m:d>
+                    <m:r>
+                      <a:rPr lang="fr-FR" sz="1800" b="0" i="1" smtClean="0">
+                        <a:latin typeface="Cambria Math"/>
+                      </a:rPr>
+                      <m:t>+</m:t>
+                    </m:r>
+                    <m:f>
+                      <m:fPr>
+                        <m:ctrlPr>
+                          <a:rPr lang="fr-FR" sz="1800" i="1">
+                            <a:latin typeface="Cambria Math"/>
+                          </a:rPr>
+                        </m:ctrlPr>
+                      </m:fPr>
+                      <m:num>
+                        <m:d>
+                          <m:dPr>
+                            <m:ctrlPr>
+                              <a:rPr lang="fr-FR" sz="1800" i="1">
+                                <a:latin typeface="Cambria Math"/>
+                              </a:rPr>
+                            </m:ctrlPr>
+                          </m:dPr>
+                          <m:e>
+                            <m:r>
+                              <a:rPr lang="fr-FR" sz="1800" i="1">
+                                <a:latin typeface="Cambria Math"/>
+                              </a:rPr>
+                              <m:t>𝑅</m:t>
+                            </m:r>
+                            <m:r>
+                              <a:rPr lang="fr-FR" sz="1800" i="1">
+                                <a:latin typeface="Cambria Math"/>
+                              </a:rPr>
+                              <m:t>+</m:t>
+                            </m:r>
+                            <m:r>
+                              <a:rPr lang="fr-FR" sz="1800" i="1">
+                                <a:latin typeface="Cambria Math"/>
+                              </a:rPr>
+                              <m:t>𝐿𝑝</m:t>
+                            </m:r>
+                          </m:e>
+                        </m:d>
+                      </m:num>
+                      <m:den>
+                        <m:d>
+                          <m:dPr>
+                            <m:ctrlPr>
+                              <a:rPr lang="fr-FR" sz="1800" i="1">
+                                <a:latin typeface="Cambria Math"/>
+                              </a:rPr>
+                            </m:ctrlPr>
+                          </m:dPr>
+                          <m:e>
+                            <m:r>
+                              <a:rPr lang="fr-FR" sz="1800" i="1">
+                                <a:latin typeface="Cambria Math"/>
+                              </a:rPr>
+                              <m:t>𝑓</m:t>
+                            </m:r>
+                            <m:r>
+                              <a:rPr lang="fr-FR" sz="1800" i="1">
+                                <a:latin typeface="Cambria Math"/>
+                              </a:rPr>
+                              <m:t>+</m:t>
+                            </m:r>
+                            <m:sSub>
+                              <m:sSubPr>
+                                <m:ctrlPr>
+                                  <a:rPr lang="fr-FR" sz="1800" i="1">
+                                    <a:latin typeface="Cambria Math"/>
+                                  </a:rPr>
+                                </m:ctrlPr>
+                              </m:sSubPr>
+                              <m:e>
+                                <m:r>
+                                  <a:rPr lang="fr-FR" sz="1800" i="1">
+                                    <a:latin typeface="Cambria Math"/>
+                                  </a:rPr>
+                                  <m:t>𝐽</m:t>
+                                </m:r>
+                              </m:e>
+                              <m:sub>
+                                <m:r>
+                                  <a:rPr lang="fr-FR" sz="1800" i="1">
+                                    <a:latin typeface="Cambria Math"/>
+                                  </a:rPr>
+                                  <m:t>𝑒𝑞</m:t>
+                                </m:r>
+                              </m:sub>
+                            </m:sSub>
+                            <m:r>
+                              <a:rPr lang="fr-FR" sz="1800" i="1">
+                                <a:latin typeface="Cambria Math"/>
+                              </a:rPr>
+                              <m:t>𝑝</m:t>
+                            </m:r>
+                          </m:e>
+                        </m:d>
+                        <m:d>
+                          <m:dPr>
+                            <m:ctrlPr>
+                              <a:rPr lang="fr-FR" sz="1800" i="1">
+                                <a:latin typeface="Cambria Math"/>
+                              </a:rPr>
+                            </m:ctrlPr>
+                          </m:dPr>
+                          <m:e>
+                            <m:r>
+                              <a:rPr lang="fr-FR" sz="1800" i="1">
+                                <a:latin typeface="Cambria Math"/>
+                              </a:rPr>
+                              <m:t>𝑅</m:t>
+                            </m:r>
+                            <m:r>
+                              <a:rPr lang="fr-FR" sz="1800" i="1">
+                                <a:latin typeface="Cambria Math"/>
+                              </a:rPr>
+                              <m:t>+</m:t>
+                            </m:r>
+                            <m:r>
+                              <a:rPr lang="fr-FR" sz="1800" i="1">
+                                <a:latin typeface="Cambria Math"/>
+                              </a:rPr>
+                              <m:t>𝐿𝑝</m:t>
+                            </m:r>
+                          </m:e>
+                        </m:d>
+                        <m:r>
+                          <a:rPr lang="fr-FR" sz="1800" i="1">
+                            <a:latin typeface="Cambria Math"/>
+                          </a:rPr>
+                          <m:t>+</m:t>
+                        </m:r>
+                        <m:sSub>
+                          <m:sSubPr>
+                            <m:ctrlPr>
+                              <a:rPr lang="fr-FR" sz="1800" i="1">
+                                <a:latin typeface="Cambria Math"/>
+                              </a:rPr>
+                            </m:ctrlPr>
+                          </m:sSubPr>
+                          <m:e>
+                            <m:r>
+                              <a:rPr lang="fr-FR" sz="1800" i="1">
+                                <a:latin typeface="Cambria Math"/>
+                              </a:rPr>
+                              <m:t>𝐾</m:t>
+                            </m:r>
+                          </m:e>
+                          <m:sub>
+                            <m:r>
+                              <a:rPr lang="fr-FR" sz="1800" i="1">
+                                <a:latin typeface="Cambria Math"/>
+                              </a:rPr>
+                              <m:t>𝑐</m:t>
+                            </m:r>
+                          </m:sub>
+                        </m:sSub>
+                        <m:sSub>
+                          <m:sSubPr>
+                            <m:ctrlPr>
+                              <a:rPr lang="fr-FR" sz="1800" i="1">
+                                <a:latin typeface="Cambria Math"/>
+                              </a:rPr>
+                            </m:ctrlPr>
+                          </m:sSubPr>
+                          <m:e>
+                            <m:r>
+                              <a:rPr lang="fr-FR" sz="1800" i="1">
+                                <a:latin typeface="Cambria Math"/>
+                              </a:rPr>
+                              <m:t>𝐾</m:t>
+                            </m:r>
+                          </m:e>
+                          <m:sub>
+                            <m:r>
+                              <a:rPr lang="fr-FR" sz="1800" i="1">
+                                <a:latin typeface="Cambria Math"/>
+                              </a:rPr>
+                              <m:t>𝐸</m:t>
+                            </m:r>
+                          </m:sub>
+                        </m:sSub>
+                      </m:den>
+                    </m:f>
+                    <m:sSub>
+                      <m:sSubPr>
+                        <m:ctrlPr>
+                          <a:rPr lang="fr-FR" sz="1800" b="0" i="1" smtClean="0">
+                            <a:latin typeface="Cambria Math"/>
+                          </a:rPr>
+                        </m:ctrlPr>
+                      </m:sSubPr>
+                      <m:e>
+                        <m:r>
+                          <a:rPr lang="fr-FR" sz="1800" b="0" i="1" smtClean="0">
+                            <a:latin typeface="Cambria Math"/>
+                          </a:rPr>
+                          <m:t>𝐶</m:t>
+                        </m:r>
+                      </m:e>
+                      <m:sub>
+                        <m:r>
+                          <a:rPr lang="fr-FR" sz="1800" b="0" i="1" smtClean="0">
+                            <a:latin typeface="Cambria Math"/>
+                          </a:rPr>
+                          <m:t>𝑟</m:t>
+                        </m:r>
+                      </m:sub>
+                    </m:sSub>
+                    <m:d>
+                      <m:dPr>
+                        <m:ctrlPr>
+                          <a:rPr lang="fr-FR" sz="1800" b="0" i="1" smtClean="0">
+                            <a:latin typeface="Cambria Math"/>
+                          </a:rPr>
+                        </m:ctrlPr>
+                      </m:dPr>
+                      <m:e>
+                        <m:r>
+                          <a:rPr lang="fr-FR" sz="1800" b="0" i="1" smtClean="0">
+                            <a:latin typeface="Cambria Math"/>
+                          </a:rPr>
+                          <m:t>𝑝</m:t>
+                        </m:r>
+                      </m:e>
+                    </m:d>
+                  </m:oMath>
+                </a14:m>
+                <a:endParaRPr lang="fr-FR" sz="1800" b="0" dirty="0" smtClean="0"/>
+              </a:p>
+              <a:p>
+                <a:r>
+                  <a:rPr lang="fr-FR" sz="1800" dirty="0" smtClean="0"/>
+                  <a:t>Avec </a:t>
+                </a:r>
+                <a14:m>
+                  <m:oMath xmlns:m="http://schemas.openxmlformats.org/officeDocument/2006/math">
+                    <m:sSub>
+                      <m:sSubPr>
+                        <m:ctrlPr>
+                          <a:rPr lang="fr-FR" sz="1800" b="0" i="1" smtClean="0">
+                            <a:latin typeface="Cambria Math"/>
+                          </a:rPr>
+                        </m:ctrlPr>
+                      </m:sSubPr>
+                      <m:e>
+                        <m:r>
+                          <a:rPr lang="fr-FR" sz="1800" b="0" i="1" smtClean="0">
+                            <a:latin typeface="Cambria Math"/>
+                          </a:rPr>
+                          <m:t>𝐻</m:t>
+                        </m:r>
+                      </m:e>
+                      <m:sub>
+                        <m:r>
+                          <a:rPr lang="fr-FR" sz="1800" b="0" i="1" smtClean="0">
+                            <a:latin typeface="Cambria Math"/>
+                          </a:rPr>
+                          <m:t>𝑚</m:t>
+                        </m:r>
+                      </m:sub>
+                    </m:sSub>
+                    <m:d>
+                      <m:dPr>
+                        <m:ctrlPr>
+                          <a:rPr lang="fr-FR" sz="1800" b="0" i="1" smtClean="0">
+                            <a:latin typeface="Cambria Math"/>
+                          </a:rPr>
+                        </m:ctrlPr>
+                      </m:dPr>
+                      <m:e>
+                        <m:r>
+                          <a:rPr lang="fr-FR" sz="1800" b="0" i="1" smtClean="0">
+                            <a:latin typeface="Cambria Math"/>
+                          </a:rPr>
+                          <m:t>𝑝</m:t>
+                        </m:r>
+                      </m:e>
+                    </m:d>
+                    <m:r>
+                      <a:rPr lang="fr-FR" sz="1800" b="0" i="1" smtClean="0">
+                        <a:latin typeface="Cambria Math"/>
+                      </a:rPr>
+                      <m:t>=</m:t>
+                    </m:r>
+                    <m:f>
+                      <m:fPr>
+                        <m:ctrlPr>
+                          <a:rPr lang="fr-FR" sz="1800" b="0" i="1" smtClean="0">
+                            <a:latin typeface="Cambria Math"/>
+                          </a:rPr>
+                        </m:ctrlPr>
+                      </m:fPr>
+                      <m:num>
+                        <m:sSub>
+                          <m:sSubPr>
+                            <m:ctrlPr>
+                              <a:rPr lang="fr-FR" sz="1800" b="0" i="1" smtClean="0">
+                                <a:latin typeface="Cambria Math"/>
+                              </a:rPr>
+                            </m:ctrlPr>
+                          </m:sSubPr>
+                          <m:e>
+                            <m:r>
+                              <a:rPr lang="fr-FR" sz="1800" b="0" i="1" smtClean="0">
+                                <a:latin typeface="Cambria Math"/>
+                              </a:rPr>
+                              <m:t>𝐾</m:t>
+                            </m:r>
+                          </m:e>
+                          <m:sub>
+                            <m:r>
+                              <a:rPr lang="fr-FR" sz="1800" b="0" i="1" smtClean="0">
+                                <a:latin typeface="Cambria Math"/>
+                              </a:rPr>
+                              <m:t>𝑚</m:t>
+                            </m:r>
+                          </m:sub>
+                        </m:sSub>
+                      </m:num>
+                      <m:den>
+                        <m:d>
+                          <m:dPr>
+                            <m:ctrlPr>
+                              <a:rPr lang="fr-FR" sz="1800" b="0" i="1" smtClean="0">
+                                <a:latin typeface="Cambria Math"/>
+                              </a:rPr>
+                            </m:ctrlPr>
+                          </m:dPr>
+                          <m:e>
+                            <m:r>
+                              <a:rPr lang="fr-FR" sz="1800" b="0" i="1" smtClean="0">
+                                <a:latin typeface="Cambria Math"/>
+                              </a:rPr>
+                              <m:t>1+</m:t>
+                            </m:r>
+                            <m:sSub>
+                              <m:sSubPr>
+                                <m:ctrlPr>
+                                  <a:rPr lang="fr-FR" sz="1800" b="0" i="1" smtClean="0">
+                                    <a:latin typeface="Cambria Math"/>
+                                  </a:rPr>
+                                </m:ctrlPr>
+                              </m:sSubPr>
+                              <m:e>
+                                <m:r>
+                                  <a:rPr lang="fr-FR" sz="1800" b="0" i="1" smtClean="0">
+                                    <a:latin typeface="Cambria Math"/>
+                                  </a:rPr>
+                                  <m:t>𝑇</m:t>
+                                </m:r>
+                              </m:e>
+                              <m:sub>
+                                <m:r>
+                                  <a:rPr lang="fr-FR" sz="1800" b="0" i="1" smtClean="0">
+                                    <a:latin typeface="Cambria Math"/>
+                                  </a:rPr>
+                                  <m:t>𝐸</m:t>
+                                </m:r>
+                              </m:sub>
+                            </m:sSub>
+                            <m:r>
+                              <a:rPr lang="fr-FR" sz="1800" b="0" i="1" smtClean="0">
+                                <a:latin typeface="Cambria Math"/>
+                              </a:rPr>
+                              <m:t>𝑝</m:t>
+                            </m:r>
+                          </m:e>
+                        </m:d>
+                        <m:d>
+                          <m:dPr>
+                            <m:ctrlPr>
+                              <a:rPr lang="fr-FR" sz="1800" i="1">
+                                <a:latin typeface="Cambria Math"/>
+                              </a:rPr>
+                            </m:ctrlPr>
+                          </m:dPr>
+                          <m:e>
+                            <m:r>
+                              <a:rPr lang="fr-FR" sz="1800" i="1">
+                                <a:latin typeface="Cambria Math"/>
+                              </a:rPr>
+                              <m:t>1+</m:t>
+                            </m:r>
+                            <m:sSub>
+                              <m:sSubPr>
+                                <m:ctrlPr>
+                                  <a:rPr lang="fr-FR" sz="1800" i="1">
+                                    <a:latin typeface="Cambria Math"/>
+                                  </a:rPr>
+                                </m:ctrlPr>
+                              </m:sSubPr>
+                              <m:e>
+                                <m:r>
+                                  <a:rPr lang="fr-FR" sz="1800" i="1">
+                                    <a:latin typeface="Cambria Math"/>
+                                  </a:rPr>
+                                  <m:t>𝑇</m:t>
+                                </m:r>
+                              </m:e>
+                              <m:sub>
+                                <m:r>
+                                  <a:rPr lang="fr-FR" sz="1800" b="0" i="1" smtClean="0">
+                                    <a:latin typeface="Cambria Math"/>
+                                  </a:rPr>
+                                  <m:t>𝑀</m:t>
+                                </m:r>
+                              </m:sub>
+                            </m:sSub>
+                            <m:r>
+                              <a:rPr lang="fr-FR" sz="1800" i="1">
+                                <a:latin typeface="Cambria Math"/>
+                              </a:rPr>
+                              <m:t>𝑝</m:t>
+                            </m:r>
+                          </m:e>
+                        </m:d>
+                      </m:den>
+                    </m:f>
+                    <m:r>
+                      <a:rPr lang="fr-FR" sz="1800" b="0" i="1" smtClean="0">
+                        <a:latin typeface="Cambria Math"/>
+                      </a:rPr>
+                      <m:t>=</m:t>
+                    </m:r>
+                    <m:f>
+                      <m:fPr>
+                        <m:ctrlPr>
+                          <a:rPr lang="fr-FR" sz="1800" i="1"/>
+                        </m:ctrlPr>
+                      </m:fPr>
+                      <m:num>
+                        <m:f>
+                          <m:fPr>
+                            <m:ctrlPr>
+                              <a:rPr lang="fr-FR" sz="1800" i="1"/>
+                            </m:ctrlPr>
+                          </m:fPr>
+                          <m:num>
+                            <m:sSub>
+                              <m:sSubPr>
+                                <m:ctrlPr>
+                                  <a:rPr lang="fr-FR" sz="1800" i="1"/>
+                                </m:ctrlPr>
+                              </m:sSubPr>
+                              <m:e>
+                                <m:r>
+                                  <a:rPr lang="fr-FR" sz="1800" i="1"/>
+                                  <m:t>𝐾</m:t>
+                                </m:r>
+                              </m:e>
+                              <m:sub>
+                                <m:r>
+                                  <a:rPr lang="fr-FR" sz="1800" i="1"/>
+                                  <m:t>𝐶</m:t>
+                                </m:r>
+                              </m:sub>
+                            </m:sSub>
+                          </m:num>
+                          <m:den>
+                            <m:sSub>
+                              <m:sSubPr>
+                                <m:ctrlPr>
+                                  <a:rPr lang="fr-FR" sz="1800" i="1"/>
+                                </m:ctrlPr>
+                              </m:sSubPr>
+                              <m:e>
+                                <m:r>
+                                  <a:rPr lang="fr-FR" sz="1800" i="1"/>
+                                  <m:t>𝐾</m:t>
+                                </m:r>
+                              </m:e>
+                              <m:sub>
+                                <m:r>
+                                  <a:rPr lang="fr-FR" sz="1800" i="1"/>
+                                  <m:t>𝑐</m:t>
+                                </m:r>
+                              </m:sub>
+                            </m:sSub>
+                            <m:sSub>
+                              <m:sSubPr>
+                                <m:ctrlPr>
+                                  <a:rPr lang="fr-FR" sz="1800" i="1"/>
+                                </m:ctrlPr>
+                              </m:sSubPr>
+                              <m:e>
+                                <m:r>
+                                  <a:rPr lang="fr-FR" sz="1800" i="1"/>
+                                  <m:t>𝐾</m:t>
+                                </m:r>
+                              </m:e>
+                              <m:sub>
+                                <m:r>
+                                  <a:rPr lang="fr-FR" sz="1800" i="1"/>
+                                  <m:t>𝐸</m:t>
+                                </m:r>
+                              </m:sub>
+                            </m:sSub>
+                            <m:r>
+                              <a:rPr lang="fr-FR" sz="1800" i="1"/>
+                              <m:t>+</m:t>
+                            </m:r>
+                            <m:r>
+                              <a:rPr lang="fr-FR" sz="1800" i="1"/>
+                              <m:t>𝑅𝑓</m:t>
+                            </m:r>
+                          </m:den>
+                        </m:f>
+                      </m:num>
+                      <m:den>
+                        <m:r>
+                          <a:rPr lang="fr-FR" sz="1800" i="1"/>
+                          <m:t>1+</m:t>
+                        </m:r>
+                        <m:f>
+                          <m:fPr>
+                            <m:ctrlPr>
+                              <a:rPr lang="fr-FR" sz="1800" i="1"/>
+                            </m:ctrlPr>
+                          </m:fPr>
+                          <m:num>
+                            <m:r>
+                              <a:rPr lang="fr-FR" sz="1800" i="1"/>
+                              <m:t>𝑅</m:t>
+                            </m:r>
+                            <m:sSub>
+                              <m:sSubPr>
+                                <m:ctrlPr>
+                                  <a:rPr lang="fr-FR" sz="1800" i="1"/>
+                                </m:ctrlPr>
+                              </m:sSubPr>
+                              <m:e>
+                                <m:r>
+                                  <a:rPr lang="fr-FR" sz="1800" i="1"/>
+                                  <m:t>𝐽</m:t>
+                                </m:r>
+                              </m:e>
+                              <m:sub>
+                                <m:r>
+                                  <a:rPr lang="fr-FR" sz="1800" i="1"/>
+                                  <m:t>𝑒𝑞</m:t>
+                                </m:r>
+                              </m:sub>
+                            </m:sSub>
+                            <m:r>
+                              <a:rPr lang="fr-FR" sz="1800" i="1"/>
+                              <m:t>+</m:t>
+                            </m:r>
+                            <m:r>
+                              <a:rPr lang="fr-FR" sz="1800" i="1"/>
+                              <m:t>𝐿𝑓</m:t>
+                            </m:r>
+                          </m:num>
+                          <m:den>
+                            <m:sSub>
+                              <m:sSubPr>
+                                <m:ctrlPr>
+                                  <a:rPr lang="fr-FR" sz="1800" i="1"/>
+                                </m:ctrlPr>
+                              </m:sSubPr>
+                              <m:e>
+                                <m:r>
+                                  <a:rPr lang="fr-FR" sz="1800" i="1"/>
+                                  <m:t>𝐾</m:t>
+                                </m:r>
+                              </m:e>
+                              <m:sub>
+                                <m:r>
+                                  <a:rPr lang="fr-FR" sz="1800" i="1"/>
+                                  <m:t>𝑐</m:t>
+                                </m:r>
+                              </m:sub>
+                            </m:sSub>
+                            <m:sSub>
+                              <m:sSubPr>
+                                <m:ctrlPr>
+                                  <a:rPr lang="fr-FR" sz="1800" i="1"/>
+                                </m:ctrlPr>
+                              </m:sSubPr>
+                              <m:e>
+                                <m:r>
+                                  <a:rPr lang="fr-FR" sz="1800" i="1"/>
+                                  <m:t>𝐾</m:t>
+                                </m:r>
+                              </m:e>
+                              <m:sub>
+                                <m:r>
+                                  <a:rPr lang="fr-FR" sz="1800" i="1"/>
+                                  <m:t>𝐸</m:t>
+                                </m:r>
+                              </m:sub>
+                            </m:sSub>
+                            <m:r>
+                              <a:rPr lang="fr-FR" sz="1800" i="1"/>
+                              <m:t>+</m:t>
+                            </m:r>
+                            <m:r>
+                              <a:rPr lang="fr-FR" sz="1800" i="1"/>
+                              <m:t>𝑅𝑓</m:t>
+                            </m:r>
+                          </m:den>
+                        </m:f>
+                        <m:r>
+                          <a:rPr lang="fr-FR" sz="1800" i="1"/>
+                          <m:t>𝑝</m:t>
+                        </m:r>
+                        <m:r>
+                          <a:rPr lang="fr-FR" sz="1800" i="1"/>
+                          <m:t>+</m:t>
+                        </m:r>
+                        <m:f>
+                          <m:fPr>
+                            <m:ctrlPr>
+                              <a:rPr lang="fr-FR" sz="1800" i="1"/>
+                            </m:ctrlPr>
+                          </m:fPr>
+                          <m:num>
+                            <m:r>
+                              <a:rPr lang="fr-FR" sz="1800" i="1"/>
+                              <m:t>𝐿</m:t>
+                            </m:r>
+                            <m:sSub>
+                              <m:sSubPr>
+                                <m:ctrlPr>
+                                  <a:rPr lang="fr-FR" sz="1800" i="1"/>
+                                </m:ctrlPr>
+                              </m:sSubPr>
+                              <m:e>
+                                <m:r>
+                                  <a:rPr lang="fr-FR" sz="1800" i="1"/>
+                                  <m:t>𝐽</m:t>
+                                </m:r>
+                              </m:e>
+                              <m:sub>
+                                <m:r>
+                                  <a:rPr lang="fr-FR" sz="1800" i="1"/>
+                                  <m:t>𝑒𝑞</m:t>
+                                </m:r>
+                              </m:sub>
+                            </m:sSub>
+                          </m:num>
+                          <m:den>
+                            <m:sSub>
+                              <m:sSubPr>
+                                <m:ctrlPr>
+                                  <a:rPr lang="fr-FR" sz="1800" i="1"/>
+                                </m:ctrlPr>
+                              </m:sSubPr>
+                              <m:e>
+                                <m:r>
+                                  <a:rPr lang="fr-FR" sz="1800" i="1"/>
+                                  <m:t>𝐾</m:t>
+                                </m:r>
+                              </m:e>
+                              <m:sub>
+                                <m:r>
+                                  <a:rPr lang="fr-FR" sz="1800" i="1"/>
+                                  <m:t>𝑐</m:t>
+                                </m:r>
+                              </m:sub>
+                            </m:sSub>
+                            <m:sSub>
+                              <m:sSubPr>
+                                <m:ctrlPr>
+                                  <a:rPr lang="fr-FR" sz="1800" i="1"/>
+                                </m:ctrlPr>
+                              </m:sSubPr>
+                              <m:e>
+                                <m:r>
+                                  <a:rPr lang="fr-FR" sz="1800" i="1"/>
+                                  <m:t>𝐾</m:t>
+                                </m:r>
+                              </m:e>
+                              <m:sub>
+                                <m:r>
+                                  <a:rPr lang="fr-FR" sz="1800" i="1"/>
+                                  <m:t>𝐸</m:t>
+                                </m:r>
+                              </m:sub>
+                            </m:sSub>
+                            <m:r>
+                              <a:rPr lang="fr-FR" sz="1800" i="1"/>
+                              <m:t>+</m:t>
+                            </m:r>
+                            <m:r>
+                              <a:rPr lang="fr-FR" sz="1800" i="1"/>
+                              <m:t>𝑅𝑓</m:t>
+                            </m:r>
+                          </m:den>
+                        </m:f>
+                        <m:sSup>
+                          <m:sSupPr>
+                            <m:ctrlPr>
+                              <a:rPr lang="fr-FR" sz="1800" i="1"/>
+                            </m:ctrlPr>
+                          </m:sSupPr>
+                          <m:e>
+                            <m:r>
+                              <a:rPr lang="fr-FR" sz="1800" i="1"/>
+                              <m:t>𝑝</m:t>
+                            </m:r>
+                          </m:e>
+                          <m:sup>
+                            <m:r>
+                              <a:rPr lang="fr-FR" sz="1800" i="1"/>
+                              <m:t>2</m:t>
+                            </m:r>
+                          </m:sup>
+                        </m:sSup>
+                      </m:den>
+                    </m:f>
+                    <m:r>
+                      <a:rPr lang="fr-FR" sz="1800" b="0" i="1" smtClean="0">
+                        <a:latin typeface="Cambria Math"/>
+                      </a:rPr>
+                      <m:t>=</m:t>
+                    </m:r>
+                    <m:f>
+                      <m:fPr>
+                        <m:ctrlPr>
+                          <a:rPr lang="fr-FR" sz="1800" i="1"/>
+                        </m:ctrlPr>
+                      </m:fPr>
+                      <m:num>
+                        <m:f>
+                          <m:fPr>
+                            <m:ctrlPr>
+                              <a:rPr lang="fr-FR" sz="1800" i="1"/>
+                            </m:ctrlPr>
+                          </m:fPr>
+                          <m:num>
+                            <m:r>
+                              <a:rPr lang="fr-FR" sz="1800" b="0" i="1" smtClean="0">
+                                <a:latin typeface="Cambria Math"/>
+                              </a:rPr>
+                              <m:t>1</m:t>
+                            </m:r>
+                          </m:num>
+                          <m:den>
+                            <m:sSub>
+                              <m:sSubPr>
+                                <m:ctrlPr>
+                                  <a:rPr lang="fr-FR" sz="1800" i="1"/>
+                                </m:ctrlPr>
+                              </m:sSubPr>
+                              <m:e>
+                                <m:r>
+                                  <a:rPr lang="fr-FR" sz="1800" i="1"/>
+                                  <m:t>𝐾</m:t>
+                                </m:r>
+                              </m:e>
+                              <m:sub>
+                                <m:r>
+                                  <a:rPr lang="fr-FR" sz="1800" i="1"/>
+                                  <m:t>𝐸</m:t>
+                                </m:r>
+                              </m:sub>
+                            </m:sSub>
+                          </m:den>
+                        </m:f>
+                      </m:num>
+                      <m:den>
+                        <m:r>
+                          <a:rPr lang="fr-FR" sz="1800" i="1"/>
+                          <m:t>1+</m:t>
+                        </m:r>
+                        <m:f>
+                          <m:fPr>
+                            <m:ctrlPr>
+                              <a:rPr lang="fr-FR" sz="1800" i="1"/>
+                            </m:ctrlPr>
+                          </m:fPr>
+                          <m:num>
+                            <m:r>
+                              <a:rPr lang="fr-FR" sz="1800" i="1"/>
+                              <m:t>𝑅</m:t>
+                            </m:r>
+                            <m:sSub>
+                              <m:sSubPr>
+                                <m:ctrlPr>
+                                  <a:rPr lang="fr-FR" sz="1800" i="1"/>
+                                </m:ctrlPr>
+                              </m:sSubPr>
+                              <m:e>
+                                <m:r>
+                                  <a:rPr lang="fr-FR" sz="1800" i="1"/>
+                                  <m:t>𝐽</m:t>
+                                </m:r>
+                              </m:e>
+                              <m:sub>
+                                <m:r>
+                                  <a:rPr lang="fr-FR" sz="1800" i="1"/>
+                                  <m:t>𝑒𝑞</m:t>
+                                </m:r>
+                              </m:sub>
+                            </m:sSub>
+                          </m:num>
+                          <m:den>
+                            <m:sSub>
+                              <m:sSubPr>
+                                <m:ctrlPr>
+                                  <a:rPr lang="fr-FR" sz="1800" i="1"/>
+                                </m:ctrlPr>
+                              </m:sSubPr>
+                              <m:e>
+                                <m:r>
+                                  <a:rPr lang="fr-FR" sz="1800" i="1"/>
+                                  <m:t>𝐾</m:t>
+                                </m:r>
+                              </m:e>
+                              <m:sub>
+                                <m:r>
+                                  <a:rPr lang="fr-FR" sz="1800" i="1"/>
+                                  <m:t>𝑐</m:t>
+                                </m:r>
+                              </m:sub>
+                            </m:sSub>
+                            <m:sSub>
+                              <m:sSubPr>
+                                <m:ctrlPr>
+                                  <a:rPr lang="fr-FR" sz="1800" i="1"/>
+                                </m:ctrlPr>
+                              </m:sSubPr>
+                              <m:e>
+                                <m:r>
+                                  <a:rPr lang="fr-FR" sz="1800" i="1"/>
+                                  <m:t>𝐾</m:t>
+                                </m:r>
+                              </m:e>
+                              <m:sub>
+                                <m:r>
+                                  <a:rPr lang="fr-FR" sz="1800" i="1"/>
+                                  <m:t>𝐸</m:t>
+                                </m:r>
+                              </m:sub>
+                            </m:sSub>
+                          </m:den>
+                        </m:f>
+                        <m:r>
+                          <a:rPr lang="fr-FR" sz="1800" i="1"/>
+                          <m:t>𝑝</m:t>
+                        </m:r>
+                        <m:r>
+                          <a:rPr lang="fr-FR" sz="1800" i="1"/>
+                          <m:t>+</m:t>
+                        </m:r>
+                        <m:f>
+                          <m:fPr>
+                            <m:ctrlPr>
+                              <a:rPr lang="fr-FR" sz="1800" i="1"/>
+                            </m:ctrlPr>
+                          </m:fPr>
+                          <m:num>
+                            <m:r>
+                              <a:rPr lang="fr-FR" sz="1800" i="1"/>
+                              <m:t>𝐿</m:t>
+                            </m:r>
+                            <m:sSub>
+                              <m:sSubPr>
+                                <m:ctrlPr>
+                                  <a:rPr lang="fr-FR" sz="1800" i="1"/>
+                                </m:ctrlPr>
+                              </m:sSubPr>
+                              <m:e>
+                                <m:r>
+                                  <a:rPr lang="fr-FR" sz="1800" i="1"/>
+                                  <m:t>𝐽</m:t>
+                                </m:r>
+                              </m:e>
+                              <m:sub>
+                                <m:r>
+                                  <a:rPr lang="fr-FR" sz="1800" i="1"/>
+                                  <m:t>𝑒𝑞</m:t>
+                                </m:r>
+                              </m:sub>
+                            </m:sSub>
+                          </m:num>
+                          <m:den>
+                            <m:sSub>
+                              <m:sSubPr>
+                                <m:ctrlPr>
+                                  <a:rPr lang="fr-FR" sz="1800" i="1"/>
+                                </m:ctrlPr>
+                              </m:sSubPr>
+                              <m:e>
+                                <m:r>
+                                  <a:rPr lang="fr-FR" sz="1800" i="1"/>
+                                  <m:t>𝐾</m:t>
+                                </m:r>
+                              </m:e>
+                              <m:sub>
+                                <m:r>
+                                  <a:rPr lang="fr-FR" sz="1800" i="1"/>
+                                  <m:t>𝑐</m:t>
+                                </m:r>
+                              </m:sub>
+                            </m:sSub>
+                            <m:sSub>
+                              <m:sSubPr>
+                                <m:ctrlPr>
+                                  <a:rPr lang="fr-FR" sz="1800" i="1"/>
+                                </m:ctrlPr>
+                              </m:sSubPr>
+                              <m:e>
+                                <m:r>
+                                  <a:rPr lang="fr-FR" sz="1800" i="1"/>
+                                  <m:t>𝐾</m:t>
+                                </m:r>
+                              </m:e>
+                              <m:sub>
+                                <m:r>
+                                  <a:rPr lang="fr-FR" sz="1800" i="1"/>
+                                  <m:t>𝐸</m:t>
+                                </m:r>
+                              </m:sub>
+                            </m:sSub>
+                          </m:den>
+                        </m:f>
+                        <m:sSup>
+                          <m:sSupPr>
+                            <m:ctrlPr>
+                              <a:rPr lang="fr-FR" sz="1800" i="1"/>
+                            </m:ctrlPr>
+                          </m:sSupPr>
+                          <m:e>
+                            <m:r>
+                              <a:rPr lang="fr-FR" sz="1800" i="1"/>
+                              <m:t>𝑝</m:t>
+                            </m:r>
+                          </m:e>
+                          <m:sup>
+                            <m:r>
+                              <a:rPr lang="fr-FR" sz="1800" i="1"/>
+                              <m:t>2</m:t>
+                            </m:r>
+                          </m:sup>
+                        </m:sSup>
+                      </m:den>
+                    </m:f>
+                  </m:oMath>
+                </a14:m>
+                <a:endParaRPr lang="fr-FR" sz="1800" dirty="0"/>
+              </a:p>
+            </p:txBody>
+          </p:sp>
+        </mc:Choice>
+        <mc:Fallback>
+          <p:sp>
+            <p:nvSpPr>
+              <p:cNvPr id="3" name="Espace réservé du contenu 2"/>
+              <p:cNvSpPr>
+                <a:spLocks noGrp="1" noRot="1" noChangeAspect="1" noMove="1" noResize="1" noEditPoints="1" noAdjustHandles="1" noChangeArrowheads="1" noChangeShapeType="1" noTextEdit="1"/>
+              </p:cNvSpPr>
+              <p:nvPr>
+                <p:ph idx="1"/>
+              </p:nvPr>
+            </p:nvSpPr>
+            <p:spPr>
+              <a:blipFill rotWithShape="1">
+                <a:blip r:embed="rId2"/>
+                <a:stretch>
+                  <a:fillRect l="-444"/>
+                </a:stretch>
+              </a:blipFill>
+            </p:spPr>
+            <p:txBody>
+              <a:bodyPr/>
+              <a:lstStyle/>
+              <a:p>
+                <a:r>
+                  <a:rPr lang="fr-FR">
+                    <a:noFill/>
+                  </a:rPr>
+                  <a:t> </a:t>
+                </a:r>
+              </a:p>
+            </p:txBody>
+          </p:sp>
+        </mc:Fallback>
+      </mc:AlternateContent>
+      <p:pic>
+        <p:nvPicPr>
+          <p:cNvPr id="1026" name="Picture 2"/>
+          <p:cNvPicPr>
+            <a:picLocks noChangeAspect="1" noChangeArrowheads="1"/>
+          </p:cNvPicPr>
+          <p:nvPr/>
+        </p:nvPicPr>
+        <p:blipFill>
+          <a:blip r:embed="rId3">
+            <a:extLst>
+              <a:ext uri="{28A0092B-C50C-407E-A947-70E740481C1C}">
+                <a14:useLocalDpi xmlns:a14="http://schemas.microsoft.com/office/drawing/2010/main" val="0"/>
+              </a:ext>
+            </a:extLst>
+          </a:blip>
+          <a:srcRect/>
+          <a:stretch>
+            <a:fillRect/>
+          </a:stretch>
+        </p:blipFill>
+        <p:spPr bwMode="auto">
+          <a:xfrm>
+            <a:off x="4600972" y="476672"/>
+            <a:ext cx="4432300" cy="1030288"/>
+          </a:xfrm>
+          <a:prstGeom prst="rect">
+            <a:avLst/>
+          </a:prstGeom>
+          <a:noFill/>
+          <a:ln>
+            <a:noFill/>
+          </a:ln>
+          <a:effectLst/>
+          <a:extLst>
+            <a:ext uri="{909E8E84-426E-40DD-AFC4-6F175D3DCCD1}">
+              <a14:hiddenFill xmlns:a14="http://schemas.microsoft.com/office/drawing/2010/main">
+                <a:solidFill>
+                  <a:schemeClr val="accent1"/>
+                </a:solidFill>
+              </a14:hiddenFill>
+            </a:ext>
+            <a:ext uri="{91240B29-F687-4F45-9708-019B960494DF}">
+              <a14:hiddenLine xmlns:a14="http://schemas.microsoft.com/office/drawing/2010/main" w="9525">
+                <a:solidFill>
+                  <a:schemeClr val="tx1"/>
+                </a:solidFill>
+                <a:miter lim="800000"/>
+                <a:headEnd/>
+                <a:tailEnd/>
+              </a14:hiddenLine>
+            </a:ext>
+            <a:ext uri="{AF507438-7753-43E0-B8FC-AC1667EBCBE1}">
+              <a14:hiddenEffects xmlns:a14="http://schemas.microsoft.com/office/drawing/2010/main">
+                <a:effectLst>
+                  <a:outerShdw dist="35921" dir="2700000" algn="ctr" rotWithShape="0">
+                    <a:schemeClr val="bg2"/>
+                  </a:outerShdw>
+                </a:effectLst>
+              </a14:hiddenEffects>
+            </a:ext>
+          </a:extLst>
+        </p:spPr>
+      </p:pic>
+    </p:spTree>
+    <p:extLst>
+      <p:ext uri="{BB962C8B-B14F-4D97-AF65-F5344CB8AC3E}">
+        <p14:creationId xmlns:p14="http://schemas.microsoft.com/office/powerpoint/2010/main" val="2948949578"/>
       </p:ext>
     </p:extLst>
   </p:cSld>
